--- a/2D Game/Game Pitch.pptx
+++ b/2D Game/Game Pitch.pptx
@@ -1142,7 +1142,11 @@
         <a:p>
           <a:r>
             <a:rPr lang="en-AU" dirty="0"/>
-            <a:t>Death Zone                                                  half done </a:t>
+            <a:t>Death Zone                                                  </a:t>
+          </a:r>
+          <a:r>
+            <a:rPr lang="en-AU" dirty="0" smtClean="0"/>
+            <a:t>Done! </a:t>
           </a:r>
           <a:endParaRPr lang="en-US" dirty="0"/>
         </a:p>
@@ -1179,8 +1183,13 @@
         <a:p>
           <a:r>
             <a:rPr lang="en-US" dirty="0"/>
-            <a:t>Player health &amp; spawn                                    character might not need health, put delay on spawn</a:t>
+            <a:t>Player health &amp; </a:t>
           </a:r>
+          <a:r>
+            <a:rPr lang="en-US" dirty="0" smtClean="0"/>
+            <a:t>spawn                                 Done!</a:t>
+          </a:r>
+          <a:endParaRPr lang="en-US" dirty="0"/>
         </a:p>
       </dgm:t>
     </dgm:pt>
@@ -1252,7 +1261,11 @@
         <a:p>
           <a:r>
             <a:rPr lang="en-AU" dirty="0"/>
-            <a:t>Place the pickup “key” that unlocks level doors.</a:t>
+            <a:t>Place the pickup “key” that unlocks level </a:t>
+          </a:r>
+          <a:r>
+            <a:rPr lang="en-AU" dirty="0" smtClean="0"/>
+            <a:t>doors, place level doors.</a:t>
           </a:r>
           <a:endParaRPr lang="en-US" dirty="0"/>
         </a:p>
@@ -1289,7 +1302,15 @@
         <a:p>
           <a:r>
             <a:rPr lang="en-AU" dirty="0"/>
-            <a:t>Set animations for 2D character, key, doors and platforms.</a:t>
+            <a:t>Set animations </a:t>
+          </a:r>
+          <a:r>
+            <a:rPr lang="en-AU" dirty="0" smtClean="0"/>
+            <a:t>for key</a:t>
+          </a:r>
+          <a:r>
+            <a:rPr lang="en-AU" dirty="0"/>
+            <a:t>, doors and platforms.</a:t>
           </a:r>
           <a:endParaRPr lang="en-US" dirty="0"/>
         </a:p>
@@ -1478,6 +1499,13 @@
         </dgm:presLayoutVars>
       </dgm:prSet>
       <dgm:spPr/>
+      <dgm:t>
+        <a:bodyPr/>
+        <a:lstStyle/>
+        <a:p>
+          <a:endParaRPr lang="en-AU"/>
+        </a:p>
+      </dgm:t>
     </dgm:pt>
     <dgm:pt modelId="{0D26A1DA-CF36-4C9D-980A-59A1774960C4}" type="pres">
       <dgm:prSet presAssocID="{05A43DD7-2F8A-451D-9825-E2FEBB45CDC7}" presName="thickLine" presStyleLbl="alignNode1" presStyleIdx="0" presStyleCnt="13"/>
@@ -1490,6 +1518,13 @@
     <dgm:pt modelId="{658B5014-3F39-4C66-824E-25789D25966D}" type="pres">
       <dgm:prSet presAssocID="{05A43DD7-2F8A-451D-9825-E2FEBB45CDC7}" presName="tx1" presStyleLbl="revTx" presStyleIdx="0" presStyleCnt="13"/>
       <dgm:spPr/>
+      <dgm:t>
+        <a:bodyPr/>
+        <a:lstStyle/>
+        <a:p>
+          <a:endParaRPr lang="en-AU"/>
+        </a:p>
+      </dgm:t>
     </dgm:pt>
     <dgm:pt modelId="{6FCC2B9F-25CE-405C-B2D3-E7DF28474DC6}" type="pres">
       <dgm:prSet presAssocID="{05A43DD7-2F8A-451D-9825-E2FEBB45CDC7}" presName="vert1" presStyleCnt="0"/>
@@ -1506,6 +1541,13 @@
     <dgm:pt modelId="{AD4169B0-88C4-4121-99C4-9EE50F893083}" type="pres">
       <dgm:prSet presAssocID="{B6E8900B-CDFB-4B1A-8710-76AB50C6770B}" presName="tx1" presStyleLbl="revTx" presStyleIdx="1" presStyleCnt="13"/>
       <dgm:spPr/>
+      <dgm:t>
+        <a:bodyPr/>
+        <a:lstStyle/>
+        <a:p>
+          <a:endParaRPr lang="en-AU"/>
+        </a:p>
+      </dgm:t>
     </dgm:pt>
     <dgm:pt modelId="{93780415-F598-4BA7-81D9-BA8751F54475}" type="pres">
       <dgm:prSet presAssocID="{B6E8900B-CDFB-4B1A-8710-76AB50C6770B}" presName="vert1" presStyleCnt="0"/>
@@ -1522,6 +1564,13 @@
     <dgm:pt modelId="{F5309230-C238-4E2A-B297-8CDA3B442811}" type="pres">
       <dgm:prSet presAssocID="{B0016F55-E5BB-4984-8501-5F087F4913A0}" presName="tx1" presStyleLbl="revTx" presStyleIdx="2" presStyleCnt="13"/>
       <dgm:spPr/>
+      <dgm:t>
+        <a:bodyPr/>
+        <a:lstStyle/>
+        <a:p>
+          <a:endParaRPr lang="en-AU"/>
+        </a:p>
+      </dgm:t>
     </dgm:pt>
     <dgm:pt modelId="{CB2D7489-7840-44B9-A817-BE49F47D61AE}" type="pres">
       <dgm:prSet presAssocID="{B0016F55-E5BB-4984-8501-5F087F4913A0}" presName="vert1" presStyleCnt="0"/>
@@ -1538,6 +1587,13 @@
     <dgm:pt modelId="{CBFBD308-593C-4721-B468-B7E4006BE9C7}" type="pres">
       <dgm:prSet presAssocID="{A049E833-AB12-4596-980D-3ED84E19BE5D}" presName="tx1" presStyleLbl="revTx" presStyleIdx="3" presStyleCnt="13"/>
       <dgm:spPr/>
+      <dgm:t>
+        <a:bodyPr/>
+        <a:lstStyle/>
+        <a:p>
+          <a:endParaRPr lang="en-AU"/>
+        </a:p>
+      </dgm:t>
     </dgm:pt>
     <dgm:pt modelId="{BAA46500-733B-400C-B4B8-8E903D1A311B}" type="pres">
       <dgm:prSet presAssocID="{A049E833-AB12-4596-980D-3ED84E19BE5D}" presName="vert1" presStyleCnt="0"/>
@@ -1554,6 +1610,13 @@
     <dgm:pt modelId="{0A4E8D86-611D-4907-9F9C-616EBACD100B}" type="pres">
       <dgm:prSet presAssocID="{11B404D5-49B0-4741-A096-763D7151576A}" presName="tx1" presStyleLbl="revTx" presStyleIdx="4" presStyleCnt="13"/>
       <dgm:spPr/>
+      <dgm:t>
+        <a:bodyPr/>
+        <a:lstStyle/>
+        <a:p>
+          <a:endParaRPr lang="en-AU"/>
+        </a:p>
+      </dgm:t>
     </dgm:pt>
     <dgm:pt modelId="{A8D6F4D8-18DC-4CF3-883E-7623DCAF8870}" type="pres">
       <dgm:prSet presAssocID="{11B404D5-49B0-4741-A096-763D7151576A}" presName="vert1" presStyleCnt="0"/>
@@ -1570,6 +1633,13 @@
     <dgm:pt modelId="{3F23DFDD-F45C-43C4-A59B-C3A8E58853EA}" type="pres">
       <dgm:prSet presAssocID="{CD3BDA02-4470-4D50-9365-073CC2E01CF9}" presName="tx1" presStyleLbl="revTx" presStyleIdx="5" presStyleCnt="13"/>
       <dgm:spPr/>
+      <dgm:t>
+        <a:bodyPr/>
+        <a:lstStyle/>
+        <a:p>
+          <a:endParaRPr lang="en-AU"/>
+        </a:p>
+      </dgm:t>
     </dgm:pt>
     <dgm:pt modelId="{792A4775-6EC3-49DA-A55C-68FFA8C81F6A}" type="pres">
       <dgm:prSet presAssocID="{CD3BDA02-4470-4D50-9365-073CC2E01CF9}" presName="vert1" presStyleCnt="0"/>
@@ -1586,6 +1656,13 @@
     <dgm:pt modelId="{D61813B1-5570-4E8E-9FE0-BFEE1E4C6791}" type="pres">
       <dgm:prSet presAssocID="{F4F3279F-3F39-4930-84C8-59923BDFD5EB}" presName="tx1" presStyleLbl="revTx" presStyleIdx="6" presStyleCnt="13"/>
       <dgm:spPr/>
+      <dgm:t>
+        <a:bodyPr/>
+        <a:lstStyle/>
+        <a:p>
+          <a:endParaRPr lang="en-AU"/>
+        </a:p>
+      </dgm:t>
     </dgm:pt>
     <dgm:pt modelId="{2CBB39F7-0C41-4606-AC54-758A2CED7868}" type="pres">
       <dgm:prSet presAssocID="{F4F3279F-3F39-4930-84C8-59923BDFD5EB}" presName="vert1" presStyleCnt="0"/>
@@ -1602,6 +1679,13 @@
     <dgm:pt modelId="{38D545AA-6781-4D06-93D8-8EC259809030}" type="pres">
       <dgm:prSet presAssocID="{99003C5D-0787-4983-9A6A-CB0811BE29E2}" presName="tx1" presStyleLbl="revTx" presStyleIdx="7" presStyleCnt="13"/>
       <dgm:spPr/>
+      <dgm:t>
+        <a:bodyPr/>
+        <a:lstStyle/>
+        <a:p>
+          <a:endParaRPr lang="en-AU"/>
+        </a:p>
+      </dgm:t>
     </dgm:pt>
     <dgm:pt modelId="{15EF6976-1429-4798-ACE6-9513D029C2D8}" type="pres">
       <dgm:prSet presAssocID="{99003C5D-0787-4983-9A6A-CB0811BE29E2}" presName="vert1" presStyleCnt="0"/>
@@ -1618,6 +1702,13 @@
     <dgm:pt modelId="{29DAD8F2-E139-4DCE-B6B1-5D65485591CE}" type="pres">
       <dgm:prSet presAssocID="{7769A5CA-6558-45EF-B09D-E2629FA5AE9A}" presName="tx1" presStyleLbl="revTx" presStyleIdx="8" presStyleCnt="13"/>
       <dgm:spPr/>
+      <dgm:t>
+        <a:bodyPr/>
+        <a:lstStyle/>
+        <a:p>
+          <a:endParaRPr lang="en-AU"/>
+        </a:p>
+      </dgm:t>
     </dgm:pt>
     <dgm:pt modelId="{75C51B5C-570C-4B73-8D60-278AFE787277}" type="pres">
       <dgm:prSet presAssocID="{7769A5CA-6558-45EF-B09D-E2629FA5AE9A}" presName="vert1" presStyleCnt="0"/>
@@ -1634,6 +1725,13 @@
     <dgm:pt modelId="{0037FA54-1E4F-4F01-99D9-32D4A4374DBF}" type="pres">
       <dgm:prSet presAssocID="{13C4870C-89FA-479A-B6B9-ADC312A81EAF}" presName="tx1" presStyleLbl="revTx" presStyleIdx="9" presStyleCnt="13"/>
       <dgm:spPr/>
+      <dgm:t>
+        <a:bodyPr/>
+        <a:lstStyle/>
+        <a:p>
+          <a:endParaRPr lang="en-AU"/>
+        </a:p>
+      </dgm:t>
     </dgm:pt>
     <dgm:pt modelId="{29C7D746-CB6A-4F9A-A3AD-EC86E745D798}" type="pres">
       <dgm:prSet presAssocID="{13C4870C-89FA-479A-B6B9-ADC312A81EAF}" presName="vert1" presStyleCnt="0"/>
@@ -1650,6 +1748,13 @@
     <dgm:pt modelId="{7B30C95E-8C43-4800-94A5-BAF7D5C78A89}" type="pres">
       <dgm:prSet presAssocID="{0C254976-46EC-44E2-81A3-BED5FEB6DD21}" presName="tx1" presStyleLbl="revTx" presStyleIdx="10" presStyleCnt="13"/>
       <dgm:spPr/>
+      <dgm:t>
+        <a:bodyPr/>
+        <a:lstStyle/>
+        <a:p>
+          <a:endParaRPr lang="en-AU"/>
+        </a:p>
+      </dgm:t>
     </dgm:pt>
     <dgm:pt modelId="{C50B1220-EDF8-4940-80B6-8760586C3163}" type="pres">
       <dgm:prSet presAssocID="{0C254976-46EC-44E2-81A3-BED5FEB6DD21}" presName="vert1" presStyleCnt="0"/>
@@ -1666,6 +1771,13 @@
     <dgm:pt modelId="{1781F4E7-48F2-4154-8384-21485E0779F2}" type="pres">
       <dgm:prSet presAssocID="{AB4352B0-097C-425A-B023-F325BCB44B1E}" presName="tx1" presStyleLbl="revTx" presStyleIdx="11" presStyleCnt="13"/>
       <dgm:spPr/>
+      <dgm:t>
+        <a:bodyPr/>
+        <a:lstStyle/>
+        <a:p>
+          <a:endParaRPr lang="en-AU"/>
+        </a:p>
+      </dgm:t>
     </dgm:pt>
     <dgm:pt modelId="{2CB93021-8BD8-4587-8B91-C654215CCCD7}" type="pres">
       <dgm:prSet presAssocID="{AB4352B0-097C-425A-B023-F325BCB44B1E}" presName="vert1" presStyleCnt="0"/>
@@ -1682,6 +1794,13 @@
     <dgm:pt modelId="{C1DC77BA-02E8-43C4-8B97-7C33C7899525}" type="pres">
       <dgm:prSet presAssocID="{F6722CBF-ABFA-45A3-B74B-FAD82F7AC80D}" presName="tx1" presStyleLbl="revTx" presStyleIdx="12" presStyleCnt="13"/>
       <dgm:spPr/>
+      <dgm:t>
+        <a:bodyPr/>
+        <a:lstStyle/>
+        <a:p>
+          <a:endParaRPr lang="en-AU"/>
+        </a:p>
+      </dgm:t>
     </dgm:pt>
     <dgm:pt modelId="{E2BB1842-E184-434A-B41C-B314850A40B6}" type="pres">
       <dgm:prSet presAssocID="{F6722CBF-ABFA-45A3-B74B-FAD82F7AC80D}" presName="vert1" presStyleCnt="0"/>
@@ -1689,33 +1808,33 @@
     </dgm:pt>
   </dgm:ptLst>
   <dgm:cxnLst>
+    <dgm:cxn modelId="{05FC11C4-1D37-4ECC-BA35-ED1DE9AF4051}" type="presOf" srcId="{05A43DD7-2F8A-451D-9825-E2FEBB45CDC7}" destId="{658B5014-3F39-4C66-824E-25789D25966D}" srcOrd="0" destOrd="0" presId="urn:microsoft.com/office/officeart/2008/layout/LinedList"/>
+    <dgm:cxn modelId="{77532D9D-30C5-4ABD-B8AE-6E9575C99168}" type="presOf" srcId="{A049E833-AB12-4596-980D-3ED84E19BE5D}" destId="{CBFBD308-593C-4721-B468-B7E4006BE9C7}" srcOrd="0" destOrd="0" presId="urn:microsoft.com/office/officeart/2008/layout/LinedList"/>
+    <dgm:cxn modelId="{B8124870-485A-45DC-96A0-E64D6E020035}" srcId="{9366E2F9-6A9C-4128-B43C-BD155F6067A1}" destId="{0C254976-46EC-44E2-81A3-BED5FEB6DD21}" srcOrd="10" destOrd="0" parTransId="{B63EC570-2635-47CE-A9B9-E531A982C056}" sibTransId="{9079083B-1182-403B-BD15-AB87FFCA4FA1}"/>
+    <dgm:cxn modelId="{0E6B30E3-1720-489B-8B09-C373C62614D7}" srcId="{9366E2F9-6A9C-4128-B43C-BD155F6067A1}" destId="{F4F3279F-3F39-4930-84C8-59923BDFD5EB}" srcOrd="6" destOrd="0" parTransId="{20AE1ABF-039D-4F31-A9B2-3162019E884D}" sibTransId="{1404EA23-9C69-490B-963F-D626C605013B}"/>
+    <dgm:cxn modelId="{BB71EB99-05D3-4778-9C79-D51294DAEEB5}" type="presOf" srcId="{AB4352B0-097C-425A-B023-F325BCB44B1E}" destId="{1781F4E7-48F2-4154-8384-21485E0779F2}" srcOrd="0" destOrd="0" presId="urn:microsoft.com/office/officeart/2008/layout/LinedList"/>
+    <dgm:cxn modelId="{6CE988E5-2ECE-46E8-BE04-B8D40533A30B}" srcId="{9366E2F9-6A9C-4128-B43C-BD155F6067A1}" destId="{B0016F55-E5BB-4984-8501-5F087F4913A0}" srcOrd="2" destOrd="0" parTransId="{6E312B90-7B56-4BEE-BE0A-D50C39EF56FA}" sibTransId="{6B771FD8-B518-4864-B6C3-4B0929417919}"/>
+    <dgm:cxn modelId="{F4F19603-9C4F-4168-97E8-396C9B24CAA1}" srcId="{9366E2F9-6A9C-4128-B43C-BD155F6067A1}" destId="{B6E8900B-CDFB-4B1A-8710-76AB50C6770B}" srcOrd="1" destOrd="0" parTransId="{A92B77FA-8A84-4C9C-B210-AEF099E5D9F3}" sibTransId="{32DDA225-6656-4BC5-B3D9-703E0ABAA005}"/>
+    <dgm:cxn modelId="{16A16B63-D7B5-4ADD-8627-0972DE3E802D}" type="presOf" srcId="{F4F3279F-3F39-4930-84C8-59923BDFD5EB}" destId="{D61813B1-5570-4E8E-9FE0-BFEE1E4C6791}" srcOrd="0" destOrd="0" presId="urn:microsoft.com/office/officeart/2008/layout/LinedList"/>
+    <dgm:cxn modelId="{DB4E3936-72CD-4CF3-BB70-8509E25F3614}" srcId="{9366E2F9-6A9C-4128-B43C-BD155F6067A1}" destId="{F6722CBF-ABFA-45A3-B74B-FAD82F7AC80D}" srcOrd="12" destOrd="0" parTransId="{CC38157F-3506-4571-A10E-C6FC2F4509A1}" sibTransId="{3B99C89E-AEA6-4731-BA93-2ACE55363BDA}"/>
+    <dgm:cxn modelId="{C1A1A4A2-EC21-4AD4-8B59-87F8D5F3899C}" type="presOf" srcId="{7769A5CA-6558-45EF-B09D-E2629FA5AE9A}" destId="{29DAD8F2-E139-4DCE-B6B1-5D65485591CE}" srcOrd="0" destOrd="0" presId="urn:microsoft.com/office/officeart/2008/layout/LinedList"/>
+    <dgm:cxn modelId="{7A028CC9-DA79-435C-A719-7C436D4F862E}" srcId="{9366E2F9-6A9C-4128-B43C-BD155F6067A1}" destId="{AB4352B0-097C-425A-B023-F325BCB44B1E}" srcOrd="11" destOrd="0" parTransId="{A290A44C-BD89-4425-9B7F-B26263F5704F}" sibTransId="{DCBFF866-F6CF-4BBB-B87F-60CFB2A9B2ED}"/>
+    <dgm:cxn modelId="{F0D60B61-DB8A-4880-9857-906419CA1142}" srcId="{9366E2F9-6A9C-4128-B43C-BD155F6067A1}" destId="{13C4870C-89FA-479A-B6B9-ADC312A81EAF}" srcOrd="9" destOrd="0" parTransId="{3B3F96D6-5ECC-4637-ABA9-AB8D2DB11DC9}" sibTransId="{0220BECA-C8A9-4523-8686-74D511AE12DC}"/>
+    <dgm:cxn modelId="{7097B940-875D-451F-8E40-7CA6BB9F2FA0}" srcId="{9366E2F9-6A9C-4128-B43C-BD155F6067A1}" destId="{A049E833-AB12-4596-980D-3ED84E19BE5D}" srcOrd="3" destOrd="0" parTransId="{120079F4-C370-4200-85D5-84C386F0866D}" sibTransId="{0DC34EC8-DC33-4AB9-A6A9-E02DD1FFD91D}"/>
+    <dgm:cxn modelId="{95101D3B-2E74-4747-BCE5-2FBA16DBAC51}" srcId="{9366E2F9-6A9C-4128-B43C-BD155F6067A1}" destId="{05A43DD7-2F8A-451D-9825-E2FEBB45CDC7}" srcOrd="0" destOrd="0" parTransId="{0C9EDEA2-94D0-465F-9E62-B7EB3B926499}" sibTransId="{F0A18890-6EF0-49B3-B009-67D48684E1E9}"/>
     <dgm:cxn modelId="{41020200-7F33-4CEB-A304-078ED7073838}" srcId="{9366E2F9-6A9C-4128-B43C-BD155F6067A1}" destId="{CD3BDA02-4470-4D50-9365-073CC2E01CF9}" srcOrd="5" destOrd="0" parTransId="{01C9657C-1B32-4EA0-A021-416B826557CF}" sibTransId="{ED65C934-32A0-4688-904F-34A92771DBF9}"/>
-    <dgm:cxn modelId="{F4F19603-9C4F-4168-97E8-396C9B24CAA1}" srcId="{9366E2F9-6A9C-4128-B43C-BD155F6067A1}" destId="{B6E8900B-CDFB-4B1A-8710-76AB50C6770B}" srcOrd="1" destOrd="0" parTransId="{A92B77FA-8A84-4C9C-B210-AEF099E5D9F3}" sibTransId="{32DDA225-6656-4BC5-B3D9-703E0ABAA005}"/>
+    <dgm:cxn modelId="{19B8DD6D-663D-40D1-9416-A4601ACF25E2}" type="presOf" srcId="{9366E2F9-6A9C-4128-B43C-BD155F6067A1}" destId="{42A24590-6783-4983-B028-831E6D0E43D6}" srcOrd="0" destOrd="0" presId="urn:microsoft.com/office/officeart/2008/layout/LinedList"/>
+    <dgm:cxn modelId="{8C856189-E582-42C0-8405-9CC6185AA7AB}" type="presOf" srcId="{11B404D5-49B0-4741-A096-763D7151576A}" destId="{0A4E8D86-611D-4907-9F9C-616EBACD100B}" srcOrd="0" destOrd="0" presId="urn:microsoft.com/office/officeart/2008/layout/LinedList"/>
+    <dgm:cxn modelId="{918FC053-58CA-4E4B-834E-1F5CAB6F22D9}" type="presOf" srcId="{CD3BDA02-4470-4D50-9365-073CC2E01CF9}" destId="{3F23DFDD-F45C-43C4-A59B-C3A8E58853EA}" srcOrd="0" destOrd="0" presId="urn:microsoft.com/office/officeart/2008/layout/LinedList"/>
+    <dgm:cxn modelId="{2C40E1DD-6CC7-4240-B2E5-728C7186E3D1}" srcId="{9366E2F9-6A9C-4128-B43C-BD155F6067A1}" destId="{11B404D5-49B0-4741-A096-763D7151576A}" srcOrd="4" destOrd="0" parTransId="{E08FA238-615F-4E9C-80D8-89564B9FC730}" sibTransId="{C3B55801-1DEA-432F-BA66-5FA63ACE5031}"/>
+    <dgm:cxn modelId="{2A7D9A67-A123-4BE6-9940-F7FD6D34C906}" type="presOf" srcId="{F6722CBF-ABFA-45A3-B74B-FAD82F7AC80D}" destId="{C1DC77BA-02E8-43C4-8B97-7C33C7899525}" srcOrd="0" destOrd="0" presId="urn:microsoft.com/office/officeart/2008/layout/LinedList"/>
+    <dgm:cxn modelId="{DBA36047-DBC1-48B2-BAA3-376B2CA5D9C3}" srcId="{9366E2F9-6A9C-4128-B43C-BD155F6067A1}" destId="{99003C5D-0787-4983-9A6A-CB0811BE29E2}" srcOrd="7" destOrd="0" parTransId="{146AD2C5-35C2-4768-B9E9-B4B789056EC7}" sibTransId="{9B64D327-8124-4050-89EC-278161B8E04E}"/>
+    <dgm:cxn modelId="{D5656635-1D33-472E-8C72-68BA90DAADEE}" type="presOf" srcId="{99003C5D-0787-4983-9A6A-CB0811BE29E2}" destId="{38D545AA-6781-4D06-93D8-8EC259809030}" srcOrd="0" destOrd="0" presId="urn:microsoft.com/office/officeart/2008/layout/LinedList"/>
+    <dgm:cxn modelId="{62DE8289-28D7-456A-AD7B-7806847668F9}" type="presOf" srcId="{B6E8900B-CDFB-4B1A-8710-76AB50C6770B}" destId="{AD4169B0-88C4-4121-99C4-9EE50F893083}" srcOrd="0" destOrd="0" presId="urn:microsoft.com/office/officeart/2008/layout/LinedList"/>
+    <dgm:cxn modelId="{8B8FD3A9-C600-444E-A8E4-2A5F4CBE5AAB}" type="presOf" srcId="{0C254976-46EC-44E2-81A3-BED5FEB6DD21}" destId="{7B30C95E-8C43-4800-94A5-BAF7D5C78A89}" srcOrd="0" destOrd="0" presId="urn:microsoft.com/office/officeart/2008/layout/LinedList"/>
+    <dgm:cxn modelId="{1B68A28E-3BFF-4A7F-9D57-5C6B5CC02D05}" type="presOf" srcId="{13C4870C-89FA-479A-B6B9-ADC312A81EAF}" destId="{0037FA54-1E4F-4F01-99D9-32D4A4374DBF}" srcOrd="0" destOrd="0" presId="urn:microsoft.com/office/officeart/2008/layout/LinedList"/>
+    <dgm:cxn modelId="{CB6946C0-1610-428C-8E17-39AC46C4E2B1}" srcId="{9366E2F9-6A9C-4128-B43C-BD155F6067A1}" destId="{7769A5CA-6558-45EF-B09D-E2629FA5AE9A}" srcOrd="8" destOrd="0" parTransId="{A1EF9A4B-D523-4BFA-A182-1488A12C5574}" sibTransId="{53A974A1-09CF-4331-8E39-38134EBA4717}"/>
     <dgm:cxn modelId="{B24BF312-E198-4542-AA2A-1D91AD2F2EF8}" type="presOf" srcId="{B0016F55-E5BB-4984-8501-5F087F4913A0}" destId="{F5309230-C238-4E2A-B297-8CDA3B442811}" srcOrd="0" destOrd="0" presId="urn:microsoft.com/office/officeart/2008/layout/LinedList"/>
-    <dgm:cxn modelId="{D5656635-1D33-472E-8C72-68BA90DAADEE}" type="presOf" srcId="{99003C5D-0787-4983-9A6A-CB0811BE29E2}" destId="{38D545AA-6781-4D06-93D8-8EC259809030}" srcOrd="0" destOrd="0" presId="urn:microsoft.com/office/officeart/2008/layout/LinedList"/>
-    <dgm:cxn modelId="{DB4E3936-72CD-4CF3-BB70-8509E25F3614}" srcId="{9366E2F9-6A9C-4128-B43C-BD155F6067A1}" destId="{F6722CBF-ABFA-45A3-B74B-FAD82F7AC80D}" srcOrd="12" destOrd="0" parTransId="{CC38157F-3506-4571-A10E-C6FC2F4509A1}" sibTransId="{3B99C89E-AEA6-4731-BA93-2ACE55363BDA}"/>
-    <dgm:cxn modelId="{95101D3B-2E74-4747-BCE5-2FBA16DBAC51}" srcId="{9366E2F9-6A9C-4128-B43C-BD155F6067A1}" destId="{05A43DD7-2F8A-451D-9825-E2FEBB45CDC7}" srcOrd="0" destOrd="0" parTransId="{0C9EDEA2-94D0-465F-9E62-B7EB3B926499}" sibTransId="{F0A18890-6EF0-49B3-B009-67D48684E1E9}"/>
-    <dgm:cxn modelId="{7097B940-875D-451F-8E40-7CA6BB9F2FA0}" srcId="{9366E2F9-6A9C-4128-B43C-BD155F6067A1}" destId="{A049E833-AB12-4596-980D-3ED84E19BE5D}" srcOrd="3" destOrd="0" parTransId="{120079F4-C370-4200-85D5-84C386F0866D}" sibTransId="{0DC34EC8-DC33-4AB9-A6A9-E02DD1FFD91D}"/>
-    <dgm:cxn modelId="{F0D60B61-DB8A-4880-9857-906419CA1142}" srcId="{9366E2F9-6A9C-4128-B43C-BD155F6067A1}" destId="{13C4870C-89FA-479A-B6B9-ADC312A81EAF}" srcOrd="9" destOrd="0" parTransId="{3B3F96D6-5ECC-4637-ABA9-AB8D2DB11DC9}" sibTransId="{0220BECA-C8A9-4523-8686-74D511AE12DC}"/>
-    <dgm:cxn modelId="{16A16B63-D7B5-4ADD-8627-0972DE3E802D}" type="presOf" srcId="{F4F3279F-3F39-4930-84C8-59923BDFD5EB}" destId="{D61813B1-5570-4E8E-9FE0-BFEE1E4C6791}" srcOrd="0" destOrd="0" presId="urn:microsoft.com/office/officeart/2008/layout/LinedList"/>
-    <dgm:cxn modelId="{DBA36047-DBC1-48B2-BAA3-376B2CA5D9C3}" srcId="{9366E2F9-6A9C-4128-B43C-BD155F6067A1}" destId="{99003C5D-0787-4983-9A6A-CB0811BE29E2}" srcOrd="7" destOrd="0" parTransId="{146AD2C5-35C2-4768-B9E9-B4B789056EC7}" sibTransId="{9B64D327-8124-4050-89EC-278161B8E04E}"/>
-    <dgm:cxn modelId="{2A7D9A67-A123-4BE6-9940-F7FD6D34C906}" type="presOf" srcId="{F6722CBF-ABFA-45A3-B74B-FAD82F7AC80D}" destId="{C1DC77BA-02E8-43C4-8B97-7C33C7899525}" srcOrd="0" destOrd="0" presId="urn:microsoft.com/office/officeart/2008/layout/LinedList"/>
-    <dgm:cxn modelId="{19B8DD6D-663D-40D1-9416-A4601ACF25E2}" type="presOf" srcId="{9366E2F9-6A9C-4128-B43C-BD155F6067A1}" destId="{42A24590-6783-4983-B028-831E6D0E43D6}" srcOrd="0" destOrd="0" presId="urn:microsoft.com/office/officeart/2008/layout/LinedList"/>
-    <dgm:cxn modelId="{B8124870-485A-45DC-96A0-E64D6E020035}" srcId="{9366E2F9-6A9C-4128-B43C-BD155F6067A1}" destId="{0C254976-46EC-44E2-81A3-BED5FEB6DD21}" srcOrd="10" destOrd="0" parTransId="{B63EC570-2635-47CE-A9B9-E531A982C056}" sibTransId="{9079083B-1182-403B-BD15-AB87FFCA4FA1}"/>
-    <dgm:cxn modelId="{918FC053-58CA-4E4B-834E-1F5CAB6F22D9}" type="presOf" srcId="{CD3BDA02-4470-4D50-9365-073CC2E01CF9}" destId="{3F23DFDD-F45C-43C4-A59B-C3A8E58853EA}" srcOrd="0" destOrd="0" presId="urn:microsoft.com/office/officeart/2008/layout/LinedList"/>
-    <dgm:cxn modelId="{8C856189-E582-42C0-8405-9CC6185AA7AB}" type="presOf" srcId="{11B404D5-49B0-4741-A096-763D7151576A}" destId="{0A4E8D86-611D-4907-9F9C-616EBACD100B}" srcOrd="0" destOrd="0" presId="urn:microsoft.com/office/officeart/2008/layout/LinedList"/>
-    <dgm:cxn modelId="{62DE8289-28D7-456A-AD7B-7806847668F9}" type="presOf" srcId="{B6E8900B-CDFB-4B1A-8710-76AB50C6770B}" destId="{AD4169B0-88C4-4121-99C4-9EE50F893083}" srcOrd="0" destOrd="0" presId="urn:microsoft.com/office/officeart/2008/layout/LinedList"/>
-    <dgm:cxn modelId="{1B68A28E-3BFF-4A7F-9D57-5C6B5CC02D05}" type="presOf" srcId="{13C4870C-89FA-479A-B6B9-ADC312A81EAF}" destId="{0037FA54-1E4F-4F01-99D9-32D4A4374DBF}" srcOrd="0" destOrd="0" presId="urn:microsoft.com/office/officeart/2008/layout/LinedList"/>
-    <dgm:cxn modelId="{BB71EB99-05D3-4778-9C79-D51294DAEEB5}" type="presOf" srcId="{AB4352B0-097C-425A-B023-F325BCB44B1E}" destId="{1781F4E7-48F2-4154-8384-21485E0779F2}" srcOrd="0" destOrd="0" presId="urn:microsoft.com/office/officeart/2008/layout/LinedList"/>
-    <dgm:cxn modelId="{77532D9D-30C5-4ABD-B8AE-6E9575C99168}" type="presOf" srcId="{A049E833-AB12-4596-980D-3ED84E19BE5D}" destId="{CBFBD308-593C-4721-B468-B7E4006BE9C7}" srcOrd="0" destOrd="0" presId="urn:microsoft.com/office/officeart/2008/layout/LinedList"/>
-    <dgm:cxn modelId="{C1A1A4A2-EC21-4AD4-8B59-87F8D5F3899C}" type="presOf" srcId="{7769A5CA-6558-45EF-B09D-E2629FA5AE9A}" destId="{29DAD8F2-E139-4DCE-B6B1-5D65485591CE}" srcOrd="0" destOrd="0" presId="urn:microsoft.com/office/officeart/2008/layout/LinedList"/>
-    <dgm:cxn modelId="{8B8FD3A9-C600-444E-A8E4-2A5F4CBE5AAB}" type="presOf" srcId="{0C254976-46EC-44E2-81A3-BED5FEB6DD21}" destId="{7B30C95E-8C43-4800-94A5-BAF7D5C78A89}" srcOrd="0" destOrd="0" presId="urn:microsoft.com/office/officeart/2008/layout/LinedList"/>
-    <dgm:cxn modelId="{CB6946C0-1610-428C-8E17-39AC46C4E2B1}" srcId="{9366E2F9-6A9C-4128-B43C-BD155F6067A1}" destId="{7769A5CA-6558-45EF-B09D-E2629FA5AE9A}" srcOrd="8" destOrd="0" parTransId="{A1EF9A4B-D523-4BFA-A182-1488A12C5574}" sibTransId="{53A974A1-09CF-4331-8E39-38134EBA4717}"/>
-    <dgm:cxn modelId="{05FC11C4-1D37-4ECC-BA35-ED1DE9AF4051}" type="presOf" srcId="{05A43DD7-2F8A-451D-9825-E2FEBB45CDC7}" destId="{658B5014-3F39-4C66-824E-25789D25966D}" srcOrd="0" destOrd="0" presId="urn:microsoft.com/office/officeart/2008/layout/LinedList"/>
-    <dgm:cxn modelId="{7A028CC9-DA79-435C-A719-7C436D4F862E}" srcId="{9366E2F9-6A9C-4128-B43C-BD155F6067A1}" destId="{AB4352B0-097C-425A-B023-F325BCB44B1E}" srcOrd="11" destOrd="0" parTransId="{A290A44C-BD89-4425-9B7F-B26263F5704F}" sibTransId="{DCBFF866-F6CF-4BBB-B87F-60CFB2A9B2ED}"/>
-    <dgm:cxn modelId="{2C40E1DD-6CC7-4240-B2E5-728C7186E3D1}" srcId="{9366E2F9-6A9C-4128-B43C-BD155F6067A1}" destId="{11B404D5-49B0-4741-A096-763D7151576A}" srcOrd="4" destOrd="0" parTransId="{E08FA238-615F-4E9C-80D8-89564B9FC730}" sibTransId="{C3B55801-1DEA-432F-BA66-5FA63ACE5031}"/>
-    <dgm:cxn modelId="{0E6B30E3-1720-489B-8B09-C373C62614D7}" srcId="{9366E2F9-6A9C-4128-B43C-BD155F6067A1}" destId="{F4F3279F-3F39-4930-84C8-59923BDFD5EB}" srcOrd="6" destOrd="0" parTransId="{20AE1ABF-039D-4F31-A9B2-3162019E884D}" sibTransId="{1404EA23-9C69-490B-963F-D626C605013B}"/>
-    <dgm:cxn modelId="{6CE988E5-2ECE-46E8-BE04-B8D40533A30B}" srcId="{9366E2F9-6A9C-4128-B43C-BD155F6067A1}" destId="{B0016F55-E5BB-4984-8501-5F087F4913A0}" srcOrd="2" destOrd="0" parTransId="{6E312B90-7B56-4BEE-BE0A-D50C39EF56FA}" sibTransId="{6B771FD8-B518-4864-B6C3-4B0929417919}"/>
     <dgm:cxn modelId="{2475E60B-363D-42D4-9058-158A82C72482}" type="presParOf" srcId="{42A24590-6783-4983-B028-831E6D0E43D6}" destId="{0D26A1DA-CF36-4C9D-980A-59A1774960C4}" srcOrd="0" destOrd="0" presId="urn:microsoft.com/office/officeart/2008/layout/LinedList"/>
     <dgm:cxn modelId="{EF0BF375-F5EC-4ECB-80D5-1651760DE11F}" type="presParOf" srcId="{42A24590-6783-4983-B028-831E6D0E43D6}" destId="{331F1EBB-6F8D-4A13-B48B-EAB2AACBF548}" srcOrd="1" destOrd="0" presId="urn:microsoft.com/office/officeart/2008/layout/LinedList"/>
     <dgm:cxn modelId="{DD40890C-75AE-4C45-A583-FE04E925F8C5}" type="presParOf" srcId="{331F1EBB-6F8D-4A13-B48B-EAB2AACBF548}" destId="{658B5014-3F39-4C66-824E-25789D25966D}" srcOrd="0" destOrd="0" presId="urn:microsoft.com/office/officeart/2008/layout/LinedList"/>
@@ -1868,12 +1987,12 @@
         <a:fontRef idx="minor"/>
       </dsp:style>
       <dsp:txBody>
-        <a:bodyPr spcFirstLastPara="0" vert="horz" wrap="square" lIns="68580" tIns="68580" rIns="68580" bIns="68580" numCol="1" spcCol="1270" anchor="t" anchorCtr="0">
+        <a:bodyPr spcFirstLastPara="0" vert="horz" wrap="square" lIns="57150" tIns="57150" rIns="57150" bIns="57150" numCol="1" spcCol="1270" anchor="t" anchorCtr="0">
           <a:noAutofit/>
         </a:bodyPr>
         <a:lstStyle/>
         <a:p>
-          <a:pPr marL="0" lvl="0" indent="0" algn="l" defTabSz="800100">
+          <a:pPr lvl="0" algn="l" defTabSz="666750">
             <a:lnSpc>
               <a:spcPct val="90000"/>
             </a:lnSpc>
@@ -1883,13 +2002,12 @@
             <a:spcAft>
               <a:spcPct val="35000"/>
             </a:spcAft>
-            <a:buNone/>
           </a:pPr>
           <a:r>
-            <a:rPr lang="en-AU" sz="1800" b="1" i="1" kern="1200"/>
+            <a:rPr lang="en-AU" sz="1500" b="1" i="1" kern="1200"/>
             <a:t>Week 1</a:t>
           </a:r>
-          <a:endParaRPr lang="en-US" sz="1800" kern="1200"/>
+          <a:endParaRPr lang="en-US" sz="1500" kern="1200"/>
         </a:p>
       </dsp:txBody>
       <dsp:txXfrm>
@@ -1978,12 +2096,12 @@
         <a:fontRef idx="minor"/>
       </dsp:style>
       <dsp:txBody>
-        <a:bodyPr spcFirstLastPara="0" vert="horz" wrap="square" lIns="68580" tIns="68580" rIns="68580" bIns="68580" numCol="1" spcCol="1270" anchor="t" anchorCtr="0">
+        <a:bodyPr spcFirstLastPara="0" vert="horz" wrap="square" lIns="57150" tIns="57150" rIns="57150" bIns="57150" numCol="1" spcCol="1270" anchor="t" anchorCtr="0">
           <a:noAutofit/>
         </a:bodyPr>
         <a:lstStyle/>
         <a:p>
-          <a:pPr marL="0" lvl="0" indent="0" algn="l" defTabSz="800100">
+          <a:pPr lvl="0" algn="l" defTabSz="666750">
             <a:lnSpc>
               <a:spcPct val="90000"/>
             </a:lnSpc>
@@ -1993,21 +2111,20 @@
             <a:spcAft>
               <a:spcPct val="35000"/>
             </a:spcAft>
-            <a:buNone/>
           </a:pPr>
           <a:r>
-            <a:rPr lang="en-AU" sz="1800" kern="1200" dirty="0"/>
+            <a:rPr lang="en-AU" sz="1500" kern="1200" dirty="0"/>
             <a:t>Character control/moveability(</a:t>
           </a:r>
           <a:r>
-            <a:rPr lang="en-AU" sz="1800" kern="1200" dirty="0" err="1"/>
+            <a:rPr lang="en-AU" sz="1500" kern="1200" dirty="0" err="1"/>
             <a:t>wasd</a:t>
           </a:r>
           <a:r>
-            <a:rPr lang="en-AU" sz="1800" kern="1200" dirty="0"/>
+            <a:rPr lang="en-AU" sz="1500" kern="1200" dirty="0"/>
             <a:t>, jump and crouch)     DONE!  </a:t>
           </a:r>
-          <a:endParaRPr lang="en-US" sz="1800" kern="1200" dirty="0"/>
+          <a:endParaRPr lang="en-US" sz="1500" kern="1200" dirty="0"/>
         </a:p>
       </dsp:txBody>
       <dsp:txXfrm>
@@ -2096,12 +2213,12 @@
         <a:fontRef idx="minor"/>
       </dsp:style>
       <dsp:txBody>
-        <a:bodyPr spcFirstLastPara="0" vert="horz" wrap="square" lIns="68580" tIns="68580" rIns="68580" bIns="68580" numCol="1" spcCol="1270" anchor="t" anchorCtr="0">
+        <a:bodyPr spcFirstLastPara="0" vert="horz" wrap="square" lIns="57150" tIns="57150" rIns="57150" bIns="57150" numCol="1" spcCol="1270" anchor="t" anchorCtr="0">
           <a:noAutofit/>
         </a:bodyPr>
         <a:lstStyle/>
         <a:p>
-          <a:pPr marL="0" lvl="0" indent="0" algn="l" defTabSz="800100">
+          <a:pPr lvl="0" algn="l" defTabSz="666750">
             <a:lnSpc>
               <a:spcPct val="90000"/>
             </a:lnSpc>
@@ -2111,10 +2228,9 @@
             <a:spcAft>
               <a:spcPct val="35000"/>
             </a:spcAft>
-            <a:buNone/>
           </a:pPr>
           <a:r>
-            <a:rPr lang="en-AU" sz="1800" kern="1200" dirty="0"/>
+            <a:rPr lang="en-AU" sz="1500" kern="1200" dirty="0"/>
             <a:t>art assets from unity store &amp; start on game environment  DONE!</a:t>
           </a:r>
         </a:p>
@@ -2205,12 +2321,12 @@
         <a:fontRef idx="minor"/>
       </dsp:style>
       <dsp:txBody>
-        <a:bodyPr spcFirstLastPara="0" vert="horz" wrap="square" lIns="68580" tIns="68580" rIns="68580" bIns="68580" numCol="1" spcCol="1270" anchor="t" anchorCtr="0">
+        <a:bodyPr spcFirstLastPara="0" vert="horz" wrap="square" lIns="57150" tIns="57150" rIns="57150" bIns="57150" numCol="1" spcCol="1270" anchor="t" anchorCtr="0">
           <a:noAutofit/>
         </a:bodyPr>
         <a:lstStyle/>
         <a:p>
-          <a:pPr marL="0" lvl="0" indent="0" algn="l" defTabSz="800100">
+          <a:pPr lvl="0" algn="l" defTabSz="666750">
             <a:lnSpc>
               <a:spcPct val="90000"/>
             </a:lnSpc>
@@ -2220,17 +2336,16 @@
             <a:spcAft>
               <a:spcPct val="35000"/>
             </a:spcAft>
-            <a:buNone/>
           </a:pPr>
           <a:r>
-            <a:rPr lang="en-AU" sz="1800" b="1" i="1" kern="1200"/>
+            <a:rPr lang="en-AU" sz="1500" b="1" i="1" kern="1200"/>
             <a:t>Week 2</a:t>
           </a:r>
           <a:r>
-            <a:rPr lang="en-AU" sz="1800" kern="1200"/>
+            <a:rPr lang="en-AU" sz="1500" kern="1200"/>
             <a:t> </a:t>
           </a:r>
-          <a:endParaRPr lang="en-US" sz="1800" kern="1200"/>
+          <a:endParaRPr lang="en-US" sz="1500" kern="1200"/>
         </a:p>
       </dsp:txBody>
       <dsp:txXfrm>
@@ -2319,12 +2434,12 @@
         <a:fontRef idx="minor"/>
       </dsp:style>
       <dsp:txBody>
-        <a:bodyPr spcFirstLastPara="0" vert="horz" wrap="square" lIns="68580" tIns="68580" rIns="68580" bIns="68580" numCol="1" spcCol="1270" anchor="t" anchorCtr="0">
+        <a:bodyPr spcFirstLastPara="0" vert="horz" wrap="square" lIns="57150" tIns="57150" rIns="57150" bIns="57150" numCol="1" spcCol="1270" anchor="t" anchorCtr="0">
           <a:noAutofit/>
         </a:bodyPr>
         <a:lstStyle/>
         <a:p>
-          <a:pPr marL="0" lvl="0" indent="0" algn="l" defTabSz="800100">
+          <a:pPr lvl="0" algn="l" defTabSz="666750">
             <a:lnSpc>
               <a:spcPct val="90000"/>
             </a:lnSpc>
@@ -2334,13 +2449,16 @@
             <a:spcAft>
               <a:spcPct val="35000"/>
             </a:spcAft>
-            <a:buNone/>
           </a:pPr>
           <a:r>
-            <a:rPr lang="en-AU" sz="1800" kern="1200" dirty="0"/>
-            <a:t>Death Zone                                                  half done </a:t>
+            <a:rPr lang="en-AU" sz="1500" kern="1200" dirty="0"/>
+            <a:t>Death Zone                                                  </a:t>
           </a:r>
-          <a:endParaRPr lang="en-US" sz="1800" kern="1200" dirty="0"/>
+          <a:r>
+            <a:rPr lang="en-AU" sz="1500" kern="1200" dirty="0" smtClean="0"/>
+            <a:t>Done! </a:t>
+          </a:r>
+          <a:endParaRPr lang="en-US" sz="1500" kern="1200" dirty="0"/>
         </a:p>
       </dsp:txBody>
       <dsp:txXfrm>
@@ -2429,12 +2547,12 @@
         <a:fontRef idx="minor"/>
       </dsp:style>
       <dsp:txBody>
-        <a:bodyPr spcFirstLastPara="0" vert="horz" wrap="square" lIns="68580" tIns="68580" rIns="68580" bIns="68580" numCol="1" spcCol="1270" anchor="t" anchorCtr="0">
+        <a:bodyPr spcFirstLastPara="0" vert="horz" wrap="square" lIns="57150" tIns="57150" rIns="57150" bIns="57150" numCol="1" spcCol="1270" anchor="t" anchorCtr="0">
           <a:noAutofit/>
         </a:bodyPr>
         <a:lstStyle/>
         <a:p>
-          <a:pPr marL="0" lvl="0" indent="0" algn="l" defTabSz="800100">
+          <a:pPr lvl="0" algn="l" defTabSz="666750">
             <a:lnSpc>
               <a:spcPct val="90000"/>
             </a:lnSpc>
@@ -2444,12 +2562,16 @@
             <a:spcAft>
               <a:spcPct val="35000"/>
             </a:spcAft>
-            <a:buNone/>
           </a:pPr>
           <a:r>
-            <a:rPr lang="en-US" sz="1800" kern="1200" dirty="0"/>
-            <a:t>Player health &amp; spawn                                    character might not need health, put delay on spawn</a:t>
+            <a:rPr lang="en-US" sz="1500" kern="1200" dirty="0"/>
+            <a:t>Player health &amp; </a:t>
           </a:r>
+          <a:r>
+            <a:rPr lang="en-US" sz="1500" kern="1200" dirty="0" smtClean="0"/>
+            <a:t>spawn                                 Done!</a:t>
+          </a:r>
+          <a:endParaRPr lang="en-US" sz="1500" kern="1200" dirty="0"/>
         </a:p>
       </dsp:txBody>
       <dsp:txXfrm>
@@ -2538,12 +2660,12 @@
         <a:fontRef idx="minor"/>
       </dsp:style>
       <dsp:txBody>
-        <a:bodyPr spcFirstLastPara="0" vert="horz" wrap="square" lIns="68580" tIns="68580" rIns="68580" bIns="68580" numCol="1" spcCol="1270" anchor="t" anchorCtr="0">
+        <a:bodyPr spcFirstLastPara="0" vert="horz" wrap="square" lIns="57150" tIns="57150" rIns="57150" bIns="57150" numCol="1" spcCol="1270" anchor="t" anchorCtr="0">
           <a:noAutofit/>
         </a:bodyPr>
         <a:lstStyle/>
         <a:p>
-          <a:pPr marL="0" lvl="0" indent="0" algn="l" defTabSz="800100">
+          <a:pPr lvl="0" algn="l" defTabSz="666750">
             <a:lnSpc>
               <a:spcPct val="90000"/>
             </a:lnSpc>
@@ -2553,13 +2675,12 @@
             <a:spcAft>
               <a:spcPct val="35000"/>
             </a:spcAft>
-            <a:buNone/>
           </a:pPr>
           <a:r>
-            <a:rPr lang="en-AU" sz="1800" b="1" i="1" kern="1200"/>
+            <a:rPr lang="en-AU" sz="1500" b="1" i="1" kern="1200"/>
             <a:t>Week 3</a:t>
           </a:r>
-          <a:endParaRPr lang="en-US" sz="1800" kern="1200"/>
+          <a:endParaRPr lang="en-US" sz="1500" kern="1200"/>
         </a:p>
       </dsp:txBody>
       <dsp:txXfrm>
@@ -2648,12 +2769,12 @@
         <a:fontRef idx="minor"/>
       </dsp:style>
       <dsp:txBody>
-        <a:bodyPr spcFirstLastPara="0" vert="horz" wrap="square" lIns="68580" tIns="68580" rIns="68580" bIns="68580" numCol="1" spcCol="1270" anchor="t" anchorCtr="0">
+        <a:bodyPr spcFirstLastPara="0" vert="horz" wrap="square" lIns="57150" tIns="57150" rIns="57150" bIns="57150" numCol="1" spcCol="1270" anchor="t" anchorCtr="0">
           <a:noAutofit/>
         </a:bodyPr>
         <a:lstStyle/>
         <a:p>
-          <a:pPr marL="0" lvl="0" indent="0" algn="l" defTabSz="800100">
+          <a:pPr lvl="0" algn="l" defTabSz="666750">
             <a:lnSpc>
               <a:spcPct val="90000"/>
             </a:lnSpc>
@@ -2663,13 +2784,16 @@
             <a:spcAft>
               <a:spcPct val="35000"/>
             </a:spcAft>
-            <a:buNone/>
           </a:pPr>
           <a:r>
-            <a:rPr lang="en-AU" sz="1800" kern="1200" dirty="0"/>
-            <a:t>Place the pickup “key” that unlocks level doors.</a:t>
+            <a:rPr lang="en-AU" sz="1500" kern="1200" dirty="0"/>
+            <a:t>Place the pickup “key” that unlocks level </a:t>
           </a:r>
-          <a:endParaRPr lang="en-US" sz="1800" kern="1200" dirty="0"/>
+          <a:r>
+            <a:rPr lang="en-AU" sz="1500" kern="1200" dirty="0" smtClean="0"/>
+            <a:t>doors, place level doors.</a:t>
+          </a:r>
+          <a:endParaRPr lang="en-US" sz="1500" kern="1200" dirty="0"/>
         </a:p>
       </dsp:txBody>
       <dsp:txXfrm>
@@ -2758,12 +2882,12 @@
         <a:fontRef idx="minor"/>
       </dsp:style>
       <dsp:txBody>
-        <a:bodyPr spcFirstLastPara="0" vert="horz" wrap="square" lIns="68580" tIns="68580" rIns="68580" bIns="68580" numCol="1" spcCol="1270" anchor="t" anchorCtr="0">
+        <a:bodyPr spcFirstLastPara="0" vert="horz" wrap="square" lIns="57150" tIns="57150" rIns="57150" bIns="57150" numCol="1" spcCol="1270" anchor="t" anchorCtr="0">
           <a:noAutofit/>
         </a:bodyPr>
         <a:lstStyle/>
         <a:p>
-          <a:pPr marL="0" lvl="0" indent="0" algn="l" defTabSz="800100">
+          <a:pPr lvl="0" algn="l" defTabSz="666750">
             <a:lnSpc>
               <a:spcPct val="90000"/>
             </a:lnSpc>
@@ -2773,13 +2897,20 @@
             <a:spcAft>
               <a:spcPct val="35000"/>
             </a:spcAft>
-            <a:buNone/>
           </a:pPr>
           <a:r>
-            <a:rPr lang="en-AU" sz="1800" kern="1200" dirty="0"/>
-            <a:t>Set animations for 2D character, key, doors and platforms.</a:t>
+            <a:rPr lang="en-AU" sz="1500" kern="1200" dirty="0"/>
+            <a:t>Set animations </a:t>
           </a:r>
-          <a:endParaRPr lang="en-US" sz="1800" kern="1200" dirty="0"/>
+          <a:r>
+            <a:rPr lang="en-AU" sz="1500" kern="1200" dirty="0" smtClean="0"/>
+            <a:t>for key</a:t>
+          </a:r>
+          <a:r>
+            <a:rPr lang="en-AU" sz="1500" kern="1200" dirty="0"/>
+            <a:t>, doors and platforms.</a:t>
+          </a:r>
+          <a:endParaRPr lang="en-US" sz="1500" kern="1200" dirty="0"/>
         </a:p>
       </dsp:txBody>
       <dsp:txXfrm>
@@ -2868,12 +2999,12 @@
         <a:fontRef idx="minor"/>
       </dsp:style>
       <dsp:txBody>
-        <a:bodyPr spcFirstLastPara="0" vert="horz" wrap="square" lIns="68580" tIns="68580" rIns="68580" bIns="68580" numCol="1" spcCol="1270" anchor="t" anchorCtr="0">
+        <a:bodyPr spcFirstLastPara="0" vert="horz" wrap="square" lIns="57150" tIns="57150" rIns="57150" bIns="57150" numCol="1" spcCol="1270" anchor="t" anchorCtr="0">
           <a:noAutofit/>
         </a:bodyPr>
         <a:lstStyle/>
         <a:p>
-          <a:pPr marL="0" lvl="0" indent="0" algn="l" defTabSz="800100">
+          <a:pPr lvl="0" algn="l" defTabSz="666750">
             <a:lnSpc>
               <a:spcPct val="90000"/>
             </a:lnSpc>
@@ -2883,17 +3014,16 @@
             <a:spcAft>
               <a:spcPct val="35000"/>
             </a:spcAft>
-            <a:buNone/>
           </a:pPr>
           <a:r>
-            <a:rPr lang="en-AU" sz="1800" kern="1200" dirty="0"/>
+            <a:rPr lang="en-AU" sz="1500" kern="1200" dirty="0"/>
             <a:t>Passive enemy spawns &amp; placement (are they still or moving)??? </a:t>
           </a:r>
           <a:r>
-            <a:rPr lang="en-AU" sz="1800" kern="1200"/>
+            <a:rPr lang="en-AU" sz="1500" kern="1200"/>
             <a:t>Maybe not???</a:t>
           </a:r>
-          <a:endParaRPr lang="en-US" sz="1800" kern="1200"/>
+          <a:endParaRPr lang="en-US" sz="1500" kern="1200"/>
         </a:p>
       </dsp:txBody>
       <dsp:txXfrm>
@@ -2982,12 +3112,12 @@
         <a:fontRef idx="minor"/>
       </dsp:style>
       <dsp:txBody>
-        <a:bodyPr spcFirstLastPara="0" vert="horz" wrap="square" lIns="68580" tIns="68580" rIns="68580" bIns="68580" numCol="1" spcCol="1270" anchor="t" anchorCtr="0">
+        <a:bodyPr spcFirstLastPara="0" vert="horz" wrap="square" lIns="57150" tIns="57150" rIns="57150" bIns="57150" numCol="1" spcCol="1270" anchor="t" anchorCtr="0">
           <a:noAutofit/>
         </a:bodyPr>
         <a:lstStyle/>
         <a:p>
-          <a:pPr marL="0" lvl="0" indent="0" algn="l" defTabSz="800100">
+          <a:pPr lvl="0" algn="l" defTabSz="666750">
             <a:lnSpc>
               <a:spcPct val="90000"/>
             </a:lnSpc>
@@ -2997,13 +3127,12 @@
             <a:spcAft>
               <a:spcPct val="35000"/>
             </a:spcAft>
-            <a:buNone/>
           </a:pPr>
           <a:r>
-            <a:rPr lang="en-AU" sz="1800" b="1" i="1" kern="1200"/>
+            <a:rPr lang="en-AU" sz="1500" b="1" i="1" kern="1200"/>
             <a:t>Week 4</a:t>
           </a:r>
-          <a:endParaRPr lang="en-US" sz="1800" kern="1200"/>
+          <a:endParaRPr lang="en-US" sz="1500" kern="1200"/>
         </a:p>
       </dsp:txBody>
       <dsp:txXfrm>
@@ -3092,12 +3221,12 @@
         <a:fontRef idx="minor"/>
       </dsp:style>
       <dsp:txBody>
-        <a:bodyPr spcFirstLastPara="0" vert="horz" wrap="square" lIns="68580" tIns="68580" rIns="68580" bIns="68580" numCol="1" spcCol="1270" anchor="t" anchorCtr="0">
+        <a:bodyPr spcFirstLastPara="0" vert="horz" wrap="square" lIns="57150" tIns="57150" rIns="57150" bIns="57150" numCol="1" spcCol="1270" anchor="t" anchorCtr="0">
           <a:noAutofit/>
         </a:bodyPr>
         <a:lstStyle/>
         <a:p>
-          <a:pPr marL="0" lvl="0" indent="0" algn="l" defTabSz="800100">
+          <a:pPr lvl="0" algn="l" defTabSz="666750">
             <a:lnSpc>
               <a:spcPct val="90000"/>
             </a:lnSpc>
@@ -3107,13 +3236,12 @@
             <a:spcAft>
               <a:spcPct val="35000"/>
             </a:spcAft>
-            <a:buNone/>
           </a:pPr>
           <a:r>
-            <a:rPr lang="en-AU" sz="1800" kern="1200"/>
+            <a:rPr lang="en-AU" sz="1500" kern="1200"/>
             <a:t>Figure out how to spawn projectiles from a specific entity</a:t>
           </a:r>
-          <a:endParaRPr lang="en-US" sz="1800" kern="1200"/>
+          <a:endParaRPr lang="en-US" sz="1500" kern="1200"/>
         </a:p>
       </dsp:txBody>
       <dsp:txXfrm>
@@ -3202,12 +3330,12 @@
         <a:fontRef idx="minor"/>
       </dsp:style>
       <dsp:txBody>
-        <a:bodyPr spcFirstLastPara="0" vert="horz" wrap="square" lIns="68580" tIns="68580" rIns="68580" bIns="68580" numCol="1" spcCol="1270" anchor="t" anchorCtr="0">
+        <a:bodyPr spcFirstLastPara="0" vert="horz" wrap="square" lIns="57150" tIns="57150" rIns="57150" bIns="57150" numCol="1" spcCol="1270" anchor="t" anchorCtr="0">
           <a:noAutofit/>
         </a:bodyPr>
         <a:lstStyle/>
         <a:p>
-          <a:pPr marL="0" lvl="0" indent="0" algn="l" defTabSz="800100">
+          <a:pPr lvl="0" algn="l" defTabSz="666750">
             <a:lnSpc>
               <a:spcPct val="90000"/>
             </a:lnSpc>
@@ -3217,13 +3345,12 @@
             <a:spcAft>
               <a:spcPct val="35000"/>
             </a:spcAft>
-            <a:buNone/>
           </a:pPr>
           <a:r>
-            <a:rPr lang="en-AU" sz="1800" kern="1200" dirty="0"/>
+            <a:rPr lang="en-AU" sz="1500" kern="1200" dirty="0"/>
             <a:t>Make cannon track player shooting projectiles, when projectile hits, player is transported back to spawn</a:t>
           </a:r>
-          <a:endParaRPr lang="en-US" sz="1800" kern="1200" dirty="0"/>
+          <a:endParaRPr lang="en-US" sz="1500" kern="1200" dirty="0"/>
         </a:p>
       </dsp:txBody>
       <dsp:txXfrm>
@@ -4904,7 +5031,7 @@
   <inkml:trace contextRef="#ctx0" brushRef="#br0" timeOffset="-80579.663">2046 3755 7344 0 0,'-17'10'802'0'0,"16"4"-331"0"0,28 39 1512 0 0,61 33-94 0 0,16-9-285 0 0,-37-32-601 0 0,25 3-194 0 0,-38-26 52 0 0,-52-22-764 0 0,-2 0 15 0 0,0 0 75 0 0,0 0 60 0 0,0 0 17 0 0,-66-39 364 0 0,61 36-617 0 0,-35-17 32 0 0,1-3-1 0 0,0-1 0 0 0,-22-20-42 0 0,-1-6 64 0 0,-7-17-74 0 0,46 29-104 0 0,21 31 88 0 0,1 6-46 0 0,1 1-11 0 0,5 10-20 0 0,60 45-49 0 0,72 43 80 0 0,115 62 736 0 0,-181-109-328 0 0,-41-32-72 0 0,-23-12 1024 0 0,-40-29-730 0 0,-41-22-230 0 0,-88-45-30 0 0,92 46-466 0 0,58 32-144 0 0,10 11 250 0 0,4 1 90 0 0,96 72-199 0 0,-61-40 101 0 0,-34-30 74 0 0,0 1 1 0 0,0-1 0 0 0,1 1 0 0 0,-1-1 0 0 0,1 0 0 0 0,0 0-1 0 0,-1-1 1 0 0,1 1 0 0 0,1-1 0 0 0,-1 0 0 0 0,0 0 0 0 0,0 0 0 0 0,1-1-1 0 0,3 2-4 0 0,-2-2-5 0 0,0 0 0 0 0,0 0-1 0 0,0-1 1 0 0,0 1 0 0 0,0-1-1 0 0,0-1 1 0 0,1 1 0 0 0,-1-1-1 0 0,0 0 1 0 0,0-1 0 0 0,-1 1-1 0 0,1-1 1 0 0,0 0 0 0 0,0 0-1 0 0,0-1 6 0 0,117-75 131 0 0,-36 12 58 0 0,98-98-62 0 0,-23 1-174 0 0,-30 31 247 0 0,30-29-200 0 0,-1 6-86 0 0,3-21-708 0 0,-95 106 46 0 0,-21 24-685 0 0,-46 44 933 0 0,-2 2-709 0 0,0 0-2935 0 0,0 0-1253 0 0</inkml:trace>
   <inkml:trace contextRef="#ctx0" brushRef="#br0" timeOffset="-75708.056">2590 4118 5528 0 0,'0'0'422'0'0,"-5"-12"396"0"0,13-7 1419 0 0,7-9 327 0 0,28-19-447 0 0,41-23 281 0 0,32-12-1060 0 0,66-65-49 0 0,24-26-401 0 0,-14-6-181 0 0,-16-20-215 0 0,-22 31-173 0 0,-77 86-31 0 0,64-89-288 0 0,-74 77 70 0 0,-10-1 222 0 0,0-3-45 0 0,26-44-446 0 0,-39 65 399 0 0,-24 54-187 0 0,-1-1 0 0 0,-1-1 0 0 0,-1-1 0 0 0,-2 0-1 0 0,2-7-12 0 0,97-162-368 0 0,-22 46 368 0 0,-48 80-10 0 0,-39 62-44 0 0,8 7-63 0 0,-9 9 113 0 0,0 1-1 0 0,0-1 1 0 0,-1 1 0 0 0,0 0-1 0 0,-1-1 1 0 0,0 1 0 0 0,-1 0-1 0 0,0 1 1 0 0,0-1-1 0 0,-1 0 1 0 0,0 0 0 0 0,-1 0-1 0 0,0 0 1 0 0,-1 0 0 0 0,0 0-1 0 0,-1 0 1 0 0,0-1 0 0 0,0 1-1 0 0,-3 5 5 0 0,-12 35 1 0 0,-3 0-1 0 0,-2-1 0 0 0,-2-1 0 0 0,-1-2 1 0 0,-21 26-1 0 0,-17 31 24 0 0,2-7 203 0 0,-4-3 0 0 0,-7 0-227 0 0,-21 30-257 0 0,-75 68 34 0 0,120-140 167 0 0,-434 447-88 0 0,382-392 20 0 0,51-64-186 0 0,48-42 168 0 0,2 0-2 0 0,0 0-9 0 0,9-12-254 0 0,111-149-1135 0 0,56-51 1542 0 0,-162 196-16 0 0,180-209-138 0 0,127-158 154 0 0,-196 227 0 0 0,-17 20 0 0 0,69-48 11 0 0,-44 20 42 0 0,-89 107 1 0 0,-10 5 32 0 0,-33 52-27 0 0,-1 2-4 0 0,-3 18-44 0 0,0 1-1 0 0,-2 0 1 0 0,0-1 0 0 0,-2 0 0 0 0,0 0 0 0 0,-1-1 0 0 0,-1 0-1 0 0,-6 10-10 0 0,-17 29 108 0 0,-3-2 0 0 0,-1-1 0 0 0,-41 45-108 0 0,-185 244 204 0 0,147-205-12 0 0,-117 111-192 0 0,64-75 72 0 0,-103 99 4 0 0,78-99-76 0 0,-53 16-53 0 0,128-113-30 0 0,21-24-49 0 0,73-46-61 0 0,22-7 68 0 0,2-1 9 0 0,0 0 10 0 0,0 0 4 0 0,0 0 6 0 0,23-28-283 0 0,11-27 40 0 0,62-59 499 0 0,7-17-532 0 0,33-22 167 0 0,180-230 194 0 0,-93 124-53 0 0,-98 131 64 0 0,33-53 0 0 0,-31 3 456 0 0,-91 124-48 0 0,-35 53-337 0 0,-3 3-6 0 0,-98 117 207 0 0,-324 330-160 0 0,200-211-112 0 0,-20 1 0 0 0,17-11 0 0 0,-43 59 54 0 0,157-173 84 0 0,156-170-6 0 0,163-221-120 0 0,48-51-12 0 0,15-45-76 0 0,-77 109 16 0 0,131-98 50 0 0,-250 287-22 0 0,3 2 0 0 0,20-10 32 0 0,-64 46-54 0 0,-15 27 54 0 0,-13 12 0 0 0,-34 59 0 0 0,7-24 17 0 0,0-1-1 0 0,-3-1 0 0 0,-1-2 1 0 0,-2 1-17 0 0,-2 3-2 0 0,-197 207 74 0 0,105-104-28 0 0,-63 69 128 0 0,-53 35-172 0 0,-44 18 304 0 0,6 4 160 0 0,216-223-260 0 0,61-43-202 0 0,-1 1 0 0 0,1-1-1 0 0,-1 0 1 0 0,1 0-1 0 0,-1 1 1 0 0,1-1 0 0 0,-1 0-1 0 0,1 0 1 0 0,-1 0 0 0 0,1 0-1 0 0,-1 0 1 0 0,0 0-1 0 0,1 0 1 0 0,-1 0 0 0 0,1 0-1 0 0,-1 0 1 0 0,1 0 0 0 0,-1 0-1 0 0,0 0 1 0 0,1 0-1 0 0,-1 0 1 0 0,1 0 0 0 0,-1-1-1 0 0,1 1 1 0 0,-1 0 0 0 0,1 0-1 0 0,-1-1 1 0 0,1 1-1 0 0,-1 0 1 0 0,1-1 0 0 0,0 1-1 0 0,-1-1 1 0 0,1 1 0 0 0,-1 0-1 0 0,1-1 1 0 0,0 1-1 0 0,-1-1 1 0 0,1 1 0 0 0,0-1-1 0 0,0 1 1 0 0,-1-1-1 0 0,1 1 1 0 0,0-1 0 0 0,0 1-1 0 0,0-1 1 0 0,0 0 0 0 0,0 1-1 0 0,-1-1 1 0 0,1 1-1 0 0,0-1 1 0 0,0 1 0 0 0,1-1-1 0 0,-1 0 1 0 0,0 1 0 0 0,0-1-1 0 0,0 1 1 0 0,0-1-1 0 0,0 1 1 0 0,1-1 0 0 0,-1 1-1 0 0,0-1 1 0 0,0 1 0 0 0,1-1-1 0 0,-1 1 1 0 0,0-1-2 0 0,44-81 78 0 0,76-128-18 0 0,124-172-70 0 0,27 17-44 0 0,-127 190-26 0 0,-27 46 91 0 0,9 36 25 0 0,-125 91-42 0 0,1 1-1 0 0,0 0 1 0 0,-1 0 0 0 0,1-1 0 0 0,0 1-1 0 0,0 0 1 0 0,0 1 0 0 0,0-1-1 0 0,0 0 1 0 0,0 0 0 0 0,0 1-1 0 0,0-1 1 0 0,0 1 0 0 0,0 0-1 0 0,1 0 1 0 0,-1 0 0 0 0,0 0 0 0 0,0 0-1 0 0,0 0 1 0 0,0 0 0 0 0,0 1-1 0 0,1-1 1 0 0,-1 1 0 0 0,0-1-1 0 0,0 1 1 0 0,0 0 0 0 0,0 0-1 0 0,-1 0 1 0 0,1 0 0 0 0,0 0 0 0 0,0 0-1 0 0,0 1 1 0 0,-1-1 0 0 0,1 1-1 0 0,-1-1 1 0 0,1 1 0 0 0,0 1 6 0 0,0 6-6 0 0,0 0 1 0 0,-1 0 0 0 0,0 0-1 0 0,-1 0 1 0 0,0 0 0 0 0,0 0-1 0 0,-1 1 1 0 0,0-1 0 0 0,-1 0-1 0 0,0 0 6 0 0,-3 13 38 0 0,-2 0 0 0 0,0 0 0 0 0,-1 0-1 0 0,-1-2 1 0 0,-2 1 0 0 0,0-1-1 0 0,-6 8-37 0 0,-198 290-16 0 0,202-300 16 0 0,-93 120 0 0 0,-62 57 0 0 0,-56 51 0 0 0,165-180 2 0 0,33-36 11 0 0,0-1 0 0 0,-2-2 0 0 0,-1-1 0 0 0,-18 13-13 0 0,4-19 10 0 0,42-19-8 0 0,0-1 1 0 0,1 0-1 0 0,-1 0 0 0 0,0 0 0 0 0,0 1 0 0 0,1-1 0 0 0,-1 0 0 0 0,0 0 0 0 0,0 0 0 0 0,1 0 0 0 0,-1 0 0 0 0,0 0 1 0 0,0-1-1 0 0,1 1 0 0 0,-1 0 0 0 0,0 0 0 0 0,0 0 0 0 0,1-1 0 0 0,-1 1 0 0 0,0 0 0 0 0,1-1 0 0 0,-1 1 0 0 0,0-1 0 0 0,1 1 1 0 0,-1-1-1 0 0,1 1 0 0 0,-1-1 0 0 0,0 1 0 0 0,1-1 0 0 0,-1 1 0 0 0,1-1 0 0 0,0 0 0 0 0,-1 1 0 0 0,1-1 0 0 0,0 0 0 0 0,-1 1 1 0 0,1-1-1 0 0,0 0 0 0 0,0 0 0 0 0,-1 1 0 0 0,1-1 0 0 0,0 0 0 0 0,0 0 0 0 0,0 1 0 0 0,0-1 0 0 0,0-1-2 0 0,2-38 51 0 0,7 0-44 0 0,2 1 1 0 0,2 0-1 0 0,1 0 1 0 0,3 2-1 0 0,0 0 1 0 0,14-18-8 0 0,-6 5-5 0 0,141-233-142 0 0,-128 225 122 0 0,3 2 0 0 0,43-46 25 0 0,-33 41-14 0 0,78-88-50 0 0,41-29 64 0 0,-151 160-13 0 0,0 2 0 0 0,1 0-1 0 0,1 1 1 0 0,1 1 0 0 0,0 0-1 0 0,8-2 14 0 0,-25 13-11 0 0,0 1-1 0 0,0-1 0 0 0,0 1 0 0 0,0 0 1 0 0,0 0-1 0 0,0 1 0 0 0,1-1 1 0 0,-1 1-1 0 0,1 0 0 0 0,-1 1 0 0 0,1-1 1 0 0,-1 1-1 0 0,1 0 0 0 0,-1 1 0 0 0,3-1 12 0 0,-7 1-3 0 0,0 0 0 0 0,0 0 0 0 0,0 1-1 0 0,0-1 1 0 0,0 0 0 0 0,-1 0-1 0 0,1 0 1 0 0,-1 0 0 0 0,1 1 0 0 0,-1-1-1 0 0,1 0 1 0 0,-1 1 0 0 0,1-1 0 0 0,-1 0-1 0 0,0 1 1 0 0,0-1 0 0 0,0 0-1 0 0,0 1 1 0 0,0-1 0 0 0,0 0 0 0 0,0 1-1 0 0,0-1 1 0 0,-1 0 0 0 0,1 1-1 0 0,0-1 1 0 0,-1 0 0 0 0,1 1 0 0 0,-1 0 3 0 0,-1 6 3 0 0,-3 22-51 0 0,-2-2 0 0 0,0 1 0 0 0,-2-1 0 0 0,-2 0 0 0 0,0-1 0 0 0,-11 18 48 0 0,-78 116 115 0 0,47-83 34 0 0,-100 145-21 0 0,27-80-128 0 0,24-17 0 0 0,-59 54-100 0 0,77-92 494 0 0,-90 73-394 0 0,150-147 54 0 0,16-36 26 0 0,51-91-68 0 0,63-81-93 0 0,-72 140-17 0 0,2 2 1 0 0,35-39 97 0 0,-1 4-68 0 0,-48 59 42 0 0,1 1 0 0 0,1 1 0 0 0,2 1 0 0 0,0 1 0 0 0,2 2 0 0 0,1 1 0 0 0,0 0 0 0 0,5 1 26 0 0,-31 17-4 0 0,0 1 0 0 0,0 0 0 0 0,0 0-1 0 0,0 0 1 0 0,0 0 0 0 0,0 0-1 0 0,1 1 1 0 0,-1-1 0 0 0,1 1 0 0 0,-1 0-1 0 0,1 0 1 0 0,0 1 0 0 0,-1-1 0 0 0,1 1-1 0 0,0-1 1 0 0,-1 1 0 0 0,1 0-1 0 0,0 1 1 0 0,0-1 0 0 0,-1 1 0 0 0,1-1-1 0 0,-1 1 1 0 0,1 0 0 0 0,0 1 0 0 0,-1-1-1 0 0,0 0 1 0 0,1 1 0 0 0,-1 0-1 0 0,0 0 1 0 0,0 0 0 0 0,0 0 0 0 0,0 0-1 0 0,0 1 1 0 0,0 0 4 0 0,1 4 12 0 0,-1-1 0 0 0,0 1 0 0 0,0 0 0 0 0,-1 1 0 0 0,0-1 0 0 0,0 0 0 0 0,0 0 0 0 0,-1 1 0 0 0,-1-1 0 0 0,1 1 0 0 0,-1-1 0 0 0,0 1-1 0 0,-1-1 1 0 0,0 1 0 0 0,0-1 0 0 0,0 1 0 0 0,-1-1 0 0 0,0 0 0 0 0,-1 0 0 0 0,-2 7-12 0 0,2-5 10 0 0,-5 15-61 0 0,-2 0-1 0 0,0-1 1 0 0,-1 0-1 0 0,-2 0 1 0 0,-2 2 51 0 0,-5 8-47 0 0,5-9 43 0 0,-1 0 0 0 0,-1-2 0 0 0,-1 0 0 0 0,-20 19 4 0 0,-104 135 67 0 0,107-139-47 0 0,7-5 28 0 0,-1-2 0 0 0,-2-1 1 0 0,-1-1-1 0 0,-1-2 0 0 0,-15 9-48 0 0,41-30 12 0 0,-1 0 0 0 0,0-1 0 0 0,0 0-1 0 0,0 0 1 0 0,0-1 0 0 0,-1 0-1 0 0,1-1 1 0 0,-1 0 0 0 0,0 0-1 0 0,0-1 1 0 0,0 0 0 0 0,1 0 0 0 0,-1-1-1 0 0,0 0 1 0 0,0-1 0 0 0,0 0-1 0 0,0 0 1 0 0,-6-2-12 0 0,1-2 11 0 0,1-1 0 0 0,0 0 0 0 0,0 0 0 0 0,0-2 0 0 0,1 1 0 0 0,0-2 0 0 0,1 1 0 0 0,0-2 0 0 0,0 0 0 0 0,1 0 0 0 0,0 0 0 0 0,1-1 0 0 0,0-1 0 0 0,1 0 0 0 0,-5-8-11 0 0,11 17-19 0 0,0 0-1 0 0,0 0 0 0 0,0-1 0 0 0,0 1 0 0 0,1 0 1 0 0,-1-1-1 0 0,1 1 0 0 0,0-1 0 0 0,0 1 0 0 0,0-1 1 0 0,1 0-1 0 0,-1 1 0 0 0,1-1 0 0 0,0 0 1 0 0,0 1-1 0 0,0-1 0 0 0,1 0 0 0 0,-1 1 0 0 0,1-2 20 0 0,0-2-84 0 0,2 4-9 0 0,0 2 79 0 0,0 1 0 0 0,0-1 0 0 0,0 1 0 0 0,0 0 0 0 0,0 0 0 0 0,0 0 0 0 0,0 0 0 0 0,0 0 0 0 0,0 1 0 0 0,0-1 0 0 0,0 1 0 0 0,0 0-1 0 0,0 0 1 0 0,0 0 0 0 0,0 0 0 0 0,-1 1 0 0 0,1-1 0 0 0,0 1 0 0 0,-1-1 0 0 0,1 1 0 0 0,1 2 14 0 0,55 48-134 0 0,-58-52 136 0 0,15 17-12 0 0,-1 0 0 0 0,-1 0 0 0 0,0 2 0 0 0,-2 0 0 0 0,0 0 0 0 0,6 14 10 0 0,35 79 0 0 0,-52-108 22 0 0,0 1-1 0 0,0-1 1 0 0,0 0-1 0 0,0 1 1 0 0,0-1-1 0 0,-1 0 0 0 0,0 1 1 0 0,0-1-1 0 0,0 1 1 0 0,-1-1-1 0 0,1 0 0 0 0,-1 1 1 0 0,0-1-1 0 0,0 0 1 0 0,-1 1-22 0 0,-21 12 448 0 0,14-17-363 0 0,0 0 0 0 0,0 0 0 0 0,0-1 0 0 0,0 0 0 0 0,0-1 0 0 0,0 0 0 0 0,0 0 0 0 0,1-1 0 0 0,-1 0 0 0 0,1 0 0 0 0,0-1 0 0 0,-3-2-85 0 0,-22-8 80 0 0,-120-67 204 0 0,64 7 256 0 0,43 9-1178 0 0,62 64 457 0 0,-9 2 163 0 0,0 0 1 0 0,0 1-1 0 0,0 0 0 0 0,0 0 0 0 0,0 1 1 0 0,0-1-1 0 0,-1 2 0 0 0,1-1 0 0 0,-1 1 1 0 0,0 0-1 0 0,2 2 18 0 0,20 10-21 0 0,37 28-56 0 0,57 41 23 0 0,-72-42 54 0 0,-51-43 11 0 0,0-1-1 0 0,1 1 0 0 0,-1 0 0 0 0,0 0 0 0 0,1 0 0 0 0,-1-1 1 0 0,0 1-1 0 0,0 0 0 0 0,1 0 0 0 0,-1 0 0 0 0,0 0 0 0 0,0 0 1 0 0,1 1-1 0 0,-1-1 0 0 0,0 0 0 0 0,1 0 0 0 0,-1 0 0 0 0,0 1 1 0 0,1-1-1 0 0,-1 0 0 0 0,0 1 0 0 0,1-1 0 0 0,-1 0 0 0 0,0 1 1 0 0,1-1-1 0 0,-1 1 0 0 0,1-1 0 0 0,-1 1 0 0 0,1-1 0 0 0,-1 1 1 0 0,1-1-1 0 0,-1 1 0 0 0,1 0 0 0 0,0-1 0 0 0,-1 1 0 0 0,1 0 1 0 0,0-1-1 0 0,0 1 0 0 0,-1 0 0 0 0,1-1 0 0 0,0 1 0 0 0,0 0 0 0 0,0 0 1 0 0,0-1-1 0 0,0 1 0 0 0,0 0 0 0 0,0 0 0 0 0,0-1 0 0 0,0 1 1 0 0,0 0-1 0 0,0 0 0 0 0,1-1 0 0 0,-1 1 0 0 0,0 0 0 0 0,0-1 1 0 0,1 1-1 0 0,-1 0 0 0 0,0-1 0 0 0,1 1 0 0 0,-1-1 0 0 0,1 1 1 0 0,-1 0-1 0 0,1-1 0 0 0,0 1-10 0 0,-119-33 965 0 0,-27-41-682 0 0,49 18-230 0 0,75 39-46 0 0,1-1 0 0 0,0 0 0 0 0,2-1 0 0 0,0-2 0 0 0,1 1-1 0 0,1-2 1 0 0,-4-6-7 0 0,20 25-74 0 0,0 2-2 0 0,0 0-18 0 0,15 1-62 0 0,39 28-91 0 0,-39-18 190 0 0,95 89-113 0 0,-1 5 63 0 0,-13-3 96 0 0,-75-55 22 0 0,-20-38 44 0 0,-14-3 159 0 0,-38-19 32 0 0,-21-29-65 0 0,36 18-143 0 0,2-2 0 0 0,0-1 0 0 0,2-1-1 0 0,1-2 1 0 0,2-2-38 0 0,-43-53 0 0 0,34 31-129 0 0,38 52 57 0 0,17 34-239 0 0,44 77-217 0 0,-40-79 650 0 0,-15-9 91 0 0,-5-20-253 0 0,1 6 187 0 0,-18-12-93 0 0,7 0-52 0 0,0 0-1 0 0,1-1 0 0 0,-1 0 1 0 0,1 0-1 0 0,1-1 0 0 0,-1 0 1 0 0,1 0-1 0 0,1-1 0 0 0,-1 0 1 0 0,1 0-1 0 0,1-1 0 0 0,-1 1 1 0 0,1-1-1 0 0,1 0 0 0 0,0-1 1 0 0,0 1-1 0 0,1-1 0 0 0,-1-1-1 0 0,-8-36 128 0 0,28 55-280 0 0,46 51 152 0 0,25 15-616 0 0,-73-63 616 0 0,-79-47 640 0 0,3-17-1222 0 0,1-8 540 0 0,24 20 42 0 0,64 65 0 0 0,39 58 0 0 0,-12-33 0 0 0,65 49 1 0 0,-69-63 137 0 0,-11-7 439 0 0,-34-25-530 0 0,-31-22 130 0 0,-78-59 86 0 0,-19-62-48 0 0,84 62 319 0 0,38 72-560 0 0,1 5-118 0 0,9 6-310 0 0,104 107-866 0 0,-59-58 1320 0 0,94 59 819 0 0,-48-48-675 0 0,-98-64-75 0 0,-2-1-5 0 0,-1-1-10 0 0,-25-35 44 0 0,5 13-58 0 0,23 23-93 0 0,22 19-14 0 0,-17-9 67 0 0,-2-3 12 0 0,-36-22 112 0 0,-77-62-60 0 0,-28-40 0 0 0,69 8-142 0 0,60 94 76 0 0,-16-39-10 0 0,27 40-48 0 0,-4-28 7 0 0,12 3 41 0 0,-7 31 13 0 0,13-27-65 0 0,-7 26 96 0 0,-7 4-122 0 0,1 0-1 0 0,0-1 0 0 0,0 2 0 0 0,0-1 0 0 0,0 1 1 0 0,1-1-1 0 0,-1 2 0 0 0,1-1 0 0 0,0 1 1 0 0,1-1-1 0 0,-1 2 0 0 0,0-1 0 0 0,1 1 0 0 0,0 0 1 0 0,-1 0-1 0 0,1 1 0 0 0,0 0 0 0 0,0 0 1 0 0,0 0-1 0 0,0 1 0 0 0,0 0 0 0 0,0 1 0 0 0,3 0 91 0 0,-8-1-128 0 0,-1 1-1 0 0,0 0 1 0 0,1-1-1 0 0,-1 1 1 0 0,0 0-1 0 0,0 0 1 0 0,0 0-1 0 0,0 0 1 0 0,0 0-1 0 0,0 0 1 0 0,0 0-1 0 0,0 0 1 0 0,0 0-1 0 0,0 0 1 0 0,0 1-1 0 0,-1-1 1 0 0,1 0-1 0 0,0 1 1 0 0,-1-1-1 0 0,1 0 1 0 0,-1 1-1 0 0,0-1 1 0 0,1 1-1 0 0,-1-1 1 0 0,0 0-1 0 0,0 1 1 0 0,0-1-1 0 0,0 1 1 0 0,0-1-1 0 0,0 1 1 0 0,-1-1-1 0 0,1 1 1 0 0,0-1-1 0 0,-1 0 1 0 0,1 1-1 0 0,-1-1 1 0 0,1 0-1 0 0,-1 1 1 0 0,0-1-1 0 0,1 0 1 0 0,-1 0-1 0 0,0 1 1 0 0,0-1-1 0 0,0 0 129 0 0,-6 18-765 0 0,2-8 458 0 0,1-1 1 0 0,-2 0 0 0 0,1 0 0 0 0,-2 0-1 0 0,1-1 1 0 0,-1 0 0 0 0,0 0 0 0 0,-1 0-1 0 0,0-1 1 0 0,0 0 0 0 0,-1-1 0 0 0,-9 6 306 0 0,-3 5-65 0 0,-40 23 634 0 0,60-40-468 0 0,0 0 0 0 0,-1-1 0 0 0,1 1 0 0 0,0-1 0 0 0,-1 1 0 0 0,1-1 0 0 0,0 0 0 0 0,-1 1 0 0 0,1-1 0 0 0,-1 0 0 0 0,1 0 0 0 0,-1 0 1 0 0,1 0-1 0 0,0 0 0 0 0,-1 0 0 0 0,1-1 0 0 0,-1 1 0 0 0,1 0 0 0 0,0-1 0 0 0,-1 1 0 0 0,1-1 0 0 0,0 1 0 0 0,-1-1 0 0 0,1 0 0 0 0,0 1 0 0 0,0-1 0 0 0,0 0 0 0 0,-1 0 0 0 0,1 0 0 0 0,0 0 0 0 0,0 0 0 0 0,0 0 0 0 0,1 0 0 0 0,-1 0 0 0 0,0-1 1 0 0,0 1-1 0 0,0-1-101 0 0,1-9 204 0 0,0 0 1 0 0,1 1-1 0 0,0-1 1 0 0,0 1-1 0 0,1-1 1 0 0,1 1-1 0 0,0 0 1 0 0,0-1-1 0 0,1 1 1 0 0,3-5-205 0 0,4-7 99 0 0,1 1 0 0 0,1 1-1 0 0,0 0 1 0 0,2 0 0 0 0,0 2 0 0 0,1 0 0 0 0,17-14-99 0 0,1-4 74 0 0,85-74 38 0 0,-94 91-112 0 0,-25 20-22 0 0,0-1-1 0 0,-1 0 1 0 0,1 1-1 0 0,0-1 1 0 0,0 1 0 0 0,-1-1-1 0 0,1 0 1 0 0,0 1-1 0 0,0-1 1 0 0,0 1-1 0 0,0-1 1 0 0,0 1-1 0 0,-1-1 1 0 0,1 1-1 0 0,0-1 1 0 0,0 1-1 0 0,0-1 1 0 0,0 1-1 0 0,0-1 1 0 0,1 1-1 0 0,-1-1 1 0 0,0 1-1 0 0,0-1 1 0 0,0 0-1 0 0,0 1 1 0 0,0-1-1 0 0,1 1 1 0 0,-1-1-1 0 0,0 1 1 0 0,0-1-1 0 0,1 0 1 0 0,-1 1-1 0 0,0-1 1 0 0,1 1-1 0 0,-1-1 1 0 0,0 0-1 0 0,1 0 1 0 0,-1 1-1 0 0,1-1 1 0 0,-1 0-1 0 0,0 0 1 0 0,1 1-1 0 0,-1-1 1 0 0,1 0-1 0 0,-1 0 1 0 0,1 0-1 0 0,-1 0 1 0 0,1 1-1 0 0,-1-1 1 0 0,0 0-1 0 0,1 0 1 0 0,-1 0-1 0 0,1 0 1 0 0,-1 0 22 0 0,0 1-90 0 0,-60 76-2867 0 0,-99 91-2172 0 0,102-109 4909 0 0,9 7 903 0 0,-17-16 2453 0 0,64-50-3053 0 0,0-1 0 0 0,0 0 0 0 0,-1 1 0 0 0,1-1 0 0 0,0 0 0 0 0,0 0 0 0 0,0 0 0 0 0,0 0 0 0 0,0 0 0 0 0,0 0 1 0 0,1 0-1 0 0,-1 0 0 0 0,0-1 0 0 0,0 1 0 0 0,1 0 0 0 0,-1 0 0 0 0,1-1 0 0 0,-1 1 0 0 0,1 0 0 0 0,-1-1 0 0 0,1 1 1 0 0,0 0-1 0 0,0-1 0 0 0,0 1 0 0 0,0-1 0 0 0,0 1 0 0 0,0 0 0 0 0,0-1 0 0 0,0 1 0 0 0,0-1 0 0 0,1 1 0 0 0,-1 0 0 0 0,0-1 1 0 0,1 1-1 0 0,-1 0 0 0 0,1 0 0 0 0,0-1 0 0 0,0 1-83 0 0,16-29-206 0 0,-3 13-3477 0 0,-1 2-1137 0 0</inkml:trace>
   <inkml:trace contextRef="#ctx0" brushRef="#br0" timeOffset="-68443.064">1922 3696 5120 0 0,'0'0'233'0'0,"0"0"72"0"0,0 0 157 0 0,0 0 67 0 0,0 0 14 0 0,-9-4 1297 0 0,3-10-951 0 0,5 13-418 0 0,-4-12 1865 0 0,6 0-1892 0 0,1-1 0 0 0,0 0 0 0 0,0 1 0 0 0,2 0 0 0 0,-1 0 0 0 0,2 0 0 0 0,0 0 0 0 0,3-5-444 0 0,62-134 1399 0 0,40-78-1647 0 0,11 11 383 0 0,-16 76 278 0 0,-49 73-1186 0 0,-51 62 462 0 0,-4 7-202 0 0,-1 1-845 0 0,0 0-372 0 0,0 4-78 0 0,4 16-14 0 0</inkml:trace>
-  <inkml:trace contextRef="#ctx0" brushRef="#br0" timeOffset="-67851.748">1747 3849 6448 0 0,'0'0'297'0'0,"0"0"-9"0"0,0-9-39 0 0,13-37 3379 0 0,13-32-1362 0 0,24-32 115 0 0,-3 2-1299 0 0,-19 49-730 0 0,76-144 203 0 0,-20 26-670 0 0,8 14 115 0 0,118-161 736 0 0,-43 60-682 0 0,-61 97 10 0 0,47-56-655 0 0,-61 91 360 0 0,-21 39-880 0 0,-58 74-2869 0 0,4 2-1336 0 0</inkml:trace>
+  <inkml:trace contextRef="#ctx0" brushRef="#br0" timeOffset="-67851.7479">1747 3849 6448 0 0,'0'0'297'0'0,"0"0"-9"0"0,0-9-39 0 0,13-37 3379 0 0,13-32-1362 0 0,24-32 115 0 0,-3 2-1299 0 0,-19 49-730 0 0,76-144 203 0 0,-20 26-670 0 0,8 14 115 0 0,118-161 736 0 0,-43 60-682 0 0,-61 97 10 0 0,47-56-655 0 0,-61 91 360 0 0,-21 39-880 0 0,-58 74-2869 0 0,4 2-1336 0 0</inkml:trace>
   <inkml:trace contextRef="#ctx0" brushRef="#br0" timeOffset="-67307.88">2015 3396 5872 0 0,'0'0'266'0'0,"0"0"1"0"0,1-8-160 0 0,29-89 4219 0 0,-5 34-2814 0 0,6-18-600 0 0,44-92 1138 0 0,-22 65-1977 0 0,86-170 1805 0 0,-50 91-1494 0 0,15 9-236 0 0,30-53-82 0 0,-20 44-474 0 0,-18 51 386 0 0,-24 31 566 0 0,60-62-544 0 0,-29 38-268 0 0,10-4-1049 0 0,-94 110-125 0 0,3 7-3986 0 0</inkml:trace>
   <inkml:trace contextRef="#ctx0" brushRef="#br0" timeOffset="-66721.076">2472 2694 7080 0 0,'26'-121'3409'0'0,"62"-116"1384"0"0,-1 21-3124 0 0,11 3-950 0 0,41-14-451 0 0,-78 141-242 0 0,3 3 0 0 0,49-47-26 0 0,-105 121 1 0 0,135-158 13 0 0,-5 0 148 0 0,-52 89-242 0 0,-16 12 64 0 0,18 7-2562 0 0,-70 46-3059 0 0</inkml:trace>
   <inkml:trace contextRef="#ctx0" brushRef="#br0" timeOffset="-66382.58">2786 2417 1840 0 0,'-3'-8'389'0'0,"-10"-59"7728"0"0,21-30-4327 0 0,19 20-2352 0 0,48-76 131 0 0,35-26-1285 0 0,91-93 547 0 0,-57 95-724 0 0,-17 42-97 0 0,-57 69 7 0 0,-49 44-145 0 0,1 1 0 0 0,1 1 0 0 0,1 1 0 0 0,0 1-1 0 0,22-11 129 0 0,84-25-2830 0 0,-107 50-2619 0 0</inkml:trace>
@@ -4912,10 +5039,10 @@
   <inkml:trace contextRef="#ctx0" brushRef="#br0" timeOffset="-65657.675">3282 1393 7256 0 0,'1'-3'330'0'0,"69"-136"4673"0"0,53-40-1580 0 0,-53 118-2924 0 0,-49 45-471 0 0,0 1 0 0 0,1 1-1 0 0,1 1 1 0 0,1 1-1 0 0,0 1 1 0 0,0 1-1 0 0,1 2 1 0 0,0 0-1 0 0,20-3-27 0 0,-12 1-5 0 0,1 2 0 0 0,0 1-1 0 0,0 2 1 0 0,28 0 5 0 0,-17 9-1101 0 0,-28 3 40 0 0</inkml:trace>
   <inkml:trace contextRef="#ctx0" brushRef="#br0" timeOffset="-65288.36">3436 1188 2304 0 0,'7'-45'224'0'0,"27"-14"3402"0"0,-27 47-2918 0 0,1 1-1 0 0,0 0 0 0 0,0 1 0 0 0,1 0 0 0 0,1 0 1 0 0,-1 1-1 0 0,2 0 0 0 0,-1 1 0 0 0,1 0 0 0 0,2 0-707 0 0,17-15 668 0 0,44-24 734 0 0,1 20-810 0 0,26-12-352 0 0,-17 24-108 0 0,-62 8-132 0 0,0 1 0 0 0,1 0 0 0 0,0 2 0 0 0,0 0 0 0 0,0 2 1 0 0,0 0-1 0 0,0 2 0 0 0,5 1 0 0 0,-18 1-1183 0 0,2 2-4223 0 0</inkml:trace>
   <inkml:trace contextRef="#ctx0" brushRef="#br0" timeOffset="-64855.339">3388 1111 7112 0 0,'18'-27'756'0'0,"13"-32"741"0"0,7 13 1480 0 0,30-20-479 0 0,4 19-1314 0 0,-38 8-838 0 0,-17 31-319 0 0,1 2 0 0 0,0 0 0 0 0,0 1 0 0 0,0 0 0 0 0,0 2 0 0 0,0 0 0 0 0,15 0-27 0 0,5-2-8 0 0,3 1-26 0 0,0 1-1 0 0,0 3 0 0 0,0 0 0 0 0,0 3 0 0 0,0 2 0 0 0,-1 1 0 0 0,6 3 36 0 0,-5 8-1391 0 0,-33-11 872 0 0</inkml:trace>
-  <inkml:trace contextRef="#ctx0" brushRef="#br0" timeOffset="-63889.799">3488 1111 7512 0 0,'41'-27'802'0'0,"-2"-5"-672"0"0,48-26 3552 0 0,13 24-1803 0 0,36 22-1108 0 0,-126 12-715 0 0,0 0 1 0 0,-1 1 0 0 0,1 1 0 0 0,0 0 0 0 0,-1 0-1 0 0,0 1 1 0 0,0 0 0 0 0,0 0 0 0 0,0 1 0 0 0,0 0-1 0 0,0 1 1 0 0,-1 0 0 0 0,0 0 0 0 0,0 1 0 0 0,-1 0-1 0 0,1 0 1 0 0,-1 1 0 0 0,-1 0 0 0 0,1 0 0 0 0,2 5-57 0 0,-2-1 0 0 0,0 1 0 0 0,-1 0 0 0 0,0 0 0 0 0,-1 0 0 0 0,-1 1 0 0 0,0 0 0 0 0,-1 0 0 0 0,1 8 0 0 0,0-8 0 0 0,-1 88 0 0 0,-5-55-15 0 0,-8 64-362 0 0,3-78 253 0 0,2-4 42 0 0,-2-1-1 0 0,-1 1 1 0 0,-1-1-1 0 0,-1-1 1 0 0,-3 4 82 0 0,-56 92-16 0 0,-23-2 16 0 0,44-65 0 0 0,-171 191 862 0 0,-215 275-748 0 0,343-422-114 0 0,62-60 0 0 0,13-18-252 0 0,11-19-162 0 0,13-10 149 0 0,35-51-244 0 0,164-198-243 0 0,-39 34 560 0 0,-10 56 776 0 0,-93 110 64 0 0,-10 40 248 0 0,-53 17-690 0 0,-2 3-72 0 0,-2 13-81 0 0,0-1 1 0 0,-1 1 0 0 0,-1-1 0 0 0,0 0 0 0 0,-1 0 0 0 0,-1-1 0 0 0,0 1 0 0 0,-1-1 0 0 0,-1-1 0 0 0,-1 3-54 0 0,-22 45 132 0 0,-11 35 8 0 0,-53 57-1 0 0,-39 44-22 0 0,94-142-165 0 0,-3-1 0 0 0,-32 29 48 0 0,29-33 8 0 0,-58 40-8 0 0,69-75 435 0 0,35-26 32 0 0,22-40-425 0 0,43-35-42 0 0,15-8 0 0 0,99-99 0 0 0,-99 96 0 0 0,-38 70 0 0 0,-34 30 16 0 0,-8 0-7 0 0,0 0 0 0 0,0 0 0 0 0,0 0 0 0 0,-1 0 0 0 0,1 0 0 0 0,-1-1 0 0 0,0 1 0 0 0,0 0-1 0 0,1-1 1 0 0,-2 1 0 0 0,1 0 0 0 0,0-1 0 0 0,-1 1 0 0 0,1-1 0 0 0,-1 0 0 0 0,1 1 0 0 0,-2 0-9 0 0,-1 3 8 0 0,-47 73 156 0 0,-3-2 0 0 0,-29 28-164 0 0,-119 133 144 0 0,95-123-144 0 0,45-33 0 0 0,17-31-18 0 0,44-50-73 0 0,1-1-8 0 0,28-12-2422 0 0,-16 8-3245 0 0</inkml:trace>
+  <inkml:trace contextRef="#ctx0" brushRef="#br0" timeOffset="-63889.7989">3488 1111 7512 0 0,'41'-27'802'0'0,"-2"-5"-672"0"0,48-26 3552 0 0,13 24-1803 0 0,36 22-1108 0 0,-126 12-715 0 0,0 0 1 0 0,-1 1 0 0 0,1 1 0 0 0,0 0 0 0 0,-1 0-1 0 0,0 1 1 0 0,0 0 0 0 0,0 0 0 0 0,0 1 0 0 0,0 0-1 0 0,0 1 1 0 0,-1 0 0 0 0,0 0 0 0 0,0 1 0 0 0,-1 0-1 0 0,1 0 1 0 0,-1 1 0 0 0,-1 0 0 0 0,1 0 0 0 0,2 5-57 0 0,-2-1 0 0 0,0 1 0 0 0,-1 0 0 0 0,0 0 0 0 0,-1 0 0 0 0,-1 1 0 0 0,0 0 0 0 0,-1 0 0 0 0,1 8 0 0 0,0-8 0 0 0,-1 88 0 0 0,-5-55-15 0 0,-8 64-362 0 0,3-78 253 0 0,2-4 42 0 0,-2-1-1 0 0,-1 1 1 0 0,-1-1-1 0 0,-1-1 1 0 0,-3 4 82 0 0,-56 92-16 0 0,-23-2 16 0 0,44-65 0 0 0,-171 191 862 0 0,-215 275-748 0 0,343-422-114 0 0,62-60 0 0 0,13-18-252 0 0,11-19-162 0 0,13-10 149 0 0,35-51-244 0 0,164-198-243 0 0,-39 34 560 0 0,-10 56 776 0 0,-93 110 64 0 0,-10 40 248 0 0,-53 17-690 0 0,-2 3-72 0 0,-2 13-81 0 0,0-1 1 0 0,-1 1 0 0 0,-1-1 0 0 0,0 0 0 0 0,-1 0 0 0 0,-1-1 0 0 0,0 1 0 0 0,-1-1 0 0 0,-1-1 0 0 0,-1 3-54 0 0,-22 45 132 0 0,-11 35 8 0 0,-53 57-1 0 0,-39 44-22 0 0,94-142-165 0 0,-3-1 0 0 0,-32 29 48 0 0,29-33 8 0 0,-58 40-8 0 0,69-75 435 0 0,35-26 32 0 0,22-40-425 0 0,43-35-42 0 0,15-8 0 0 0,99-99 0 0 0,-99 96 0 0 0,-38 70 0 0 0,-34 30 16 0 0,-8 0-7 0 0,0 0 0 0 0,0 0 0 0 0,0 0 0 0 0,-1 0 0 0 0,1 0 0 0 0,-1-1 0 0 0,0 1 0 0 0,0 0-1 0 0,1-1 1 0 0,-2 1 0 0 0,1 0 0 0 0,0-1 0 0 0,-1 1 0 0 0,1-1 0 0 0,-1 0 0 0 0,1 1 0 0 0,-2 0-9 0 0,-1 3 8 0 0,-47 73 156 0 0,-3-2 0 0 0,-29 28-164 0 0,-119 133 144 0 0,95-123-144 0 0,45-33 0 0 0,17-31-18 0 0,44-50-73 0 0,1-1-8 0 0,28-12-2422 0 0,-16 8-3245 0 0</inkml:trace>
   <inkml:trace contextRef="#ctx0" brushRef="#br0" timeOffset="-63050.826">1804 3943 6448 0 0,'0'0'141'0'0,"0"0"23"0"0,0 0 13 0 0,-4-6 87 0 0,-10-34 3846 0 0,32 39-2742 0 0,-6 4-1301 0 0,0 1 1 0 0,0 1-1 0 0,0-1 1 0 0,-1 2-1 0 0,0-1 1 0 0,0 2-1 0 0,-1-1 1 0 0,1 1 0 0 0,5 7-68 0 0,86 49 0 0 0,-27-12 0 0 0,16-24 342 0 0,-52-16-290 0 0,-35-10-32 0 0,-3-1-4573 0 0,-1 0 2972 0 0</inkml:trace>
   <inkml:trace contextRef="#ctx0" brushRef="#br0" timeOffset="-62599.26">1840 3879 6560 0 0,'0'0'298'0'0,"0"0"-3"0"0,0 0-119 0 0,0 0 193 0 0,1 2 102 0 0,95 75 2672 0 0,17 7-1559 0 0,-43-44-1248 0 0,27 7 729 0 0,-26-12-442 0 0,24 8-386 0 0,-18-24-17 0 0,-65-14-1904 0 0,-12-5 535 0 0</inkml:trace>
-  <inkml:trace contextRef="#ctx0" brushRef="#br0" timeOffset="-62189.297">2084 3962 5984 0 0,'8'8'190'0'0,"0"0"-1"0"0,0-1 1 0 0,0 0 0 0 0,1 0-1 0 0,0-1 1 0 0,0 0 0 0 0,1 0 0 0 0,0-1-1 0 0,0-1 1 0 0,0 0 0 0 0,0 0 0 0 0,5 0-190 0 0,37 18 1151 0 0,44 9-58 0 0,-56-22-3973 0 0,-22-7-393 0 0</inkml:trace>
+  <inkml:trace contextRef="#ctx0" brushRef="#br0" timeOffset="-62189.2969">2084 3962 5984 0 0,'8'8'190'0'0,"0"0"-1"0"0,0-1 1 0 0,0 0 0 0 0,1 0-1 0 0,0-1 1 0 0,0 0 0 0 0,1 0 0 0 0,0-1-1 0 0,0-1 1 0 0,0 0 0 0 0,0 0 0 0 0,5 0-190 0 0,37 18 1151 0 0,44 9-58 0 0,-56-22-3973 0 0,-22-7-393 0 0</inkml:trace>
   <inkml:trace contextRef="#ctx0" brushRef="#br0" timeOffset="-61639.535">2444 4273 6272 0 0,'0'0'289'0'0,"0"0"-8"0"0,0 0-93 0 0,2 2 284 0 0,1-1-294 0 0,0 1 0 0 0,0-1-1 0 0,0 0 1 0 0,0 0-1 0 0,0 0 1 0 0,0 0-1 0 0,1-1 1 0 0,-1 1-1 0 0,0-1 1 0 0,0 0-1 0 0,1 0 1 0 0,-1 0-1 0 0,0 0 1 0 0,0-1 0 0 0,1 1-1 0 0,-1-1 1 0 0,0 0-1 0 0,0 0 1 0 0,0 0-1 0 0,0 0 1 0 0,0-1-1 0 0,0 1 1 0 0,0-1-1 0 0,0 0 1 0 0,-1 1 0 0 0,1-1-1 0 0,-1 0 1 0 0,1-1-1 0 0,-1 1 1 0 0,0 0-1 0 0,2-2-177 0 0,135-99 3064 0 0,-90 53-2355 0 0,12 0-357 0 0,17-21-378 0 0,-50 43-594 0 0,-11 13 223 0 0</inkml:trace>
   <inkml:trace contextRef="#ctx0" brushRef="#br0" timeOffset="-61132.143">2537 4243 1376 0 0,'17'-25'389'0'0,"23"-8"9142"0"0,-27 25-9067 0 0,22-9 904 0 0,144-108 2165 0 0,-86 32-2631 0 0,-5-1-584 0 0,140-182-76 0 0,-102 119-182 0 0,-6 13-572 0 0,2 3-3975 0 0,-86 99 2951 0 0</inkml:trace>
   <inkml:trace contextRef="#ctx0" brushRef="#br0" timeOffset="-60682.485">2696 4160 5064 0 0,'0'0'389'0'0,"8"-4"-64"0"0,52-42 5093 0 0,-2-2-3104 0 0,56-57-551 0 0,-11-9-229 0 0,67-88-631 0 0,-22 19-814 0 0,-94 117-89 0 0</inkml:trace>
@@ -5002,7 +5129,7 @@
   <inkml:trace contextRef="#ctx0" brushRef="#br0" timeOffset="25215.013">3557 1678 3224 0 0,'0'-4'288'0'0,"8"1"-288"0"0,-8 3 0 0 0,18-13 0 0 0,0 2 608 0 0,5-4 64 0 0,-2-1 8 0 0,5-4 8 0 0,-4 1-448 0 0,4 0-88 0 0,5-4-24 0 0,-5-1-2784 0 0</inkml:trace>
   <inkml:trace contextRef="#ctx0" brushRef="#br0" timeOffset="101224.239">0 3644 3224 0 0,'158'1'977'0'0,"316"-26"774"0"0,641-6-681 0 0,-604 34-1420 0 0,499 13-1010 0 0,-888-16 1152 0 0</inkml:trace>
   <inkml:trace contextRef="#ctx0" brushRef="#br0" timeOffset="101765.47">2040 3639 3336 0 0,'444'-41'344'0'0,"-196"25"-601"0"0,117-4 582 0 0,3 0 975 0 0,-348 18-1200 0 0,373-34 564 0 0,193-39-931 0 0,-68-3 516 0 0,-403 55-667 0 0,-58 12 210 0 0</inkml:trace>
-  <inkml:trace contextRef="#ctx0" brushRef="#br0" timeOffset="103060.941">4369 3527 3224 0 0,'557'-19'2824'0'0,"-165"23"-1752"0"0,294 15-1072 0 0,-124-16 0 0 0,-91-29-1368 0 0,-384 18 856 0 0</inkml:trace>
+  <inkml:trace contextRef="#ctx0" brushRef="#br0" timeOffset="103060.9409">4369 3527 3224 0 0,'557'-19'2824'0'0,"-165"23"-1752"0"0,294 15-1072 0 0,-124-16 0 0 0,-91-29-1368 0 0,-384 18 856 0 0</inkml:trace>
   <inkml:trace contextRef="#ctx0" brushRef="#br0" timeOffset="103576.905">4724 3323 4608 0 0,'356'28'912'0'0,"773"-4"2752"0"0,-479-5-3664 0 0,132 12 0 0 0,122 54-402 0 0,-562-49-1062 0 0,-7-2 139 0 0,-222-25-876 0 0</inkml:trace>
   <inkml:trace contextRef="#ctx0" brushRef="#br0" timeOffset="113742.696">9414 3702 3224 0 0,'0'0'188'0'0,"0"0"-16"0"0,0 0 491 0 0,0 0-352 0 0,0 0 175 0 0,0 0 342 0 0,0 0-34 0 0,0 2-154 0 0,5 31 883 0 0,-1-9-1048 0 0,6 47 135 0 0,9 36-172 0 0,-5-25-250 0 0,31 216 0 0 0,-27-142-124 0 0,21 51-23 0 0,-9-69-18 0 0,-4-36-711 0 0,-22-90 368 0 0</inkml:trace>
   <inkml:trace contextRef="#ctx0" brushRef="#br0" timeOffset="114188.768">9418 3495 1376 0 0,'0'2'107'0'0,"4"102"5358"0"0,32 1-4351 0 0,64 268-124 0 0,-55-132-709 0 0,16 158-60 0 0,-17-125-39 0 0,-30-165-134 0 0,3-59-680 0 0,-13-42 360 0 0</inkml:trace>
@@ -5040,7 +5167,7 @@
   <inkml:trace contextRef="#ctx0" brushRef="#br0" timeOffset="2141.383">23 2354 3224 0 0,'0'0'384'0'0,"0"0"403"0"0,2 0 174 0 0,71-10 2092 0 0,-27-3-2696 0 0,82-11 350 0 0,-105 23-403 0 0,-1 1-1 0 0,1 1 1 0 0,-1 2-1 0 0,1 0 1 0 0,-1 1-1 0 0,16 5-303 0 0,225 57 1784 0 0,73-21-1341 0 0,43-31-410 0 0,192 5 598 0 0,-212-5-112 0 0,57 8-455 0 0,-147 1-11 0 0,-29 12-42 0 0,212 43 53 0 0,-220-35-64 0 0,-44-7 0 0 0,-9-9 0 0 0,-6-3-483 0 0,-146-21 206 0 0</inkml:trace>
   <inkml:trace contextRef="#ctx0" brushRef="#br0" timeOffset="3463.683">119 3610 3224 0 0,'26'3'475'0'0,"-25"-3"365"0"0,31-3 3186 0 0,11-2-2674 0 0,106-3-433 0 0,4 16-83 0 0,68 3 274 0 0,230 11 296 0 0,352-16-710 0 0,-502-1-554 0 0,125-2 98 0 0,-22 2 286 0 0,-18-19-689 0 0,-88 9 368 0 0,168 5-322 0 0,-243 11 192 0 0,-127-15-11 0 0,46-12 72 0 0,-82 4-64 0 0,-34 5 10 0 0,-21 3-45 0 0,22-30 118 0 0,-27 32-112 0 0,0-13-22 0 0,-10-17 86 0 0,-16-13-33 0 0,-5 13 0 0 0,1-11 308 0 0,-36-48 714 0 0,35 30-904 0 0,5-13-18 0 0,5-16-108 0 0,-6-97-79 0 0,2 79-446 0 0,24 101 323 0 0,0 1-1 0 0,0 0 0 0 0,-1-1 0 0 0,1 1 1 0 0,-1 0-1 0 0,-1 0 0 0 0,1 0 0 0 0,-1 0 1 0 0,0 0-1 0 0,0 1 0 0 0,-1-1 0 0 0,0 1 1 0 0,0 0-1 0 0,-3-3 137 0 0,-7-7-4873 0 0,7 10-3 0 0</inkml:trace>
   <inkml:trace contextRef="#ctx0" brushRef="#br0" timeOffset="100096.591">7143 39 4176 0 0,'0'0'191'0'0,"0"0"43"0"0,0 0 81 0 0,0 0 34 0 0,2 0 10 0 0,53-14 1211 0 0,99 7-700 0 0,96 20-101 0 0,-25 9 270 0 0,-28 3-303 0 0,42 17-288 0 0,220 59 160 0 0,201-16-520 0 0,-371-65-88 0 0,-147-16-130 0 0,29 0-1252 0 0,-146 0 1046 0 0</inkml:trace>
-  <inkml:trace contextRef="#ctx0" brushRef="#br0" timeOffset="100998.536">7249 58 5528 0 0,'0'0'422'0'0,"0"0"-142"0"0,0 0 434 0 0,0-9 2102 0 0,2 7-2715 0 0,0 1 0 0 0,-1 0 0 0 0,1 0 0 0 0,0 1 0 0 0,-1-1 0 0 0,1 0-1 0 0,0 1 1 0 0,0-1 0 0 0,0 1 0 0 0,0-1 0 0 0,0 1 0 0 0,0 0 0 0 0,0 0 0 0 0,-1 0 0 0 0,1 0 0 0 0,0 0 0 0 0,0 0 0 0 0,0 0 0 0 0,0 1 0 0 0,0-1 0 0 0,0 1 0 0 0,0-1 0 0 0,-1 1 0 0 0,1 0 0 0 0,0 0 0 0 0,0 0 0 0 0,-1 0 0 0 0,2 1-101 0 0,12 2 239 0 0,74 21 225 0 0,38-3 66 0 0,16-17-629 0 0,0-6 1 0 0,135-19 98 0 0,-136 9-15 0 0,11 7 222 0 0,1 7 0 0 0,84 15-207 0 0,-213-16 88 0 0,223 13 466 0 0,144-25-18 0 0,-226 2-454 0 0,32-4 36 0 0,-80 4-5 0 0,-60 4 199 0 0,0 8-1089 0 0,-32-1-276 0 0,-16 2-2677 0 0,-8-5-687 0 0</inkml:trace>
+  <inkml:trace contextRef="#ctx0" brushRef="#br0" timeOffset="100998.5359">7249 58 5528 0 0,'0'0'422'0'0,"0"0"-142"0"0,0 0 434 0 0,0-9 2102 0 0,2 7-2715 0 0,0 1 0 0 0,-1 0 0 0 0,1 0 0 0 0,0 1 0 0 0,-1-1 0 0 0,1 0-1 0 0,0 1 1 0 0,0-1 0 0 0,0 1 0 0 0,0-1 0 0 0,0 1 0 0 0,0 0 0 0 0,0 0 0 0 0,-1 0 0 0 0,1 0 0 0 0,0 0 0 0 0,0 0 0 0 0,0 0 0 0 0,0 1 0 0 0,0-1 0 0 0,0 1 0 0 0,0-1 0 0 0,-1 1 0 0 0,1 0 0 0 0,0 0 0 0 0,0 0 0 0 0,-1 0 0 0 0,2 1-101 0 0,12 2 239 0 0,74 21 225 0 0,38-3 66 0 0,16-17-629 0 0,0-6 1 0 0,135-19 98 0 0,-136 9-15 0 0,11 7 222 0 0,1 7 0 0 0,84 15-207 0 0,-213-16 88 0 0,223 13 466 0 0,144-25-18 0 0,-226 2-454 0 0,32-4 36 0 0,-80 4-5 0 0,-60 4 199 0 0,0 8-1089 0 0,-32-1-276 0 0,-16 2-2677 0 0,-8-5-687 0 0</inkml:trace>
   <inkml:trace contextRef="#ctx0" brushRef="#br0" timeOffset="104265.72">7213 147 1840 0 0,'0'-1'133'0'0,"1"-7"1266"0"0,2 2 1265 0 0,-2 4 2126 0 0,-15 75-4488 0 0,2 30-60 0 0,2 35 60 0 0,5-43-10 0 0,4 0 0 0 0,7 38-292 0 0,0 12 224 0 0,18 217 149 0 0,37 295-208 0 0,10 157-95 0 0,-63-140-4 0 0,-8-655-68 0 0,-27 506 74 0 0,16-373-70 0 0,-40 446 299 0 0,-12 208 432 0 0,15-157-79 0 0,44-539 58 0 0,5 0-1 0 0,10 61-711 0 0,24 53 174 0 0,40 13-110 0 0,-22-1 54 0 0,-67-156-32 0 0,10-59 14 0 0,0-15-3590 0 0,9-13 2149 0 0</inkml:trace>
   <inkml:trace contextRef="#ctx0" brushRef="#br0" timeOffset="104892.295">7383 7309 1376 0 0,'2'2'107'0'0,"14"18"241"0"0,-10-12 472 0 0,0 0-1 0 0,1 0 1 0 0,0-1 0 0 0,0 0-1 0 0,0 0 1 0 0,1-1 0 0 0,0 1-1 0 0,1-2 1 0 0,-1 1 0 0 0,7 2-820 0 0,60 27 2113 0 0,60 19-1046 0 0,24 5-849 0 0,-98-40-123 0 0,2-3 0 0 0,0-2 0 0 0,0-4 0 0 0,1-2 0 0 0,1-3 0 0 0,-1-3 0 0 0,1-3 0 0 0,-1-2 0 0 0,0-3 0 0 0,10-5-95 0 0,312-82 96 0 0,-18-4-86 0 0,-178 54 44 0 0,63-3 10 0 0,-10-9-406 0 0,-148 43-814 0 0,-52 8-866 0 0,-42 4 1294 0 0</inkml:trace>
   <inkml:trace contextRef="#ctx0" brushRef="#br0" timeOffset="105332.858">9617 7248 3224 0 0,'2'0'240'0'0,"80"4"1024"0"0,-52-1-694 0 0,1-1 0 0 0,-1-2 0 0 0,1-1 0 0 0,17-3-570 0 0,88-1 1310 0 0,-10-3-652 0 0,-37-11-306 0 0,-48 8-855 0 0,-20 3-170 0 0</inkml:trace>
@@ -5051,7 +5178,7 @@
   <inkml:trace contextRef="#ctx0" brushRef="#br0" timeOffset="160533.744">5472 9315 5408 0 0,'0'0'248'0'0,"0"0"-6"0"0,-2-1-58 0 0,-71-45 4770 0 0,65 40-4699 0 0,1 0 1 0 0,1-1-1 0 0,-1 0 1 0 0,1 0-1 0 0,0-1 1 0 0,1 0-1 0 0,0 0 1 0 0,0 0 0 0 0,-1-5-256 0 0,-24-82 533 0 0,19-170-280 0 0,21-123-199 0 0,-6 218-72 0 0,0-39-292 0 0,19 30-925 0 0,-19 165 955 0 0,10-35-3468 0 0,-6 37 51 0 0</inkml:trace>
   <inkml:trace contextRef="#ctx0" brushRef="#br0" timeOffset="160850.567">5459 8308 4952 0 0,'-5'-2'40'0'0,"1"-1"0"0"0,0 0 0 0 0,-1 0 0 0 0,1 0 0 0 0,0 0 0 0 0,1-1 0 0 0,-1 0 0 0 0,1 1 0 0 0,-1-1 0 0 0,1-1 0 0 0,0 1 0 0 0,0-2-40 0 0,-9-11 104 0 0,2-2 0 0 0,0 1 0 0 0,1-1 0 0 0,1 0 0 0 0,0-1 0 0 0,2 0 0 0 0,-1-4-104 0 0,-27-80-147 0 0,-2 10 360 0 0,18 43 665 0 0,14 20-302 0 0,12-5-576 0 0,23-19-363 0 0,-18 33-472 0 0,-3 13-1519 0 0</inkml:trace>
   <inkml:trace contextRef="#ctx0" brushRef="#br0" timeOffset="161237.312">5503 7583 4000 0 0,'0'0'183'0'0,"1"-1"-10"0"0,6-4-118 0 0,0 1 0 0 0,0 0 1 0 0,1 0-1 0 0,-1 0 0 0 0,1 1 0 0 0,-1 0 0 0 0,1 1 1 0 0,0 0-1 0 0,1 0 0 0 0,4 0-55 0 0,16-5 789 0 0,62-13 1007 0 0,-42 8-1478 0 0,0 2 0 0 0,0 2 0 0 0,1 3 0 0 0,38 1-318 0 0,103-5 12 0 0,254-1-13 0 0,-160 18 65 0 0,18 0-1043 0 0,-250-13-1858 0 0</inkml:trace>
-  <inkml:trace contextRef="#ctx0" brushRef="#br0" timeOffset="161750.849">5349 7942 1376 0 0,'0'0'188'0'0,"0"0"253"0"0,0 0 115 0 0,0 0 20 0 0,0 0 6 0 0,1-2-6 0 0,7-3-262 0 0,0 0 0 0 0,0 1 0 0 0,0 0 0 0 0,0 0 0 0 0,1 1 0 0 0,-1 0 0 0 0,1 0 0 0 0,0 1 0 0 0,0 0 0 0 0,8 0-314 0 0,8-3 379 0 0,287-56 991 0 0,315-33-1130 0 0,-487 78-655 0 0,-70 4 94 0 0</inkml:trace>
+  <inkml:trace contextRef="#ctx0" brushRef="#br0" timeOffset="161750.8489">5349 7942 1376 0 0,'0'0'188'0'0,"0"0"253"0"0,0 0 115 0 0,0 0 20 0 0,0 0 6 0 0,1-2-6 0 0,7-3-262 0 0,0 0 0 0 0,0 1 0 0 0,0 0 0 0 0,0 0 0 0 0,1 1 0 0 0,-1 0 0 0 0,1 0 0 0 0,0 1 0 0 0,0 0 0 0 0,8 0-314 0 0,8-3 379 0 0,287-56 991 0 0,315-33-1130 0 0,-487 78-655 0 0,-70 4 94 0 0</inkml:trace>
   <inkml:trace contextRef="#ctx0" brushRef="#br0" timeOffset="177537.567">3436 1430 1376 0 0,'0'0'279'0'0,"0"0"633"0"0,0 0 280 0 0,0 0 58 0 0,0 0-86 0 0,0 0-412 0 0,-2-2-177 0 0,-34-27 3475 0 0,-6 18-1800 0 0,-10-6-538 0 0,39 13-1598 0 0,1 0 1 0 0,-1 1 0 0 0,0 0-1 0 0,0 1 1 0 0,0 1 0 0 0,-1 0-1 0 0,1 0 1 0 0,0 2-1 0 0,-10 0-114 0 0,14 1-4 0 0,1 1 0 0 0,-1 0 0 0 0,1 0 0 0 0,-1 1 0 0 0,1 0 0 0 0,0 0-1 0 0,0 1 1 0 0,1-1 0 0 0,0 2 0 0 0,-1-1 0 0 0,2 1 0 0 0,-1 1 0 0 0,1-1-1 0 0,0 1 1 0 0,0 0 0 0 0,1 0 0 0 0,0 1 0 0 0,-1 1 4 0 0,-17 26-52 0 0,19-30 46 0 0,0-1 0 0 0,1 1 0 0 0,0 0 0 0 0,0-1 0 0 0,0 1 1 0 0,0 1-1 0 0,1-1 0 0 0,0 0 0 0 0,0 1 0 0 0,1-1 1 0 0,-1 1-1 0 0,1-1 0 0 0,0 7 6 0 0,0 2-18 0 0,0 0-1 0 0,2 1 1 0 0,0-1 0 0 0,1 0-1 0 0,0 1 1 0 0,1-1 0 0 0,0 0-1 0 0,1-1 1 0 0,1 1 0 0 0,0-1 0 0 0,7 12 18 0 0,1-3-21 0 0,2-1 0 0 0,0 0 1 0 0,2-1-1 0 0,0-1 0 0 0,1 0 1 0 0,9 6 20 0 0,-16-15 0 0 0,0-1 0 0 0,1-1 0 0 0,0 1 0 0 0,1-2 0 0 0,-1 0 0 0 0,1 0 0 0 0,1-1 0 0 0,7 2 0 0 0,-10-6 29 0 0,0 0 0 0 0,0 0 1 0 0,0-1-1 0 0,1-1 1 0 0,-1 0-1 0 0,0 0 1 0 0,1-1-1 0 0,-1-1 1 0 0,0 0-1 0 0,3-1-29 0 0,-9 2 41 0 0,-1 0 0 0 0,1 0 1 0 0,-1 0-1 0 0,1-1 0 0 0,-1 1 0 0 0,0-1 0 0 0,0 0 0 0 0,0-1 1 0 0,0 1-1 0 0,0-1 0 0 0,0 0 0 0 0,0 0 0 0 0,-1 0 0 0 0,0 0 0 0 0,3-4-41 0 0,19-28 496 0 0,-3-20 192 0 0,-16 37-538 0 0,0 1-1 0 0,-2-1 0 0 0,0 0 0 0 0,-1 0 0 0 0,-1 0 1 0 0,0-18-150 0 0,-1 27 15 0 0,1-10 0 0 0,-1-1 1 0 0,-1 1-1 0 0,-1-1 0 0 0,0 1 0 0 0,-2-1 1 0 0,0 1-1 0 0,-1 0 0 0 0,-1 0 0 0 0,-4-9-15 0 0,8 25 0 0 0,0 1-1 0 0,-1-1 1 0 0,1 1-1 0 0,0 0 0 0 0,-1-1 1 0 0,1 1-1 0 0,-1 0 0 0 0,0 0 1 0 0,0 0-1 0 0,0 0 0 0 0,0 0 1 0 0,0 1-1 0 0,0-1 0 0 0,-1 1 1 0 0,1-1-1 0 0,0 1 1 0 0,-1 0-1 0 0,1 0 0 0 0,-1 0 1 0 0,1 0-1 0 0,-1 0 0 0 0,0 0 1 0 0,0 1 0 0 0,-15 1-110 0 0,1 2 1 0 0,-1 0 0 0 0,0 0 0 0 0,1 2-1 0 0,0 0 1 0 0,0 1 0 0 0,-8 5 109 0 0,6-4-37 0 0,-59 43-357 0 0,21 20 220 0 0,51-58 149 0 0,1 0 0 0 0,0 0-1 0 0,0 0 1 0 0,1 1 0 0 0,1-1-1 0 0,0 1 1 0 0,1 0 0 0 0,0 12 25 0 0,1-14-10 0 0,1 0 1 0 0,0 0 0 0 0,0 0-1 0 0,2 0 1 0 0,-1 0 0 0 0,1 0-1 0 0,1 0 1 0 0,0 0 0 0 0,1-1-1 0 0,0 1 1 0 0,0-1 0 0 0,1 0-1 0 0,0 0 1 0 0,1-1 0 0 0,0 1-1 0 0,6 5 10 0 0,-8-11 0 0 0,0 0 0 0 0,0 0 0 0 0,1 0 0 0 0,0-1 0 0 0,-1 0 0 0 0,1 0 0 0 0,1 0 0 0 0,-1 0 0 0 0,0-1 0 0 0,1 0 0 0 0,-1 0 0 0 0,1 0 0 0 0,-1-1 0 0 0,1 1 0 0 0,0-2 0 0 0,4 1 0 0 0,-2-2 58 0 0,0 0 0 0 0,0-1-1 0 0,0 0 1 0 0,0-1-1 0 0,-1 0 1 0 0,1 0 0 0 0,-1-1-1 0 0,0 1 1 0 0,0-2-1 0 0,0 1 1 0 0,0-1 0 0 0,-1 0-1 0 0,0 0 1 0 0,0-1-1 0 0,0 0 1 0 0,-1 0 0 0 0,1 0-1 0 0,-2 0 1 0 0,1-1-1 0 0,1-2-57 0 0,-5 7 11 0 0,30-84 248 0 0,-29 77-237 0 0,0-1 1 0 0,-1 1-1 0 0,0 0 1 0 0,-1-1-1 0 0,0 1 1 0 0,-1-1-1 0 0,0 1 1 0 0,0 0-1 0 0,-2-7-22 0 0,-14-23 64 0 0,14 34-60 0 0,0-1 0 0 0,0 1 0 0 0,0 0 0 0 0,-1 0 0 0 0,1 0 0 0 0,-1 1 0 0 0,-1-1 0 0 0,1 1 0 0 0,-1 0 0 0 0,1 0 0 0 0,-1 0 0 0 0,0 1 0 0 0,0 0 0 0 0,-1 0 0 0 0,1 0 0 0 0,-3-1-4 0 0,2 1-24 0 0,0 0 0 0 0,-1 0 0 0 0,1 1 0 0 0,-1 0 0 0 0,0 0 0 0 0,0 0 0 0 0,0 1 0 0 0,0 0 0 0 0,0 0 0 0 0,0 1 0 0 0,0 0 0 0 0,0 0 0 0 0,0 1 0 0 0,-3 0 24 0 0,0 2-47 0 0,1 1-1 0 0,0 1 1 0 0,0-1-1 0 0,0 1 1 0 0,1 1-1 0 0,-1 0 1 0 0,1 0 0 0 0,1 0-1 0 0,-1 1 1 0 0,1 0-1 0 0,0 1 1 0 0,1-1-1 0 0,0 1 1 0 0,0 1-1 0 0,0-1 1 0 0,1 1-1 0 0,1 0 1 0 0,-1 0-1 0 0,1 0 1 0 0,1 1-1 0 0,-1 1 48 0 0,-9 67-141 0 0,13-72 135 0 0,0 0 0 0 0,0 0 1 0 0,1 0-1 0 0,-1 0 0 0 0,1 0 1 0 0,0-1-1 0 0,1 1 0 0 0,-1 0 1 0 0,1-1-1 0 0,1 1 0 0 0,-1-1 1 0 0,1 0-1 0 0,-1 0 0 0 0,1 1 1 0 0,1-2-1 0 0,-1 1 0 0 0,1 0 1 0 0,0-1-1 0 0,0 0 0 0 0,0 0 1 0 0,1 0-1 0 0,-1 0 0 0 0,1-1 1 0 0,0 1-1 0 0,0-1 0 0 0,0-1 1 0 0,1 1-1 0 0,-1-1 0 0 0,1 0 1 0 0,-1 0-1 0 0,1 0 0 0 0,2 0 6 0 0,-2-2 10 0 0,1 0 0 0 0,-1-1 0 0 0,1 0 0 0 0,-1 0 0 0 0,1 0 0 0 0,-1-1 0 0 0,0 0 0 0 0,1 0 0 0 0,-1 0 0 0 0,0-1 0 0 0,2-1-10 0 0,-7 3 13 0 0,72-49 555 0 0,-50 22-371 0 0,-2-22-21 0 0,-24-24 59 0 0,0 51-230 0 0,-11-28 59 0 0,9 46-64 0 0,-8 5-66 0 0,8 6 7 0 0,1 0 1 0 0,0-1-1 0 0,0 1 1 0 0,0 1-1 0 0,1-1 1 0 0,0 1-1 0 0,0-1 1 0 0,1 1-1 0 0,0 0 1 0 0,0 1 58 0 0,-6 15-157 0 0,0 26-203 0 0,-2-19-144 0 0,3-17 248 0 0,6-10 190 0 0,-4 0 52 0 0,-4 0 14 0 0,1-6 14 0 0,-14-19 128 0 0,6 33-82 0 0,-34 101-142 0 0,24-37 28 0 0,-14 53-10 0 0,35-116 58 0 0,1 0-1 0 0,0 0 0 0 0,0 0 1 0 0,1 1-1 0 0,1-1 0 0 0,0 1 1 0 0,1 0-1 0 0,0 5 7 0 0,-4 52-11 0 0,2-27 71 0 0,11-126 264 0 0,1 11-60 0 0,1 16-188 0 0,32-84 48 0 0,-31 111-124 0 0,-7 15 0 0 0,1-1 0 0 0,1 1 0 0 0,0 0 0 0 0,1 1 0 0 0,1 0 0 0 0,0 0 0 0 0,8-9 0 0 0,18-14 0 0 0,-19 33-77 0 0,-4 6 24 0 0,24 42 41 0 0,-29-32 10 0 0,33 65-8 0 0,-17-19-44 0 0,35 112 333 0 0,-17-39-606 0 0,-27-54 381 0 0,-9-54-33 0 0,-8-5 32 0 0,4-10-42 0 0,4 9 42 0 0,-8-13-42 0 0,4-5 44 0 0,-1 0-59 0 0,1 0 0 0 0,0 0 0 0 0,-1-1 1 0 0,1 1-1 0 0,0 0 0 0 0,-1 0 0 0 0,1 0 0 0 0,0-1 1 0 0,-1 1-1 0 0,1 0 0 0 0,0 0 0 0 0,-1-1 1 0 0,1 1-1 0 0,0 0 0 0 0,0-1 0 0 0,0 1 0 0 0,-1 0 1 0 0,1-1-1 0 0,0 1 0 0 0,0 0 0 0 0,0-1 0 0 0,0 1 1 0 0,0 0-1 0 0,-1-1 0 0 0,1 1 0 0 0,0 0 1 0 0,0-1-1 0 0,0 1 0 0 0,0-1 0 0 0,0 1 0 0 0,0 0 1 0 0,0-1-1 0 0,0 1 0 0 0,1-1 0 0 0,-1 1 0 0 0,0 0 1 0 0,0-1-1 0 0,0 1 0 0 0,0 0 0 0 0,0-1 1 0 0,1 1-1 0 0,-1 0 0 0 0,0-1 0 0 0,0 1 0 0 0,0 0 1 0 0,1-1-1 0 0,-1 1 0 0 0,0 0 0 0 0,1 0 0 0 0,-1-1 1 0 0,0 1-1 0 0,1 0 0 0 0,-1 0 0 0 0,0 0 1 0 0,1-1-1 0 0,-1 1 0 0 0,0 0 0 0 0,1 0 0 0 0,-1 0 4 0 0,4-6 45 0 0,-4 3-21 0 0,1-1-1 0 0,-1 1 0 0 0,0-1 1 0 0,0 1-1 0 0,0 0 1 0 0,0-1-1 0 0,0 1 0 0 0,-1-1 1 0 0,0 1-1 0 0,1 0 1 0 0,-1-1-1 0 0,0 1 0 0 0,-1 0 1 0 0,1 0-1 0 0,-1 0 1 0 0,0-2-24 0 0,-10-34 10 0 0,-9 0-320 0 0,-10-43 683 0 0,27 74-348 0 0,2 4-25 0 0,-13-2-316 0 0,13 11 312 0 0,-20 50-5 0 0,-8 8-3 0 0,1-24-129 0 0,14-24 135 0 0,-28 11 6 0 0,24-20 0 0 0,-2-3 0 0 0,18-4 3 0 0,1 1 0 0 0,0-1 0 0 0,0 0 0 0 0,0 1 0 0 0,0-1 0 0 0,0 0 0 0 0,0 0 0 0 0,0 0 0 0 0,0-1 0 0 0,1 1-1 0 0,-1 0 1 0 0,0-1 0 0 0,1 1 0 0 0,-1-1 0 0 0,1 1 0 0 0,-1-1 0 0 0,1 0 0 0 0,0 1 0 0 0,0-1 0 0 0,0 0 0 0 0,0 0-1 0 0,-1-2-2 0 0,1-4-5 0 0,0 0-1 0 0,0 0 0 0 0,1-1 1 0 0,0 1-1 0 0,0 0 0 0 0,1-1 0 0 0,0 1 1 0 0,1 0-1 0 0,0 0 0 0 0,0 0 1 0 0,1 0-1 0 0,0 0 0 0 0,0 0 0 0 0,4-5 6 0 0,21-27 0 0 0,-21 33 0 0 0,10 8 0 0 0,-14 4-5 0 0,-1-1 0 0 0,0 1-1 0 0,0-1 1 0 0,-1 1 0 0 0,1 0-1 0 0,-1-1 1 0 0,0 1 0 0 0,0 0-1 0 0,-1 0 1 0 0,1 0 0 0 0,-1 0-1 0 0,0 0 1 0 0,-1 0 0 0 0,0 4 5 0 0,1 7 10 0 0,-9 55-10 0 0,-20 20 111 0 0,27-91-92 0 0,1 0 0 0 0,0 0 0 0 0,0 0 0 0 0,0 0 0 0 0,0 0 0 0 0,0 0 0 0 0,0 0 0 0 0,-1 0 0 0 0,1-1 0 0 0,0 1 0 0 0,0-1 0 0 0,0 1 0 0 0,0 0 0 0 0,0-1 0 0 0,0 0 0 0 0,0 1 0 0 0,0-1 0 0 0,1 0 0 0 0,-1 1 0 0 0,0-1 0 0 0,0 0 0 0 0,0 0 0 0 0,1 0 0 0 0,-1 0 0 0 0,0 0 0 0 0,1 1 0 0 0,-1-1 0 0 0,1 0-1 0 0,-1 0 1 0 0,1-1-19 0 0,-6-11 43 0 0,2 0 0 0 0,0-1-1 0 0,0 1 1 0 0,1-1 0 0 0,1 1-1 0 0,0-1 1 0 0,1 0 0 0 0,0 0-1 0 0,2-1-42 0 0,-2 9 0 0 0,1-1 0 0 0,1 1 0 0 0,-1-1 0 0 0,1 1 0 0 0,0 0 0 0 0,1-1 0 0 0,0 1 0 0 0,-1 0 0 0 0,2 0 0 0 0,-1 0 0 0 0,3-3 0 0 0,31-46-13 0 0,-20 44-66 0 0,-15 10 71 0 0,1 1 6 0 0,-1-1 0 0 0,0 0 0 0 0,1 1 0 0 0,-1-1 0 0 0,1 1 0 0 0,-1 0-1 0 0,1 0 1 0 0,-1-1 0 0 0,1 1 0 0 0,-1 0 0 0 0,1 0 0 0 0,-1 0 0 0 0,1 1 0 0 0,0-1 0 0 0,-1 0 0 0 0,0 0 0 0 0,1 1 0 0 0,-1-1 0 0 0,1 1 0 0 0,-1 0 0 0 0,1-1 0 0 0,-1 1 0 0 0,0 0-1 0 0,1 0 1 0 0,0 0 2 0 0,1 0-2 0 0,-1 1-1 0 0,1-1 0 0 0,-1 0 0 0 0,0 1 0 0 0,1-1 1 0 0,-1 1-1 0 0,0 0 0 0 0,0-1 0 0 0,0 1 0 0 0,0 0 1 0 0,0 1-1 0 0,0-1 0 0 0,0 0 0 0 0,-1 0 0 0 0,1 1 1 0 0,-1-1-1 0 0,0 1 0 0 0,0-1 0 0 0,1 3 3 0 0,4 63 304 0 0,-6-67-212 0 0,0-1-11 0 0,0 0-3 0 0,0 0-6 0 0,-12-9 98 0 0,1-49-26 0 0,4-11-80 0 0,1 10-64 0 0,5-50 0 0 0,6 95-14 0 0,13 21-140 0 0,14 43 30 0 0,19 160-12 0 0,-34-99-636 0 0,-11-74-1887 0 0,-6-37 1559 0 0</inkml:trace>
 </inkml:ink>
 </file>
@@ -5084,8 +5211,8 @@
     </inkml:brush>
   </inkml:definitions>
   <inkml:trace contextRef="#ctx0" brushRef="#br0">188 1513 6448 0 0,'0'0'141'0'0,"0"0"23"0"0,0 0 13 0 0,0 0 55 0 0,0 0 182 0 0,0 0 76 0 0,0 0 20 0 0,0 0 2 0 0,0-8 512 0 0,-2-43 1536 0 0,-11-58-1510 0 0,-6 31 390 0 0,-7-31-1274 0 0,13 21-166 0 0,-9-69 0 0 0,18 20 0 0 0,-2 103 0 0 0,6 30 0 0 0,-1 1 0 0 0,1-1 0 0 0,0 0 0 0 0,0 0 0 0 0,1 1 0 0 0,-1-1 0 0 0,1 0 0 0 0,0 1 0 0 0,0-1 0 0 0,0 0 0 0 0,0 1 0 0 0,1-1 0 0 0,-1 1 0 0 0,1 0 0 0 0,0-1 0 0 0,0 1 0 0 0,0 0 0 0 0,0 0 0 0 0,1 0 0 0 0,-1 1 0 0 0,1-1 0 0 0,1-1 0 0 0,19-8 0 0 0,-15 10 0 0 0,-1-1 0 0 0,0 2 0 0 0,0-1 0 0 0,1 1 0 0 0,-1 0 0 0 0,1 0 0 0 0,0 1 0 0 0,-1 0 0 0 0,1 1 0 0 0,2 0 0 0 0,16 0 0 0 0,219 7 2047 0 0,-86-11-2047 0 0,0-7 0 0 0,115-24 0 0 0,244-28-13 0 0,64-32 10 0 0,-221 24 75 0 0,-57 27-74 0 0,159-18 76 0 0,-259 37-74 0 0,417-35 0 0 0,-200 12-80 0 0,-267 28 80 0 0,51-6 0 0 0,-69 6 0 0 0,-20 3-53 0 0,102-9 42 0 0,37 5-53 0 0,-37 12 64 0 0,-23 7 0 0 0,-11-3-142 0 0,-58-2-389 0 0,-111 6 191 0 0,13 0 138 0 0,-9 0-4665 0 0,-15 0 38 0 0</inkml:trace>
-  <inkml:trace contextRef="#ctx0" brushRef="#br0" timeOffset="1612.12">0 1836 6448 0 0,'2'1'141'0'0,"53"25"390"0"0,-6-10 170 0 0,0-3-1 0 0,1-1 1 0 0,1-3 0 0 0,0-3 0 0 0,38 1-701 0 0,73-17 608 0 0,108-24 1513 0 0,-91 8-754 0 0,371-48-906 0 0,138-28 23 0 0,-405 67 65 0 0,239-23 188 0 0,-67 24-417 0 0,40-10 4 0 0,-318 29-470 0 0,251-24 210 0 0,-45 6-154 0 0,-80-5 184 0 0,-105 23 330 0 0,82-21-339 0 0,-140 9-140 0 0,-77 15-469 0 0,-6 2 524 0 0,10-3 0 0 0,22-2 0 0 0,4-2 0 0 0,-75 13 0 0 0,-5-11 0 0 0,-5 8 0 0 0,1-9 0 0 0,-1-14 0 0 0,-4 5 0 0 0,-3 2 0 0 0,-2-32 0 0 0,11-27 0 0 0,-9 68 0 0 0,0-1 0 0 0,-1 1 0 0 0,-1-1 0 0 0,0 1 0 0 0,-1-1 0 0 0,-1 1 0 0 0,0 0 0 0 0,-1-2 0 0 0,2 10 0 0 0,-58-124 0 0 0,33 70 0 0 0,23-5 0 0 0,-5 17 0 0 0,-9-14 0 0 0,5 23 0 0 0,11 34 0 0 0,5-25 0 0 0,0 22 0 0 0,10-27-1166 0 0,-12 34-4667 0 0</inkml:trace>
-  <inkml:trace contextRef="#ctx0" brushRef="#br0" timeOffset="193982.322">3734 160 6048 0 0,'-2'-3'-5'0'0,"2"3"25"0"0,0 0-1 0 0,0 1 1 0 0,0-1 0 0 0,-1 0-1 0 0,1 0 1 0 0,0 1 0 0 0,0-1-1 0 0,-1 0 1 0 0,1 0 0 0 0,0 0-1 0 0,0 1 1 0 0,-1-1 0 0 0,1 0-1 0 0,0 0 1 0 0,0 0 0 0 0,-1 0-1 0 0,1 0 1 0 0,0 1 0 0 0,-1-1-1 0 0,1 0 1 0 0,0 0-1 0 0,-1 0 1 0 0,1 0 0 0 0,0 0-1 0 0,-1 0 1 0 0,1 0 0 0 0,0 0-1 0 0,-1 0 1 0 0,1 0 0 0 0,0 0-1 0 0,-1 0 1 0 0,1-1 0 0 0,0 1-1 0 0,-1 0 1 0 0,1 0 0 0 0,0 0-1 0 0,-1 0-19 0 0,1 102 2780 0 0,14 31-1162 0 0,1-2-410 0 0,-2 13-448 0 0,-3-7 424 0 0,8 89-239 0 0,-6-12-922 0 0,2-23 1275 0 0,-9-176-1113 0 0,-1-21 219 0 0,-1-101-132 0 0,-15-91-280 0 0,-6-44 458 0 0,16 174-421 0 0,3 0 0 0 0,3 1-1 0 0,7-29-28 0 0,1 2-21 0 0,15-26-494 0 0,-18 93 515 0 0,0 22 0 0 0,-1 6 0 0 0,-4 2 0 0 0,0 0 0 0 0,0 1 0 0 0,0 0 0 0 0,-1 0 0 0 0,1 0 0 0 0,-1 0 0 0 0,0 0 0 0 0,-1 1 0 0 0,1 0 0 0 0,-1-1 0 0 0,0 1 0 0 0,0 0 0 0 0,0 0 0 0 0,-1 0 0 0 0,0 0 0 0 0,0 0 0 0 0,1 3 0 0 0,0 2 0 0 0,7 21 32 0 0,18 103 472 0 0,2 99-493 0 0,-20-90 42 0 0,-4-5-42 0 0,8-6 42 0 0,-6-101-42 0 0,-2-42 56 0 0,-4-53 63 0 0,3-317-66 0 0,-5 262-237 0 0,3-42-186 0 0,18 53 1694 0 0,-10 64-2098 0 0,-2 38 705 0 0,0 16 15 0 0,1 16 30 0 0,0 0 0 0 0,-2 0 1 0 0,-1 1-1 0 0,-1 0 0 0 0,0 9 13 0 0,3 14-11 0 0,10 94 11 0 0,-13 117 0 0 0,-1 4 0 0 0,-4-249 0 0 0,6-5 0 0 0,-4-14 0 0 0,7-79 64 0 0,-5-184 0 0 0,10 16-64 0 0,1 112 0 0 0,5 0 0 0 0,14-32 0 0 0,-33 167-53 0 0,0 0-1 0 0,-1-1 0 0 0,1 1 0 0 0,0 0 0 0 0,1 0 0 0 0,-1 0 0 0 0,0 0 0 0 0,1 0 0 0 0,0 0 0 0 0,0 1 0 0 0,0-1 0 0 0,0 0 1 0 0,0 1-1 0 0,0 0 0 0 0,1-1 0 0 0,-1 1 54 0 0,12 6-42 0 0,-10 3 56 0 0,0-1 0 0 0,-1 1 0 0 0,1-1 0 0 0,-1 1 0 0 0,-1 0 0 0 0,0 0-1 0 0,0 0 1 0 0,0 1 0 0 0,-1-1 0 0 0,0 0 0 0 0,0 5-14 0 0,1-2 62 0 0,19 172 794 0 0,-12-24-751 0 0,0 268 151 0 0,9-249-192 0 0,-11-121-53 0 0,4-66 117 0 0,-6-14-103 0 0,0 0 0 0 0,-1 0-1 0 0,-1 0 1 0 0,-2-1 0 0 0,0 1-1 0 0,-1-1 1 0 0,-2-1-25 0 0,1-27 20 0 0,2-104 184 0 0,12-73-204 0 0,0 79 0 0 0,18-44 0 0 0,-14 130 0 0 0,-13 53 0 0 0,1 5 0 0 0,1 10 0 0 0,18 72 0 0 0,-13-8 0 0 0,-3 1 0 0 0,-2 0 0 0 0,-4 8 0 0 0,2 14 0 0 0,10 195 0 0 0,3-56 0 0 0,9-98-10 0 0,-21-161-44 0 0,-1-231 54 0 0,5 28 0 0 0,4 81 0 0 0,0-7-72 0 0,9-37 72 0 0,-8 130 0 0 0,0 110 0 0 0,3 113 64 0 0,-17-132-56 0 0,16 103-81 0 0,7 85 58 0 0,-10-59 15 0 0,10 39 0 0 0,-15-141 0 0 0,-14-64 64 0 0,-11-217-64 0 0,17-270 0 0 0,10 375 0 0 0,-1 34-53 0 0,-5 81 96 0 0,4 14-34 0 0,-7-4-8 0 0,7 25-22 0 0,-1 1-1 0 0,0-1 0 0 0,-3 1 1 0 0,0 1-1 0 0,-1 9 22 0 0,2 5 12 0 0,7 54-8 0 0,24 271 46 0 0,-8-15-40 0 0,-11-239-10 0 0,-15-103-12 0 0,3 8 58 0 0,-3-27-16 0 0,-11-108 34 0 0,-5-69-64 0 0,-3-94 64 0 0,0-119-64 0 0,20 193 0 0 0,7 163-64 0 0,-2 55 0 0 0,-3-3 26 0 0,0 0 0 0 0,-2 0-1 0 0,1 1 1 0 0,-1-1-1 0 0,0 1 1 0 0,-1 0 0 0 0,0 0-1 0 0,0 7 39 0 0,5 18 9 0 0,19 133 281 0 0,19 155-602 0 0,-29-163 312 0 0,2 7 0 0 0,-6-77 0 0 0,-18-109 0 0 0,-9-33 0 0 0,-28-180 0 0 0,11 68 0 0 0,16 70 0 0 0,16 83 0 0 0,-5 66-64 0 0,-18 255-84 0 0,21-280 138 0 0,-2 0 0 0 0,-1 0 0 0 0,-2 0 0 0 0,0 0 0 0 0,-2-1 0 0 0,-4 6 10 0 0,10-28 0 0 0,0-1 0 0 0,0 0 0 0 0,0 0 0 0 0,-1 0 0 0 0,0-1 0 0 0,0 1 0 0 0,-1-1 0 0 0,1 0 0 0 0,-1 0 0 0 0,0 0 0 0 0,0-1 0 0 0,-1 0 0 0 0,0 0 0 0 0,1 0 0 0 0,-5 1 0 0 0,-50 15 147 0 0,54-19-127 0 0,-1 0-1 0 0,1-1 1 0 0,0 0-1 0 0,0 0 1 0 0,-1-1-1 0 0,1 1 1 0 0,0-1 0 0 0,0-1-1 0 0,0 1 1 0 0,0-1-1 0 0,0 0 1 0 0,0 0-1 0 0,1-1 1 0 0,-1 0-1 0 0,1 0 1 0 0,-1 0 0 0 0,1 0-1 0 0,0-1 1 0 0,1 0-1 0 0,-1 0 1 0 0,-3-4-20 0 0,-40-57 10 0 0,19 15-22 0 0,11 53-192 0 0,-6 31 16 0 0,-40 14 128 0 0,22-18 72 0 0,3-11 44 0 0,-1-2-1 0 0,-1-2 0 0 0,-1-2 1 0 0,-40 8-56 0 0,-10 10 53 0 0,47-14-292 0 0,16-2 167 0 0,28-14 0 0 0,7-6-80 0 0,61-20 15 0 0,0 2-1 0 0,1 4 0 0 0,37-5 138 0 0,-102 23-3 0 0,23-4-1 0 0,2 1-1 0 0,-1 2 0 0 0,0 0 1 0 0,0 2-1 0 0,1 1 0 0 0,6 2 5 0 0,15 1-580 0 0,4 4 1455 0 0,-59 3-758 0 0,0-3-85 0 0,0-1 0 0 0,-1 0 0 0 0,1-1 0 0 0,-2 0 0 0 0,1 0 0 0 0,-1 0 0 0 0,0-1 0 0 0,0 0 0 0 0,0-1 0 0 0,-1 1 0 0 0,1-2 0 0 0,-1 1 0 0 0,0-1 0 0 0,0-1 0 0 0,-1 0 0 0 0,1 0 0 0 0,0 0 0 0 0,-1-1 0 0 0,1-1 0 0 0,-8 0-32 0 0,13 1 24 0 0,-159 4 40 0 0,19 10-117 0 0,44-14-18 0 0,92 3 46 0 0,6-4-39 0 0,2 0-3 0 0,0 0 3 0 0,3 0 11 0 0,27-29-47 0 0,-18 11 29 0 0,24-14 71 0 0,14-32 0 0 0,-40 50 1 0 0,-1 0 0 0 0,-1-1-1 0 0,0 0 1 0 0,-1 0 0 0 0,0 0-1 0 0,-1-1 1 0 0,-1 0-1 0 0,-1 0 1 0 0,0-1 0 0 0,-1 1-1 0 0,-1-1 1 0 0,0 0 0 0 0,-1 0-1 0 0,-1 1 1 0 0,-1-1-1 0 0,0 0 1 0 0,-2-3-1 0 0,-2-8 26 0 0,-1-1 0 0 0,-1 1 0 0 0,-2 1 0 0 0,-1 0 0 0 0,0 0 0 0 0,-3 1-1 0 0,-1-3-25 0 0,-16-20 12 0 0,-14-40 40 0 0,21 11-52 0 0,15 44-10 0 0,3 10-54 0 0,5 23 10 0 0,0 1-18 0 0,0 0-33 0 0,0 0-14 0 0,-1 2-1 0 0,-19 29-288 0 0,-2 1 16 0 0,4-19 104 0 0,-12 3 518 0 0,29-15-320 0 0,-17 1-14 0 0,17-2 114 0 0,0 1-1 0 0,0-1 0 0 0,0 0 0 0 0,-1 0 0 0 0,1-1 1 0 0,0 1-1 0 0,0 0 0 0 0,0 0 0 0 0,0 0 0 0 0,0-1 1 0 0,-1 1-1 0 0,1 0 0 0 0,0-1 0 0 0,0 1 0 0 0,0-1 1 0 0,0 0-1 0 0,0 1 0 0 0,0-1 0 0 0,0 0 0 0 0,1 1 1 0 0,-1-1-1 0 0,0 0 0 0 0,0 0 0 0 0,0 0 0 0 0,1 0 1 0 0,-1 0-1 0 0,0 0 0 0 0,1 0 0 0 0,-1 0 0 0 0,1-1-9 0 0,-10-8-73 0 0,8 4 72 0 0,0 0 0 0 0,0 1-1 0 0,1-1 1 0 0,-1 0 0 0 0,1 0 0 0 0,1 0 0 0 0,-1 0-1 0 0,1 0 1 0 0,0 0 0 0 0,1 0 0 0 0,-1 0-1 0 0,1 0 2 0 0,12-64 0 0 0,1 23 0 0 0,-10 37 0 0 0,1 0 0 0 0,0 1 0 0 0,1 0 0 0 0,0 0 0 0 0,0 0 0 0 0,1 1 0 0 0,0-1 0 0 0,0 2 0 0 0,1-1 0 0 0,0 1 0 0 0,0 0 0 0 0,7-3 0 0 0,60-29 0 0 0,-64 39 12 0 0,-8-1 36 0 0,0-2-20 0 0,-2 2 52 0 0,-1 1 20 0 0,0 0 11 0 0,0 0-19 0 0,-28 5 197 0 0,-33 7-86 0 0,0 6-78 0 0,53-17-139 0 0,34 7-136 0 0,62-13 468 0 0,7-22-688 0 0,-57 20 381 0 0,-45 21 114 0 0,-43 28-3 0 0,12-17-100 0 0,-62 41 106 0 0,81-50-128 0 0,14-12 0 0 0,0-1 0 0 0,1 1 0 0 0,-1-1 0 0 0,1 2 0 0 0,0-1 0 0 0,0 0 0 0 0,1 1 0 0 0,-1-1 0 0 0,1 1 0 0 0,0 0 0 0 0,0 0 0 0 0,-1 4 0 0 0,-1 9-20 0 0,0 0 0 0 0,1 1 0 0 0,1 0 0 0 0,1 0 0 0 0,0 0 0 0 0,2 0-1 0 0,0 1 1 0 0,1-1 0 0 0,1 1 20 0 0,3 70-11 0 0,6-28 11 0 0,17 172-266 0 0,-14-133 199 0 0,3-11-64 0 0,-35-200 131 0 0,-13-82-786 0 0,25 134 956 0 0,1-1 1 0 0,4 0 0 0 0,3-41-171 0 0,21 28-558 0 0,-21 73 599 0 0,0 0 0 0 0,0 0 0 0 0,0 0 0 0 0,0 0 0 0 0,0 0 0 0 0,-1 0-1 0 0,1 1 1 0 0,0-1 0 0 0,-1 1 0 0 0,1 0 0 0 0,-1-1 0 0 0,0 1-1 0 0,1 0 1 0 0,-1 0 0 0 0,0 0 0 0 0,0 0 0 0 0,0 0 0 0 0,0 0-1 0 0,0 1-40 0 0,3 18 0 0 0,0 0 0 0 0,-1 1 0 0 0,-2-1 0 0 0,0 1 0 0 0,-1 0 0 0 0,-1-1 0 0 0,-2 2 0 0 0,0 48 0 0 0,-7 95 0 0 0,-15 37 0 0 0,2-120-734 0 0,16-65 998 0 0,6-16-64 0 0,1-2-50 0 0,0 0-232 0 0,0 0-101 0 0,0 0-17 0 0,0-2 28 0 0,-4-60 276 0 0,12-55 164 0 0,-5-88-468 0 0,-2 196 28 0 0,-1 9 172 0 0,0 0-1 0 0,0 0 0 0 0,0 1 1 0 0,0-1-1 0 0,0 0 1 0 0,0 0-1 0 0,1 0 0 0 0,-1 1 1 0 0,0-1-1 0 0,0 0 1 0 0,0 0-1 0 0,0 0 0 0 0,0 0 1 0 0,0 1-1 0 0,1-1 1 0 0,-1 0-1 0 0,0 0 0 0 0,0 0 1 0 0,0 0-1 0 0,0 0 1 0 0,1 1-1 0 0,-1-1 0 0 0,0 0 1 0 0,0 0-1 0 0,0 0 1 0 0,1 0-1 0 0,-1 0 0 0 0,0 0 1 0 0,0 0-1 0 0,0 0 1 0 0,1 0-1 0 0,-1 0 0 0 0,0 0 1 0 0,0 0-1 0 0,1 0 1 0 0,-1 0-1 0 0,0 0 0 0 0,0 0 1 0 0,0 0-1 0 0,1 0 1 0 0,-1 0-1 0 0,0 0 1 0 0,0 0-1 0 0,0 0 0 0 0,1-1 1 0 0,-1 1-1 0 0,0 0 1 0 0,0 0-1 0 0,0 0 0 0 0,1 0 1 0 0,-1 0-1 0 0,0-1 1 0 0,0 1-1 0 0,0 0 0 0 0,0 0 1 0 0,0 0 0 0 0,0 0-2 0 0,21 61 308 0 0,-6 41 95 0 0,-6 84-348 0 0,-14-148-53 0 0,5-30 11 0 0,0-7 42 0 0,0-1 11 0 0,-1-1-10 0 0,-38-46 20 0 0,33 39-74 0 0,1-1 0 0 0,0-1 0 0 0,0 1 0 0 0,0-1 0 0 0,1 0 0 0 0,1 0 0 0 0,-1 0 0 0 0,2 0 0 0 0,-1-2 0 0 0,-7-22 0 0 0,-30-133 0 0 0,27 78 0 0 0,-9-56 0 0 0,22-26 0 0 0,-3 27 0 0 0,-11 60 0 0 0,13 20 0 0 0,-2 55 0 0 0,3 3-12 0 0,0 5-48 0 0,3 15-12 0 0,14 52-96 0 0,-2 1 0 0 0,-4 1 0 0 0,-2 0 0 0 0,-2 26 168 0 0,0 12 322 0 0,-12 45-844 0 0,2-88 869 0 0,-1-45 72 0 0,-1-24-318 0 0,-3-18-123 0 0,1 0 0 0 0,1-1 1 0 0,1 1-1 0 0,1-1 0 0 0,1-14 22 0 0,-8-42 122 0 0,-6-28-58 0 0,-15-96-64 0 0,19 105 0 0 0,1 27 0 0 0,20 96-66 0 0,49 308-32 0 0,-35-191-322 0 0,-4 126 784 0 0,-6 50-957 0 0,-12-234 809 0 0,-7-103 229 0 0,-7-64-445 0 0,1-36 11 0 0,-4-101 42 0 0,4 63-53 0 0,-4 22-617 0 0,-10-65 1258 0 0,13 81-641 0 0,13 106-10 0 0,10 29-44 0 0,40 153-10 0 0,-14 45 64 0 0,-26-115 0 0 0,-5 82-353 0 0,5 122 650 0 0,5-145-849 0 0,-7-121-1286 0 0,-7-35-3835 0 0</inkml:trace>
+  <inkml:trace contextRef="#ctx0" brushRef="#br0" timeOffset="1612.1199">0 1836 6448 0 0,'2'1'141'0'0,"53"25"390"0"0,-6-10 170 0 0,0-3-1 0 0,1-1 1 0 0,1-3 0 0 0,0-3 0 0 0,38 1-701 0 0,73-17 608 0 0,108-24 1513 0 0,-91 8-754 0 0,371-48-906 0 0,138-28 23 0 0,-405 67 65 0 0,239-23 188 0 0,-67 24-417 0 0,40-10 4 0 0,-318 29-470 0 0,251-24 210 0 0,-45 6-154 0 0,-80-5 184 0 0,-105 23 330 0 0,82-21-339 0 0,-140 9-140 0 0,-77 15-469 0 0,-6 2 524 0 0,10-3 0 0 0,22-2 0 0 0,4-2 0 0 0,-75 13 0 0 0,-5-11 0 0 0,-5 8 0 0 0,1-9 0 0 0,-1-14 0 0 0,-4 5 0 0 0,-3 2 0 0 0,-2-32 0 0 0,11-27 0 0 0,-9 68 0 0 0,0-1 0 0 0,-1 1 0 0 0,-1-1 0 0 0,0 1 0 0 0,-1-1 0 0 0,-1 1 0 0 0,0 0 0 0 0,-1-2 0 0 0,2 10 0 0 0,-58-124 0 0 0,33 70 0 0 0,23-5 0 0 0,-5 17 0 0 0,-9-14 0 0 0,5 23 0 0 0,11 34 0 0 0,5-25 0 0 0,0 22 0 0 0,10-27-1166 0 0,-12 34-4667 0 0</inkml:trace>
+  <inkml:trace contextRef="#ctx0" brushRef="#br0" timeOffset="193982.3219">3734 160 6048 0 0,'-2'-3'-5'0'0,"2"3"25"0"0,0 0-1 0 0,0 1 1 0 0,0-1 0 0 0,-1 0-1 0 0,1 0 1 0 0,0 1 0 0 0,0-1-1 0 0,-1 0 1 0 0,1 0 0 0 0,0 0-1 0 0,0 1 1 0 0,-1-1 0 0 0,1 0-1 0 0,0 0 1 0 0,0 0 0 0 0,-1 0-1 0 0,1 0 1 0 0,0 1 0 0 0,-1-1-1 0 0,1 0 1 0 0,0 0-1 0 0,-1 0 1 0 0,1 0 0 0 0,0 0-1 0 0,-1 0 1 0 0,1 0 0 0 0,0 0-1 0 0,-1 0 1 0 0,1 0 0 0 0,0 0-1 0 0,-1 0 1 0 0,1-1 0 0 0,0 1-1 0 0,-1 0 1 0 0,1 0 0 0 0,0 0-1 0 0,-1 0-19 0 0,1 102 2780 0 0,14 31-1162 0 0,1-2-410 0 0,-2 13-448 0 0,-3-7 424 0 0,8 89-239 0 0,-6-12-922 0 0,2-23 1275 0 0,-9-176-1113 0 0,-1-21 219 0 0,-1-101-132 0 0,-15-91-280 0 0,-6-44 458 0 0,16 174-421 0 0,3 0 0 0 0,3 1-1 0 0,7-29-28 0 0,1 2-21 0 0,15-26-494 0 0,-18 93 515 0 0,0 22 0 0 0,-1 6 0 0 0,-4 2 0 0 0,0 0 0 0 0,0 1 0 0 0,0 0 0 0 0,-1 0 0 0 0,1 0 0 0 0,-1 0 0 0 0,0 0 0 0 0,-1 1 0 0 0,1 0 0 0 0,-1-1 0 0 0,0 1 0 0 0,0 0 0 0 0,0 0 0 0 0,-1 0 0 0 0,0 0 0 0 0,0 0 0 0 0,1 3 0 0 0,0 2 0 0 0,7 21 32 0 0,18 103 472 0 0,2 99-493 0 0,-20-90 42 0 0,-4-5-42 0 0,8-6 42 0 0,-6-101-42 0 0,-2-42 56 0 0,-4-53 63 0 0,3-317-66 0 0,-5 262-237 0 0,3-42-186 0 0,18 53 1694 0 0,-10 64-2098 0 0,-2 38 705 0 0,0 16 15 0 0,1 16 30 0 0,0 0 0 0 0,-2 0 1 0 0,-1 1-1 0 0,-1 0 0 0 0,0 9 13 0 0,3 14-11 0 0,10 94 11 0 0,-13 117 0 0 0,-1 4 0 0 0,-4-249 0 0 0,6-5 0 0 0,-4-14 0 0 0,7-79 64 0 0,-5-184 0 0 0,10 16-64 0 0,1 112 0 0 0,5 0 0 0 0,14-32 0 0 0,-33 167-53 0 0,0 0-1 0 0,-1-1 0 0 0,1 1 0 0 0,0 0 0 0 0,1 0 0 0 0,-1 0 0 0 0,0 0 0 0 0,1 0 0 0 0,0 0 0 0 0,0 1 0 0 0,0-1 0 0 0,0 0 1 0 0,0 1-1 0 0,0 0 0 0 0,1-1 0 0 0,-1 1 54 0 0,12 6-42 0 0,-10 3 56 0 0,0-1 0 0 0,-1 1 0 0 0,1-1 0 0 0,-1 1 0 0 0,-1 0 0 0 0,0 0-1 0 0,0 0 1 0 0,0 1 0 0 0,-1-1 0 0 0,0 0 0 0 0,0 5-14 0 0,1-2 62 0 0,19 172 794 0 0,-12-24-751 0 0,0 268 151 0 0,9-249-192 0 0,-11-121-53 0 0,4-66 117 0 0,-6-14-103 0 0,0 0 0 0 0,-1 0-1 0 0,-1 0 1 0 0,-2-1 0 0 0,0 1-1 0 0,-1-1 1 0 0,-2-1-25 0 0,1-27 20 0 0,2-104 184 0 0,12-73-204 0 0,0 79 0 0 0,18-44 0 0 0,-14 130 0 0 0,-13 53 0 0 0,1 5 0 0 0,1 10 0 0 0,18 72 0 0 0,-13-8 0 0 0,-3 1 0 0 0,-2 0 0 0 0,-4 8 0 0 0,2 14 0 0 0,10 195 0 0 0,3-56 0 0 0,9-98-10 0 0,-21-161-44 0 0,-1-231 54 0 0,5 28 0 0 0,4 81 0 0 0,0-7-72 0 0,9-37 72 0 0,-8 130 0 0 0,0 110 0 0 0,3 113 64 0 0,-17-132-56 0 0,16 103-81 0 0,7 85 58 0 0,-10-59 15 0 0,10 39 0 0 0,-15-141 0 0 0,-14-64 64 0 0,-11-217-64 0 0,17-270 0 0 0,10 375 0 0 0,-1 34-53 0 0,-5 81 96 0 0,4 14-34 0 0,-7-4-8 0 0,7 25-22 0 0,-1 1-1 0 0,0-1 0 0 0,-3 1 1 0 0,0 1-1 0 0,-1 9 22 0 0,2 5 12 0 0,7 54-8 0 0,24 271 46 0 0,-8-15-40 0 0,-11-239-10 0 0,-15-103-12 0 0,3 8 58 0 0,-3-27-16 0 0,-11-108 34 0 0,-5-69-64 0 0,-3-94 64 0 0,0-119-64 0 0,20 193 0 0 0,7 163-64 0 0,-2 55 0 0 0,-3-3 26 0 0,0 0 0 0 0,-2 0-1 0 0,1 1 1 0 0,-1-1-1 0 0,0 1 1 0 0,-1 0 0 0 0,0 0-1 0 0,0 7 39 0 0,5 18 9 0 0,19 133 281 0 0,19 155-602 0 0,-29-163 312 0 0,2 7 0 0 0,-6-77 0 0 0,-18-109 0 0 0,-9-33 0 0 0,-28-180 0 0 0,11 68 0 0 0,16 70 0 0 0,16 83 0 0 0,-5 66-64 0 0,-18 255-84 0 0,21-280 138 0 0,-2 0 0 0 0,-1 0 0 0 0,-2 0 0 0 0,0 0 0 0 0,-2-1 0 0 0,-4 6 10 0 0,10-28 0 0 0,0-1 0 0 0,0 0 0 0 0,0 0 0 0 0,-1 0 0 0 0,0-1 0 0 0,0 1 0 0 0,-1-1 0 0 0,1 0 0 0 0,-1 0 0 0 0,0 0 0 0 0,0-1 0 0 0,-1 0 0 0 0,0 0 0 0 0,1 0 0 0 0,-5 1 0 0 0,-50 15 147 0 0,54-19-127 0 0,-1 0-1 0 0,1-1 1 0 0,0 0-1 0 0,0 0 1 0 0,-1-1-1 0 0,1 1 1 0 0,0-1 0 0 0,0-1-1 0 0,0 1 1 0 0,0-1-1 0 0,0 0 1 0 0,0 0-1 0 0,1-1 1 0 0,-1 0-1 0 0,1 0 1 0 0,-1 0 0 0 0,1 0-1 0 0,0-1 1 0 0,1 0-1 0 0,-1 0 1 0 0,-3-4-20 0 0,-40-57 10 0 0,19 15-22 0 0,11 53-192 0 0,-6 31 16 0 0,-40 14 128 0 0,22-18 72 0 0,3-11 44 0 0,-1-2-1 0 0,-1-2 0 0 0,-1-2 1 0 0,-40 8-56 0 0,-10 10 53 0 0,47-14-292 0 0,16-2 167 0 0,28-14 0 0 0,7-6-80 0 0,61-20 15 0 0,0 2-1 0 0,1 4 0 0 0,37-5 138 0 0,-102 23-3 0 0,23-4-1 0 0,2 1-1 0 0,-1 2 0 0 0,0 0 1 0 0,0 2-1 0 0,1 1 0 0 0,6 2 5 0 0,15 1-580 0 0,4 4 1455 0 0,-59 3-758 0 0,0-3-85 0 0,0-1 0 0 0,-1 0 0 0 0,1-1 0 0 0,-2 0 0 0 0,1 0 0 0 0,-1 0 0 0 0,0-1 0 0 0,0 0 0 0 0,0-1 0 0 0,-1 1 0 0 0,1-2 0 0 0,-1 1 0 0 0,0-1 0 0 0,0-1 0 0 0,-1 0 0 0 0,1 0 0 0 0,0 0 0 0 0,-1-1 0 0 0,1-1 0 0 0,-8 0-32 0 0,13 1 24 0 0,-159 4 40 0 0,19 10-117 0 0,44-14-18 0 0,92 3 46 0 0,6-4-39 0 0,2 0-3 0 0,0 0 3 0 0,3 0 11 0 0,27-29-47 0 0,-18 11 29 0 0,24-14 71 0 0,14-32 0 0 0,-40 50 1 0 0,-1 0 0 0 0,-1-1-1 0 0,0 0 1 0 0,-1 0 0 0 0,0 0-1 0 0,-1-1 1 0 0,-1 0-1 0 0,-1 0 1 0 0,0-1 0 0 0,-1 1-1 0 0,-1-1 1 0 0,0 0 0 0 0,-1 0-1 0 0,-1 1 1 0 0,-1-1-1 0 0,0 0 1 0 0,-2-3-1 0 0,-2-8 26 0 0,-1-1 0 0 0,-1 1 0 0 0,-2 1 0 0 0,-1 0 0 0 0,0 0 0 0 0,-3 1-1 0 0,-1-3-25 0 0,-16-20 12 0 0,-14-40 40 0 0,21 11-52 0 0,15 44-10 0 0,3 10-54 0 0,5 23 10 0 0,0 1-18 0 0,0 0-33 0 0,0 0-14 0 0,-1 2-1 0 0,-19 29-288 0 0,-2 1 16 0 0,4-19 104 0 0,-12 3 518 0 0,29-15-320 0 0,-17 1-14 0 0,17-2 114 0 0,0 1-1 0 0,0-1 0 0 0,0 0 0 0 0,-1 0 0 0 0,1-1 1 0 0,0 1-1 0 0,0 0 0 0 0,0 0 0 0 0,0 0 0 0 0,0-1 1 0 0,-1 1-1 0 0,1 0 0 0 0,0-1 0 0 0,0 1 0 0 0,0-1 1 0 0,0 0-1 0 0,0 1 0 0 0,0-1 0 0 0,0 0 0 0 0,1 1 1 0 0,-1-1-1 0 0,0 0 0 0 0,0 0 0 0 0,0 0 0 0 0,1 0 1 0 0,-1 0-1 0 0,0 0 0 0 0,1 0 0 0 0,-1 0 0 0 0,1-1-9 0 0,-10-8-73 0 0,8 4 72 0 0,0 0 0 0 0,0 1-1 0 0,1-1 1 0 0,-1 0 0 0 0,1 0 0 0 0,1 0 0 0 0,-1 0-1 0 0,1 0 1 0 0,0 0 0 0 0,1 0 0 0 0,-1 0-1 0 0,1 0 2 0 0,12-64 0 0 0,1 23 0 0 0,-10 37 0 0 0,1 0 0 0 0,0 1 0 0 0,1 0 0 0 0,0 0 0 0 0,0 0 0 0 0,1 1 0 0 0,0-1 0 0 0,0 2 0 0 0,1-1 0 0 0,0 1 0 0 0,0 0 0 0 0,7-3 0 0 0,60-29 0 0 0,-64 39 12 0 0,-8-1 36 0 0,0-2-20 0 0,-2 2 52 0 0,-1 1 20 0 0,0 0 11 0 0,0 0-19 0 0,-28 5 197 0 0,-33 7-86 0 0,0 6-78 0 0,53-17-139 0 0,34 7-136 0 0,62-13 468 0 0,7-22-688 0 0,-57 20 381 0 0,-45 21 114 0 0,-43 28-3 0 0,12-17-100 0 0,-62 41 106 0 0,81-50-128 0 0,14-12 0 0 0,0-1 0 0 0,1 1 0 0 0,-1-1 0 0 0,1 2 0 0 0,0-1 0 0 0,0 0 0 0 0,1 1 0 0 0,-1-1 0 0 0,1 1 0 0 0,0 0 0 0 0,0 0 0 0 0,-1 4 0 0 0,-1 9-20 0 0,0 0 0 0 0,1 1 0 0 0,1 0 0 0 0,1 0 0 0 0,0 0 0 0 0,2 0-1 0 0,0 1 1 0 0,1-1 0 0 0,1 1 20 0 0,3 70-11 0 0,6-28 11 0 0,17 172-266 0 0,-14-133 199 0 0,3-11-64 0 0,-35-200 131 0 0,-13-82-786 0 0,25 134 956 0 0,1-1 1 0 0,4 0 0 0 0,3-41-171 0 0,21 28-558 0 0,-21 73 599 0 0,0 0 0 0 0,0 0 0 0 0,0 0 0 0 0,0 0 0 0 0,0 0 0 0 0,-1 0-1 0 0,1 1 1 0 0,0-1 0 0 0,-1 1 0 0 0,1 0 0 0 0,-1-1 0 0 0,0 1-1 0 0,1 0 1 0 0,-1 0 0 0 0,0 0 0 0 0,0 0 0 0 0,0 0 0 0 0,0 0-1 0 0,0 1-40 0 0,3 18 0 0 0,0 0 0 0 0,-1 1 0 0 0,-2-1 0 0 0,0 1 0 0 0,-1 0 0 0 0,-1-1 0 0 0,-2 2 0 0 0,0 48 0 0 0,-7 95 0 0 0,-15 37 0 0 0,2-120-734 0 0,16-65 998 0 0,6-16-64 0 0,1-2-50 0 0,0 0-232 0 0,0 0-101 0 0,0 0-17 0 0,0-2 28 0 0,-4-60 276 0 0,12-55 164 0 0,-5-88-468 0 0,-2 196 28 0 0,-1 9 172 0 0,0 0-1 0 0,0 0 0 0 0,0 1 1 0 0,0-1-1 0 0,0 0 1 0 0,0 0-1 0 0,1 0 0 0 0,-1 1 1 0 0,0-1-1 0 0,0 0 1 0 0,0 0-1 0 0,0 0 0 0 0,0 0 1 0 0,0 1-1 0 0,1-1 1 0 0,-1 0-1 0 0,0 0 0 0 0,0 0 1 0 0,0 0-1 0 0,0 0 1 0 0,1 1-1 0 0,-1-1 0 0 0,0 0 1 0 0,0 0-1 0 0,0 0 1 0 0,1 0-1 0 0,-1 0 0 0 0,0 0 1 0 0,0 0-1 0 0,0 0 1 0 0,1 0-1 0 0,-1 0 0 0 0,0 0 1 0 0,0 0-1 0 0,1 0 1 0 0,-1 0-1 0 0,0 0 0 0 0,0 0 1 0 0,0 0-1 0 0,1 0 1 0 0,-1 0-1 0 0,0 0 1 0 0,0 0-1 0 0,0 0 0 0 0,1-1 1 0 0,-1 1-1 0 0,0 0 1 0 0,0 0-1 0 0,0 0 0 0 0,1 0 1 0 0,-1 0-1 0 0,0-1 1 0 0,0 1-1 0 0,0 0 0 0 0,0 0 1 0 0,0 0 0 0 0,0 0-2 0 0,21 61 308 0 0,-6 41 95 0 0,-6 84-348 0 0,-14-148-53 0 0,5-30 11 0 0,0-7 42 0 0,0-1 11 0 0,-1-1-10 0 0,-38-46 20 0 0,33 39-74 0 0,1-1 0 0 0,0-1 0 0 0,0 1 0 0 0,0-1 0 0 0,1 0 0 0 0,1 0 0 0 0,-1 0 0 0 0,2 0 0 0 0,-1-2 0 0 0,-7-22 0 0 0,-30-133 0 0 0,27 78 0 0 0,-9-56 0 0 0,22-26 0 0 0,-3 27 0 0 0,-11 60 0 0 0,13 20 0 0 0,-2 55 0 0 0,3 3-12 0 0,0 5-48 0 0,3 15-12 0 0,14 52-96 0 0,-2 1 0 0 0,-4 1 0 0 0,-2 0 0 0 0,-2 26 168 0 0,0 12 322 0 0,-12 45-844 0 0,2-88 869 0 0,-1-45 72 0 0,-1-24-318 0 0,-3-18-123 0 0,1 0 0 0 0,1-1 1 0 0,1 1-1 0 0,1-1 0 0 0,1-14 22 0 0,-8-42 122 0 0,-6-28-58 0 0,-15-96-64 0 0,19 105 0 0 0,1 27 0 0 0,20 96-66 0 0,49 308-32 0 0,-35-191-322 0 0,-4 126 784 0 0,-6 50-957 0 0,-12-234 809 0 0,-7-103 229 0 0,-7-64-445 0 0,1-36 11 0 0,-4-101 42 0 0,4 63-53 0 0,-4 22-617 0 0,-10-65 1258 0 0,13 81-641 0 0,13 106-10 0 0,10 29-44 0 0,40 153-10 0 0,-14 45 64 0 0,-26-115 0 0 0,-5 82-353 0 0,5 122 650 0 0,5-145-849 0 0,-7-121-1286 0 0,-7-35-3835 0 0</inkml:trace>
 </inkml:ink>
 </file>
 
@@ -6844,7 +6971,7 @@
           <a:p>
             <a:fld id="{DAFB6492-AE19-4ECC-B056-175015C4AEB8}" type="datetimeFigureOut">
               <a:rPr lang="en-AU" smtClean="0"/>
-              <a:t>11/04/2019</a:t>
+              <a:t>18/04/2019</a:t>
             </a:fld>
             <a:endParaRPr lang="en-AU"/>
           </a:p>
@@ -7082,7 +7209,7 @@
           <a:p>
             <a:fld id="{DAFB6492-AE19-4ECC-B056-175015C4AEB8}" type="datetimeFigureOut">
               <a:rPr lang="en-AU" smtClean="0"/>
-              <a:t>11/04/2019</a:t>
+              <a:t>18/04/2019</a:t>
             </a:fld>
             <a:endParaRPr lang="en-AU"/>
           </a:p>
@@ -7262,7 +7389,7 @@
           <a:p>
             <a:fld id="{DAFB6492-AE19-4ECC-B056-175015C4AEB8}" type="datetimeFigureOut">
               <a:rPr lang="en-AU" smtClean="0"/>
-              <a:t>11/04/2019</a:t>
+              <a:t>18/04/2019</a:t>
             </a:fld>
             <a:endParaRPr lang="en-AU"/>
           </a:p>
@@ -7432,7 +7559,7 @@
           <a:p>
             <a:fld id="{DAFB6492-AE19-4ECC-B056-175015C4AEB8}" type="datetimeFigureOut">
               <a:rPr lang="en-AU" smtClean="0"/>
-              <a:t>11/04/2019</a:t>
+              <a:t>18/04/2019</a:t>
             </a:fld>
             <a:endParaRPr lang="en-AU"/>
           </a:p>
@@ -7705,7 +7832,7 @@
           <a:p>
             <a:fld id="{DAFB6492-AE19-4ECC-B056-175015C4AEB8}" type="datetimeFigureOut">
               <a:rPr lang="en-AU" smtClean="0"/>
-              <a:t>11/04/2019</a:t>
+              <a:t>18/04/2019</a:t>
             </a:fld>
             <a:endParaRPr lang="en-AU"/>
           </a:p>
@@ -8906,7 +9033,7 @@
           <a:p>
             <a:fld id="{DAFB6492-AE19-4ECC-B056-175015C4AEB8}" type="datetimeFigureOut">
               <a:rPr lang="en-AU" smtClean="0"/>
-              <a:t>11/04/2019</a:t>
+              <a:t>18/04/2019</a:t>
             </a:fld>
             <a:endParaRPr lang="en-AU"/>
           </a:p>
@@ -9296,7 +9423,7 @@
           <a:p>
             <a:fld id="{DAFB6492-AE19-4ECC-B056-175015C4AEB8}" type="datetimeFigureOut">
               <a:rPr lang="en-AU" smtClean="0"/>
-              <a:t>11/04/2019</a:t>
+              <a:t>18/04/2019</a:t>
             </a:fld>
             <a:endParaRPr lang="en-AU"/>
           </a:p>
@@ -9419,7 +9546,7 @@
           <a:p>
             <a:fld id="{DAFB6492-AE19-4ECC-B056-175015C4AEB8}" type="datetimeFigureOut">
               <a:rPr lang="en-AU" smtClean="0"/>
-              <a:t>11/04/2019</a:t>
+              <a:t>18/04/2019</a:t>
             </a:fld>
             <a:endParaRPr lang="en-AU"/>
           </a:p>
@@ -9514,7 +9641,7 @@
           <a:p>
             <a:fld id="{DAFB6492-AE19-4ECC-B056-175015C4AEB8}" type="datetimeFigureOut">
               <a:rPr lang="en-AU" smtClean="0"/>
-              <a:t>11/04/2019</a:t>
+              <a:t>18/04/2019</a:t>
             </a:fld>
             <a:endParaRPr lang="en-AU"/>
           </a:p>
@@ -10277,7 +10404,7 @@
           <a:p>
             <a:fld id="{DAFB6492-AE19-4ECC-B056-175015C4AEB8}" type="datetimeFigureOut">
               <a:rPr lang="en-AU" smtClean="0"/>
-              <a:t>11/04/2019</a:t>
+              <a:t>18/04/2019</a:t>
             </a:fld>
             <a:endParaRPr lang="en-AU"/>
           </a:p>
@@ -11117,7 +11244,7 @@
           <a:p>
             <a:fld id="{DAFB6492-AE19-4ECC-B056-175015C4AEB8}" type="datetimeFigureOut">
               <a:rPr lang="en-AU" smtClean="0"/>
-              <a:t>11/04/2019</a:t>
+              <a:t>18/04/2019</a:t>
             </a:fld>
             <a:endParaRPr lang="en-AU"/>
           </a:p>
@@ -11344,7 +11471,7 @@
           <a:p>
             <a:fld id="{DAFB6492-AE19-4ECC-B056-175015C4AEB8}" type="datetimeFigureOut">
               <a:rPr lang="en-AU" smtClean="0"/>
-              <a:t>11/04/2019</a:t>
+              <a:t>18/04/2019</a:t>
             </a:fld>
             <a:endParaRPr lang="en-AU"/>
           </a:p>
@@ -12348,7 +12475,7 @@
           <p:cNvPr id="2" name="Title 1">
             <a:extLst>
               <a:ext uri="{FF2B5EF4-FFF2-40B4-BE49-F238E27FC236}">
-                <a16:creationId xmlns:a16="http://schemas.microsoft.com/office/drawing/2014/main" id="{EB56B653-4D34-49D2-AC89-A1901534CD85}"/>
+                <a16:creationId xmlns:a16="http://schemas.microsoft.com/office/drawing/2014/main" xmlns="" id="{EB56B653-4D34-49D2-AC89-A1901534CD85}"/>
               </a:ext>
             </a:extLst>
           </p:cNvPr>
@@ -12376,7 +12503,7 @@
           <p:cNvPr id="3" name="Subtitle 2">
             <a:extLst>
               <a:ext uri="{FF2B5EF4-FFF2-40B4-BE49-F238E27FC236}">
-                <a16:creationId xmlns:a16="http://schemas.microsoft.com/office/drawing/2014/main" id="{6B521171-D014-4D95-AE2B-C0C011FE31DB}"/>
+                <a16:creationId xmlns:a16="http://schemas.microsoft.com/office/drawing/2014/main" xmlns="" id="{6B521171-D014-4D95-AE2B-C0C011FE31DB}"/>
               </a:ext>
             </a:extLst>
           </p:cNvPr>
@@ -12434,7 +12561,7 @@
           <p:cNvPr id="2" name="Title 1">
             <a:extLst>
               <a:ext uri="{FF2B5EF4-FFF2-40B4-BE49-F238E27FC236}">
-                <a16:creationId xmlns:a16="http://schemas.microsoft.com/office/drawing/2014/main" id="{F9844918-1C9E-4413-BCBB-EC5A7B265404}"/>
+                <a16:creationId xmlns:a16="http://schemas.microsoft.com/office/drawing/2014/main" xmlns="" id="{F9844918-1C9E-4413-BCBB-EC5A7B265404}"/>
               </a:ext>
             </a:extLst>
           </p:cNvPr>
@@ -12468,7 +12595,7 @@
           <p:cNvPr id="5" name="Content Placeholder 4">
             <a:extLst>
               <a:ext uri="{FF2B5EF4-FFF2-40B4-BE49-F238E27FC236}">
-                <a16:creationId xmlns:a16="http://schemas.microsoft.com/office/drawing/2014/main" id="{CA03A4AB-EBFD-4977-BB12-0968D2FAA2D7}"/>
+                <a16:creationId xmlns:a16="http://schemas.microsoft.com/office/drawing/2014/main" xmlns="" id="{CA03A4AB-EBFD-4977-BB12-0968D2FAA2D7}"/>
               </a:ext>
             </a:extLst>
           </p:cNvPr>
@@ -12548,10 +12675,10 @@
           <p:cNvPr id="21" name="Rectangle 13">
             <a:extLst>
               <a:ext uri="{FF2B5EF4-FFF2-40B4-BE49-F238E27FC236}">
-                <a16:creationId xmlns:a16="http://schemas.microsoft.com/office/drawing/2014/main" id="{7C615D28-8D37-47CB-9D5B-9ACFDA308974}"/>
+                <a16:creationId xmlns:a16="http://schemas.microsoft.com/office/drawing/2014/main" xmlns="" id="{7C615D28-8D37-47CB-9D5B-9ACFDA308974}"/>
               </a:ext>
               <a:ext uri="{C183D7F6-B498-43B3-948B-1728B52AA6E4}">
-                <adec:decorative xmlns:adec="http://schemas.microsoft.com/office/drawing/2017/decorative" val="1"/>
+                <adec:decorative xmlns:adec="http://schemas.microsoft.com/office/drawing/2017/decorative" xmlns="" val="1"/>
               </a:ext>
             </a:extLst>
           </p:cNvPr>
@@ -12561,7 +12688,7 @@
           <p:nvPr>
             <p:extLst>
               <p:ext uri="{386F3935-93C4-4BCD-93E2-E3B085C9AB24}">
-                <p16:designElem xmlns:p16="http://schemas.microsoft.com/office/powerpoint/2015/main" val="1"/>
+                <p16:designElem xmlns:p16="http://schemas.microsoft.com/office/powerpoint/2015/main" xmlns="" val="1"/>
               </p:ext>
             </p:extLst>
           </p:nvPr>
@@ -12608,7 +12735,7 @@
           <p:cNvPr id="2" name="Title 1">
             <a:extLst>
               <a:ext uri="{FF2B5EF4-FFF2-40B4-BE49-F238E27FC236}">
-                <a16:creationId xmlns:a16="http://schemas.microsoft.com/office/drawing/2014/main" id="{1D4755AF-7218-4141-B922-E4D39C8947A7}"/>
+                <a16:creationId xmlns:a16="http://schemas.microsoft.com/office/drawing/2014/main" xmlns="" id="{1D4755AF-7218-4141-B922-E4D39C8947A7}"/>
               </a:ext>
             </a:extLst>
           </p:cNvPr>
@@ -12644,7 +12771,7 @@
           <p:cNvPr id="22" name="Content Placeholder 10">
             <a:extLst>
               <a:ext uri="{FF2B5EF4-FFF2-40B4-BE49-F238E27FC236}">
-                <a16:creationId xmlns:a16="http://schemas.microsoft.com/office/drawing/2014/main" id="{87D011FA-D07B-413C-9DF5-0BCE17912FD5}"/>
+                <a16:creationId xmlns:a16="http://schemas.microsoft.com/office/drawing/2014/main" xmlns="" id="{87D011FA-D07B-413C-9DF5-0BCE17912FD5}"/>
               </a:ext>
             </a:extLst>
           </p:cNvPr>
@@ -12663,7 +12790,7 @@
         </p:spPr>
         <p:txBody>
           <a:bodyPr anchor="t">
-            <a:normAutofit/>
+            <a:normAutofit lnSpcReduction="10000"/>
           </a:bodyPr>
           <a:lstStyle/>
           <a:p>
@@ -12740,10 +12867,10 @@
           <p:cNvPr id="23" name="Freeform: Shape 15">
             <a:extLst>
               <a:ext uri="{FF2B5EF4-FFF2-40B4-BE49-F238E27FC236}">
-                <a16:creationId xmlns:a16="http://schemas.microsoft.com/office/drawing/2014/main" id="{009A1112-239E-4149-B803-9EC081E375D6}"/>
+                <a16:creationId xmlns:a16="http://schemas.microsoft.com/office/drawing/2014/main" xmlns="" id="{009A1112-239E-4149-B803-9EC081E375D6}"/>
               </a:ext>
               <a:ext uri="{C183D7F6-B498-43B3-948B-1728B52AA6E4}">
-                <adec:decorative xmlns:adec="http://schemas.microsoft.com/office/drawing/2017/decorative" val="1"/>
+                <adec:decorative xmlns:adec="http://schemas.microsoft.com/office/drawing/2017/decorative" xmlns="" val="1"/>
               </a:ext>
             </a:extLst>
           </p:cNvPr>
@@ -12753,7 +12880,7 @@
           <p:nvPr>
             <p:extLst>
               <p:ext uri="{386F3935-93C4-4BCD-93E2-E3B085C9AB24}">
-                <p16:designElem xmlns:p16="http://schemas.microsoft.com/office/powerpoint/2015/main" val="1"/>
+                <p16:designElem xmlns:p16="http://schemas.microsoft.com/office/powerpoint/2015/main" xmlns="" val="1"/>
               </p:ext>
             </p:extLst>
           </p:nvPr>
@@ -15511,7 +15638,7 @@
           <p:cNvPr id="5" name="Picture 4">
             <a:extLst>
               <a:ext uri="{FF2B5EF4-FFF2-40B4-BE49-F238E27FC236}">
-                <a16:creationId xmlns:a16="http://schemas.microsoft.com/office/drawing/2014/main" id="{45CB670C-AEFF-484F-80CD-B2254B8FB023}"/>
+                <a16:creationId xmlns:a16="http://schemas.microsoft.com/office/drawing/2014/main" xmlns="" id="{45CB670C-AEFF-484F-80CD-B2254B8FB023}"/>
               </a:ext>
             </a:extLst>
           </p:cNvPr>
@@ -18239,10 +18366,10 @@
           <p:cNvPr id="24" name="Freeform: Shape 17">
             <a:extLst>
               <a:ext uri="{FF2B5EF4-FFF2-40B4-BE49-F238E27FC236}">
-                <a16:creationId xmlns:a16="http://schemas.microsoft.com/office/drawing/2014/main" id="{0CE326BE-F0B1-46A2-AD11-ECDEEFB38CD7}"/>
+                <a16:creationId xmlns:a16="http://schemas.microsoft.com/office/drawing/2014/main" xmlns="" id="{0CE326BE-F0B1-46A2-AD11-ECDEEFB38CD7}"/>
               </a:ext>
               <a:ext uri="{C183D7F6-B498-43B3-948B-1728B52AA6E4}">
-                <adec:decorative xmlns:adec="http://schemas.microsoft.com/office/drawing/2017/decorative" val="1"/>
+                <adec:decorative xmlns:adec="http://schemas.microsoft.com/office/drawing/2017/decorative" xmlns="" val="1"/>
               </a:ext>
             </a:extLst>
           </p:cNvPr>
@@ -18252,7 +18379,7 @@
           <p:nvPr>
             <p:extLst>
               <p:ext uri="{386F3935-93C4-4BCD-93E2-E3B085C9AB24}">
-                <p16:designElem xmlns:p16="http://schemas.microsoft.com/office/powerpoint/2015/main" val="1"/>
+                <p16:designElem xmlns:p16="http://schemas.microsoft.com/office/powerpoint/2015/main" xmlns="" val="1"/>
               </p:ext>
             </p:extLst>
           </p:nvPr>
@@ -19474,7 +19601,7 @@
           <p:cNvPr id="25" name="Content Placeholder 3">
             <a:extLst>
               <a:ext uri="{FF2B5EF4-FFF2-40B4-BE49-F238E27FC236}">
-                <a16:creationId xmlns:a16="http://schemas.microsoft.com/office/drawing/2014/main" id="{6326B95C-C758-4B98-960C-C7CC1C023177}"/>
+                <a16:creationId xmlns:a16="http://schemas.microsoft.com/office/drawing/2014/main" xmlns="" id="{6326B95C-C758-4B98-960C-C7CC1C023177}"/>
               </a:ext>
             </a:extLst>
           </p:cNvPr>
@@ -20682,10 +20809,10 @@
           <p:cNvPr id="20" name="Freeform: Shape 19">
             <a:extLst>
               <a:ext uri="{FF2B5EF4-FFF2-40B4-BE49-F238E27FC236}">
-                <a16:creationId xmlns:a16="http://schemas.microsoft.com/office/drawing/2014/main" id="{6F4E094D-2FC9-46CE-8205-CFF6D52B1327}"/>
+                <a16:creationId xmlns:a16="http://schemas.microsoft.com/office/drawing/2014/main" xmlns="" id="{6F4E094D-2FC9-46CE-8205-CFF6D52B1327}"/>
               </a:ext>
               <a:ext uri="{C183D7F6-B498-43B3-948B-1728B52AA6E4}">
-                <adec:decorative xmlns:adec="http://schemas.microsoft.com/office/drawing/2017/decorative" val="1"/>
+                <adec:decorative xmlns:adec="http://schemas.microsoft.com/office/drawing/2017/decorative" xmlns="" val="1"/>
               </a:ext>
             </a:extLst>
           </p:cNvPr>
@@ -20695,7 +20822,7 @@
           <p:nvPr>
             <p:extLst>
               <p:ext uri="{386F3935-93C4-4BCD-93E2-E3B085C9AB24}">
-                <p16:designElem xmlns:p16="http://schemas.microsoft.com/office/powerpoint/2015/main" val="1"/>
+                <p16:designElem xmlns:p16="http://schemas.microsoft.com/office/powerpoint/2015/main" xmlns="" val="1"/>
               </p:ext>
             </p:extLst>
           </p:nvPr>
@@ -22013,7 +22140,7 @@
           <p:cNvPr id="6" name="Picture 5">
             <a:extLst>
               <a:ext uri="{FF2B5EF4-FFF2-40B4-BE49-F238E27FC236}">
-                <a16:creationId xmlns:a16="http://schemas.microsoft.com/office/drawing/2014/main" id="{5298C546-E87A-41AA-9971-504AAFB4B21F}"/>
+                <a16:creationId xmlns:a16="http://schemas.microsoft.com/office/drawing/2014/main" xmlns="" id="{5298C546-E87A-41AA-9971-504AAFB4B21F}"/>
               </a:ext>
             </a:extLst>
           </p:cNvPr>
@@ -23387,7 +23514,7 @@
           <p:cNvPr id="2" name="Title 1">
             <a:extLst>
               <a:ext uri="{FF2B5EF4-FFF2-40B4-BE49-F238E27FC236}">
-                <a16:creationId xmlns:a16="http://schemas.microsoft.com/office/drawing/2014/main" id="{275D2010-71DD-4F54-880D-6D8DAE966A3F}"/>
+                <a16:creationId xmlns:a16="http://schemas.microsoft.com/office/drawing/2014/main" xmlns="" id="{275D2010-71DD-4F54-880D-6D8DAE966A3F}"/>
               </a:ext>
             </a:extLst>
           </p:cNvPr>
@@ -23422,7 +23549,7 @@
           <p:cNvPr id="8" name="Content Placeholder 2">
             <a:extLst>
               <a:ext uri="{FF2B5EF4-FFF2-40B4-BE49-F238E27FC236}">
-                <a16:creationId xmlns:a16="http://schemas.microsoft.com/office/drawing/2014/main" id="{21E17732-F7AD-453B-9C26-F6FF9A3FB2B7}"/>
+                <a16:creationId xmlns:a16="http://schemas.microsoft.com/office/drawing/2014/main" xmlns="" id="{21E17732-F7AD-453B-9C26-F6FF9A3FB2B7}"/>
               </a:ext>
             </a:extLst>
           </p:cNvPr>
@@ -23433,7 +23560,7 @@
             <p:ph idx="1"/>
             <p:extLst>
               <p:ext uri="{D42A27DB-BD31-4B8C-83A1-F6EECF244321}">
-                <p14:modId xmlns:p14="http://schemas.microsoft.com/office/powerpoint/2010/main" val="1733862731"/>
+                <p14:modId xmlns:p14="http://schemas.microsoft.com/office/powerpoint/2010/main" val="1455943595"/>
               </p:ext>
             </p:extLst>
           </p:nvPr>
@@ -23485,7 +23612,7 @@
               <p14:cNvPr id="42" name="Ink 41">
                 <a:extLst>
                   <a:ext uri="{FF2B5EF4-FFF2-40B4-BE49-F238E27FC236}">
-                    <a16:creationId xmlns:a16="http://schemas.microsoft.com/office/drawing/2014/main" id="{699B9C61-0B8C-431C-9CD0-6A4C565B2B5D}"/>
+                    <a16:creationId xmlns:a16="http://schemas.microsoft.com/office/drawing/2014/main" xmlns="" id="{699B9C61-0B8C-431C-9CD0-6A4C565B2B5D}"/>
                   </a:ext>
                 </a:extLst>
               </p14:cNvPr>
@@ -23536,7 +23663,7 @@
               <p14:cNvPr id="63" name="Ink 62">
                 <a:extLst>
                   <a:ext uri="{FF2B5EF4-FFF2-40B4-BE49-F238E27FC236}">
-                    <a16:creationId xmlns:a16="http://schemas.microsoft.com/office/drawing/2014/main" id="{34038241-89A7-4A34-B5D7-EB4D9DB645D8}"/>
+                    <a16:creationId xmlns:a16="http://schemas.microsoft.com/office/drawing/2014/main" xmlns="" id="{34038241-89A7-4A34-B5D7-EB4D9DB645D8}"/>
                   </a:ext>
                 </a:extLst>
               </p14:cNvPr>
@@ -23587,7 +23714,7 @@
               <p14:cNvPr id="64" name="Ink 63">
                 <a:extLst>
                   <a:ext uri="{FF2B5EF4-FFF2-40B4-BE49-F238E27FC236}">
-                    <a16:creationId xmlns:a16="http://schemas.microsoft.com/office/drawing/2014/main" id="{4E3D5DF4-AFBC-4026-8530-D26C28DEB21A}"/>
+                    <a16:creationId xmlns:a16="http://schemas.microsoft.com/office/drawing/2014/main" xmlns="" id="{4E3D5DF4-AFBC-4026-8530-D26C28DEB21A}"/>
                   </a:ext>
                 </a:extLst>
               </p14:cNvPr>
@@ -23638,7 +23765,7 @@
               <p14:cNvPr id="65" name="Ink 64">
                 <a:extLst>
                   <a:ext uri="{FF2B5EF4-FFF2-40B4-BE49-F238E27FC236}">
-                    <a16:creationId xmlns:a16="http://schemas.microsoft.com/office/drawing/2014/main" id="{F47F4003-FFBF-47D7-9D9D-ABF8D173B596}"/>
+                    <a16:creationId xmlns:a16="http://schemas.microsoft.com/office/drawing/2014/main" xmlns="" id="{F47F4003-FFBF-47D7-9D9D-ABF8D173B596}"/>
                   </a:ext>
                 </a:extLst>
               </p14:cNvPr>
@@ -23689,7 +23816,7 @@
               <p14:cNvPr id="66" name="Ink 65">
                 <a:extLst>
                   <a:ext uri="{FF2B5EF4-FFF2-40B4-BE49-F238E27FC236}">
-                    <a16:creationId xmlns:a16="http://schemas.microsoft.com/office/drawing/2014/main" id="{44AB82DF-62E2-45BF-BE82-7B463E25744C}"/>
+                    <a16:creationId xmlns:a16="http://schemas.microsoft.com/office/drawing/2014/main" xmlns="" id="{44AB82DF-62E2-45BF-BE82-7B463E25744C}"/>
                   </a:ext>
                 </a:extLst>
               </p14:cNvPr>
@@ -23740,7 +23867,7 @@
               <p14:cNvPr id="67" name="Ink 66">
                 <a:extLst>
                   <a:ext uri="{FF2B5EF4-FFF2-40B4-BE49-F238E27FC236}">
-                    <a16:creationId xmlns:a16="http://schemas.microsoft.com/office/drawing/2014/main" id="{11F5C727-7CB5-4834-931F-6700FBE62451}"/>
+                    <a16:creationId xmlns:a16="http://schemas.microsoft.com/office/drawing/2014/main" xmlns="" id="{11F5C727-7CB5-4834-931F-6700FBE62451}"/>
                   </a:ext>
                 </a:extLst>
               </p14:cNvPr>
@@ -23791,7 +23918,7 @@
               <p14:cNvPr id="68" name="Ink 67">
                 <a:extLst>
                   <a:ext uri="{FF2B5EF4-FFF2-40B4-BE49-F238E27FC236}">
-                    <a16:creationId xmlns:a16="http://schemas.microsoft.com/office/drawing/2014/main" id="{6441CFA6-3E3F-4EBC-AA8C-51DF674A6F77}"/>
+                    <a16:creationId xmlns:a16="http://schemas.microsoft.com/office/drawing/2014/main" xmlns="" id="{6441CFA6-3E3F-4EBC-AA8C-51DF674A6F77}"/>
                   </a:ext>
                 </a:extLst>
               </p14:cNvPr>
@@ -23842,7 +23969,7 @@
               <p14:cNvPr id="69" name="Ink 68">
                 <a:extLst>
                   <a:ext uri="{FF2B5EF4-FFF2-40B4-BE49-F238E27FC236}">
-                    <a16:creationId xmlns:a16="http://schemas.microsoft.com/office/drawing/2014/main" id="{54B6F7D7-25C3-4049-A2CB-6C65DF0A4C92}"/>
+                    <a16:creationId xmlns:a16="http://schemas.microsoft.com/office/drawing/2014/main" xmlns="" id="{54B6F7D7-25C3-4049-A2CB-6C65DF0A4C92}"/>
                   </a:ext>
                 </a:extLst>
               </p14:cNvPr>
@@ -23893,7 +24020,7 @@
               <p14:cNvPr id="70" name="Ink 69">
                 <a:extLst>
                   <a:ext uri="{FF2B5EF4-FFF2-40B4-BE49-F238E27FC236}">
-                    <a16:creationId xmlns:a16="http://schemas.microsoft.com/office/drawing/2014/main" id="{DC2ECDE3-CD42-4DCF-87D3-A32AFC44ABF9}"/>
+                    <a16:creationId xmlns:a16="http://schemas.microsoft.com/office/drawing/2014/main" xmlns="" id="{DC2ECDE3-CD42-4DCF-87D3-A32AFC44ABF9}"/>
                   </a:ext>
                 </a:extLst>
               </p14:cNvPr>
@@ -23944,7 +24071,7 @@
               <p14:cNvPr id="71" name="Ink 70">
                 <a:extLst>
                   <a:ext uri="{FF2B5EF4-FFF2-40B4-BE49-F238E27FC236}">
-                    <a16:creationId xmlns:a16="http://schemas.microsoft.com/office/drawing/2014/main" id="{DE1FA1EB-6EAA-46E1-91D7-00DB82FA210E}"/>
+                    <a16:creationId xmlns:a16="http://schemas.microsoft.com/office/drawing/2014/main" xmlns="" id="{DE1FA1EB-6EAA-46E1-91D7-00DB82FA210E}"/>
                   </a:ext>
                 </a:extLst>
               </p14:cNvPr>
@@ -23995,7 +24122,7 @@
               <p14:cNvPr id="79" name="Ink 78">
                 <a:extLst>
                   <a:ext uri="{FF2B5EF4-FFF2-40B4-BE49-F238E27FC236}">
-                    <a16:creationId xmlns:a16="http://schemas.microsoft.com/office/drawing/2014/main" id="{C31A2423-F380-42D3-99CC-B96C438A9568}"/>
+                    <a16:creationId xmlns:a16="http://schemas.microsoft.com/office/drawing/2014/main" xmlns="" id="{C31A2423-F380-42D3-99CC-B96C438A9568}"/>
                   </a:ext>
                 </a:extLst>
               </p14:cNvPr>
@@ -24046,7 +24173,7 @@
               <p14:cNvPr id="86" name="Ink 85">
                 <a:extLst>
                   <a:ext uri="{FF2B5EF4-FFF2-40B4-BE49-F238E27FC236}">
-                    <a16:creationId xmlns:a16="http://schemas.microsoft.com/office/drawing/2014/main" id="{6EC98369-FD8C-4710-96D4-43D60E05B35B}"/>
+                    <a16:creationId xmlns:a16="http://schemas.microsoft.com/office/drawing/2014/main" xmlns="" id="{6EC98369-FD8C-4710-96D4-43D60E05B35B}"/>
                   </a:ext>
                 </a:extLst>
               </p14:cNvPr>
@@ -24097,7 +24224,7 @@
               <p14:cNvPr id="115" name="Ink 114">
                 <a:extLst>
                   <a:ext uri="{FF2B5EF4-FFF2-40B4-BE49-F238E27FC236}">
-                    <a16:creationId xmlns:a16="http://schemas.microsoft.com/office/drawing/2014/main" id="{06279315-85BB-4721-A36F-DA6514774E8D}"/>
+                    <a16:creationId xmlns:a16="http://schemas.microsoft.com/office/drawing/2014/main" xmlns="" id="{06279315-85BB-4721-A36F-DA6514774E8D}"/>
                   </a:ext>
                 </a:extLst>
               </p14:cNvPr>
@@ -24148,7 +24275,7 @@
               <p14:cNvPr id="144" name="Ink 143">
                 <a:extLst>
                   <a:ext uri="{FF2B5EF4-FFF2-40B4-BE49-F238E27FC236}">
-                    <a16:creationId xmlns:a16="http://schemas.microsoft.com/office/drawing/2014/main" id="{8B232458-200E-45C3-82E1-B4279CBD0E27}"/>
+                    <a16:creationId xmlns:a16="http://schemas.microsoft.com/office/drawing/2014/main" xmlns="" id="{8B232458-200E-45C3-82E1-B4279CBD0E27}"/>
                   </a:ext>
                 </a:extLst>
               </p14:cNvPr>
@@ -24199,7 +24326,7 @@
               <p14:cNvPr id="178" name="Ink 177">
                 <a:extLst>
                   <a:ext uri="{FF2B5EF4-FFF2-40B4-BE49-F238E27FC236}">
-                    <a16:creationId xmlns:a16="http://schemas.microsoft.com/office/drawing/2014/main" id="{FC795D91-EFF5-4F0F-B9B8-5163C9AEA584}"/>
+                    <a16:creationId xmlns:a16="http://schemas.microsoft.com/office/drawing/2014/main" xmlns="" id="{FC795D91-EFF5-4F0F-B9B8-5163C9AEA584}"/>
                   </a:ext>
                 </a:extLst>
               </p14:cNvPr>
@@ -24250,7 +24377,7 @@
               <p14:cNvPr id="185" name="Ink 184">
                 <a:extLst>
                   <a:ext uri="{FF2B5EF4-FFF2-40B4-BE49-F238E27FC236}">
-                    <a16:creationId xmlns:a16="http://schemas.microsoft.com/office/drawing/2014/main" id="{E2382DE8-56E1-400F-8A6F-64AE09B6F36D}"/>
+                    <a16:creationId xmlns:a16="http://schemas.microsoft.com/office/drawing/2014/main" xmlns="" id="{E2382DE8-56E1-400F-8A6F-64AE09B6F36D}"/>
                   </a:ext>
                 </a:extLst>
               </p14:cNvPr>
@@ -24301,7 +24428,7 @@
               <p14:cNvPr id="187" name="Ink 186">
                 <a:extLst>
                   <a:ext uri="{FF2B5EF4-FFF2-40B4-BE49-F238E27FC236}">
-                    <a16:creationId xmlns:a16="http://schemas.microsoft.com/office/drawing/2014/main" id="{00E746B9-DE9C-433C-A993-C41F166B0F57}"/>
+                    <a16:creationId xmlns:a16="http://schemas.microsoft.com/office/drawing/2014/main" xmlns="" id="{00E746B9-DE9C-433C-A993-C41F166B0F57}"/>
                   </a:ext>
                 </a:extLst>
               </p14:cNvPr>
@@ -24352,7 +24479,7 @@
               <p14:cNvPr id="189" name="Ink 188">
                 <a:extLst>
                   <a:ext uri="{FF2B5EF4-FFF2-40B4-BE49-F238E27FC236}">
-                    <a16:creationId xmlns:a16="http://schemas.microsoft.com/office/drawing/2014/main" id="{6B23C5DD-13B1-4841-87ED-62AD5C3C9F4A}"/>
+                    <a16:creationId xmlns:a16="http://schemas.microsoft.com/office/drawing/2014/main" xmlns="" id="{6B23C5DD-13B1-4841-87ED-62AD5C3C9F4A}"/>
                   </a:ext>
                 </a:extLst>
               </p14:cNvPr>
@@ -24403,7 +24530,7 @@
               <p14:cNvPr id="192" name="Ink 191">
                 <a:extLst>
                   <a:ext uri="{FF2B5EF4-FFF2-40B4-BE49-F238E27FC236}">
-                    <a16:creationId xmlns:a16="http://schemas.microsoft.com/office/drawing/2014/main" id="{DE94FB75-4DD3-4952-8F10-A4E2DC47599A}"/>
+                    <a16:creationId xmlns:a16="http://schemas.microsoft.com/office/drawing/2014/main" xmlns="" id="{DE94FB75-4DD3-4952-8F10-A4E2DC47599A}"/>
                   </a:ext>
                 </a:extLst>
               </p14:cNvPr>
@@ -24454,7 +24581,7 @@
               <p14:cNvPr id="193" name="Ink 192">
                 <a:extLst>
                   <a:ext uri="{FF2B5EF4-FFF2-40B4-BE49-F238E27FC236}">
-                    <a16:creationId xmlns:a16="http://schemas.microsoft.com/office/drawing/2014/main" id="{DA76F0E4-C376-4131-8E6D-043DE514C5A7}"/>
+                    <a16:creationId xmlns:a16="http://schemas.microsoft.com/office/drawing/2014/main" xmlns="" id="{DA76F0E4-C376-4131-8E6D-043DE514C5A7}"/>
                   </a:ext>
                 </a:extLst>
               </p14:cNvPr>
@@ -24505,7 +24632,7 @@
               <p14:cNvPr id="194" name="Ink 193">
                 <a:extLst>
                   <a:ext uri="{FF2B5EF4-FFF2-40B4-BE49-F238E27FC236}">
-                    <a16:creationId xmlns:a16="http://schemas.microsoft.com/office/drawing/2014/main" id="{0DD51E43-9339-4B2E-BC3A-6281194853DB}"/>
+                    <a16:creationId xmlns:a16="http://schemas.microsoft.com/office/drawing/2014/main" xmlns="" id="{0DD51E43-9339-4B2E-BC3A-6281194853DB}"/>
                   </a:ext>
                 </a:extLst>
               </p14:cNvPr>
@@ -24556,7 +24683,7 @@
               <p14:cNvPr id="195" name="Ink 194">
                 <a:extLst>
                   <a:ext uri="{FF2B5EF4-FFF2-40B4-BE49-F238E27FC236}">
-                    <a16:creationId xmlns:a16="http://schemas.microsoft.com/office/drawing/2014/main" id="{5279FC3C-056D-4176-B9B2-5B0902D4EF5B}"/>
+                    <a16:creationId xmlns:a16="http://schemas.microsoft.com/office/drawing/2014/main" xmlns="" id="{5279FC3C-056D-4176-B9B2-5B0902D4EF5B}"/>
                   </a:ext>
                 </a:extLst>
               </p14:cNvPr>
@@ -24607,7 +24734,7 @@
               <p14:cNvPr id="196" name="Ink 195">
                 <a:extLst>
                   <a:ext uri="{FF2B5EF4-FFF2-40B4-BE49-F238E27FC236}">
-                    <a16:creationId xmlns:a16="http://schemas.microsoft.com/office/drawing/2014/main" id="{6A997EC1-FDC2-4DEF-A80D-5B5152037FDA}"/>
+                    <a16:creationId xmlns:a16="http://schemas.microsoft.com/office/drawing/2014/main" xmlns="" id="{6A997EC1-FDC2-4DEF-A80D-5B5152037FDA}"/>
                   </a:ext>
                 </a:extLst>
               </p14:cNvPr>
@@ -24658,7 +24785,7 @@
               <p14:cNvPr id="197" name="Ink 196">
                 <a:extLst>
                   <a:ext uri="{FF2B5EF4-FFF2-40B4-BE49-F238E27FC236}">
-                    <a16:creationId xmlns:a16="http://schemas.microsoft.com/office/drawing/2014/main" id="{80A5D7B5-C826-4A90-85BD-4A17F41B6B9C}"/>
+                    <a16:creationId xmlns:a16="http://schemas.microsoft.com/office/drawing/2014/main" xmlns="" id="{80A5D7B5-C826-4A90-85BD-4A17F41B6B9C}"/>
                   </a:ext>
                 </a:extLst>
               </p14:cNvPr>
@@ -24709,7 +24836,7 @@
               <p14:cNvPr id="198" name="Ink 197">
                 <a:extLst>
                   <a:ext uri="{FF2B5EF4-FFF2-40B4-BE49-F238E27FC236}">
-                    <a16:creationId xmlns:a16="http://schemas.microsoft.com/office/drawing/2014/main" id="{9EF722D1-97FF-4AA7-8CCA-E05F52C45CA8}"/>
+                    <a16:creationId xmlns:a16="http://schemas.microsoft.com/office/drawing/2014/main" xmlns="" id="{9EF722D1-97FF-4AA7-8CCA-E05F52C45CA8}"/>
                   </a:ext>
                 </a:extLst>
               </p14:cNvPr>
@@ -24788,7 +24915,7 @@
           <p:cNvPr id="2" name="Title 1">
             <a:extLst>
               <a:ext uri="{FF2B5EF4-FFF2-40B4-BE49-F238E27FC236}">
-                <a16:creationId xmlns:a16="http://schemas.microsoft.com/office/drawing/2014/main" id="{0802580C-C5C7-43FE-91FB-789E0A96D9A5}"/>
+                <a16:creationId xmlns:a16="http://schemas.microsoft.com/office/drawing/2014/main" xmlns="" id="{0802580C-C5C7-43FE-91FB-789E0A96D9A5}"/>
               </a:ext>
             </a:extLst>
           </p:cNvPr>
@@ -24823,7 +24950,7 @@
           <p:cNvPr id="3" name="Content Placeholder 2">
             <a:extLst>
               <a:ext uri="{FF2B5EF4-FFF2-40B4-BE49-F238E27FC236}">
-                <a16:creationId xmlns:a16="http://schemas.microsoft.com/office/drawing/2014/main" id="{A28D5793-6B12-4BF3-B649-4CDDFA1BAB8D}"/>
+                <a16:creationId xmlns:a16="http://schemas.microsoft.com/office/drawing/2014/main" xmlns="" id="{A28D5793-6B12-4BF3-B649-4CDDFA1BAB8D}"/>
               </a:ext>
             </a:extLst>
           </p:cNvPr>
@@ -24850,106 +24977,201 @@
               <a:buNone/>
             </a:pPr>
             <a:r>
-              <a:rPr lang="en-AU" sz="1600" dirty="0"/>
+              <a:rPr lang="en-AU" sz="1400" dirty="0"/>
               <a:t>Asset Packs</a:t>
             </a:r>
           </a:p>
           <a:p>
             <a:r>
-              <a:rPr lang="en-AU" sz="1600" dirty="0"/>
+              <a:rPr lang="en-AU" sz="1400" dirty="0"/>
               <a:t>Sunny Land – </a:t>
             </a:r>
             <a:r>
-              <a:rPr lang="en-AU" sz="1600" dirty="0" err="1"/>
+              <a:rPr lang="en-AU" sz="1400" dirty="0" err="1"/>
               <a:t>Ansimuz</a:t>
             </a:r>
-            <a:endParaRPr lang="en-AU" sz="1600" dirty="0"/>
+            <a:endParaRPr lang="en-AU" sz="1400" dirty="0"/>
           </a:p>
           <a:p>
             <a:r>
-              <a:rPr lang="en-AU" sz="1600" dirty="0"/>
+              <a:rPr lang="en-AU" sz="1400" dirty="0"/>
               <a:t>Free 2D Platform Game Assets – </a:t>
             </a:r>
             <a:r>
-              <a:rPr lang="en-AU" sz="1600" dirty="0" err="1"/>
+              <a:rPr lang="en-AU" sz="1400" dirty="0" err="1"/>
               <a:t>Bayat</a:t>
             </a:r>
             <a:r>
-              <a:rPr lang="en-AU" sz="1600" dirty="0"/>
+              <a:rPr lang="en-AU" sz="1400" dirty="0"/>
               <a:t> Games</a:t>
             </a:r>
           </a:p>
           <a:p>
-            <a:endParaRPr lang="en-AU" sz="1600" dirty="0"/>
+            <a:endParaRPr lang="en-AU" sz="1400" dirty="0"/>
           </a:p>
           <a:p>
             <a:pPr marL="0" indent="0">
               <a:buNone/>
             </a:pPr>
             <a:r>
-              <a:rPr lang="en-AU" sz="1600" dirty="0"/>
+              <a:rPr lang="en-AU" sz="1400" dirty="0"/>
               <a:t>Scripts</a:t>
             </a:r>
           </a:p>
           <a:p>
             <a:r>
-              <a:rPr lang="en-AU" sz="1600" dirty="0"/>
+              <a:rPr lang="en-AU" sz="1400" dirty="0"/>
               <a:t>Advanced character controller – </a:t>
             </a:r>
             <a:r>
-              <a:rPr lang="en-AU" sz="1600" dirty="0" err="1"/>
+              <a:rPr lang="en-AU" sz="1400" dirty="0" err="1"/>
               <a:t>Brackeys</a:t>
             </a:r>
             <a:r>
-              <a:rPr lang="en-AU" sz="1600" dirty="0"/>
+              <a:rPr lang="en-AU" sz="1400" dirty="0"/>
               <a:t> </a:t>
             </a:r>
             <a:r>
-              <a:rPr lang="en-AU" sz="1600" dirty="0">
+              <a:rPr lang="en-AU" sz="1400" dirty="0">
                 <a:hlinkClick r:id="rId2"/>
               </a:rPr>
               <a:t>https://github.com/Brackeys/2D-Character-Controller</a:t>
             </a:r>
             <a:r>
-              <a:rPr lang="en-AU" sz="1600" dirty="0"/>
-              <a:t>                                          (Need to check if we can actually use this with Brendan, if not create own 2d character controller script)</a:t>
+              <a:rPr lang="en-AU" sz="1400" dirty="0"/>
+              <a:t>                                          (Need to check if we can actually use this with Brendan, if not create own 2d character controller script</a:t>
+            </a:r>
+            <a:r>
+              <a:rPr lang="en-AU" sz="1400" dirty="0" smtClean="0"/>
+              <a:t>)</a:t>
             </a:r>
           </a:p>
           <a:p>
-            <a:endParaRPr lang="en-AU" sz="1600" dirty="0"/>
+            <a:r>
+              <a:rPr lang="en-AU" sz="1400" dirty="0">
+                <a:hlinkClick r:id="rId3"/>
+              </a:rPr>
+              <a:t>https://www.codemahal.com/video/adding-a-delay-to-respawn-in-a-2d-unity-game</a:t>
+            </a:r>
+            <a:r>
+              <a:rPr lang="en-AU" sz="1400" dirty="0" smtClean="0">
+                <a:hlinkClick r:id="rId3"/>
+              </a:rPr>
+              <a:t>/</a:t>
+            </a:r>
+            <a:r>
+              <a:rPr lang="en-AU" sz="1400" dirty="0" smtClean="0"/>
+              <a:t> (Used part of code for the </a:t>
+            </a:r>
+            <a:r>
+              <a:rPr lang="en-AU" sz="1400" dirty="0" err="1"/>
+              <a:t>C</a:t>
+            </a:r>
+            <a:r>
+              <a:rPr lang="en-AU" sz="1400" dirty="0" err="1" smtClean="0"/>
+              <a:t>oroutine</a:t>
+            </a:r>
+            <a:r>
+              <a:rPr lang="en-AU" sz="1400" dirty="0" smtClean="0"/>
+              <a:t> function to delay the </a:t>
+            </a:r>
+            <a:r>
+              <a:rPr lang="en-AU" sz="1400" dirty="0" err="1" smtClean="0"/>
+              <a:t>transform.position</a:t>
+            </a:r>
+            <a:endParaRPr lang="en-AU" sz="1400" dirty="0"/>
+          </a:p>
+          <a:p>
+            <a:endParaRPr lang="en-AU" sz="1400" dirty="0"/>
           </a:p>
           <a:p>
             <a:pPr marL="0" indent="0">
               <a:buNone/>
             </a:pPr>
             <a:r>
-              <a:rPr lang="en-AU" sz="1600" dirty="0"/>
+              <a:rPr lang="en-AU" sz="1400" dirty="0"/>
               <a:t>Tutorials</a:t>
             </a:r>
           </a:p>
           <a:p>
             <a:r>
-              <a:rPr lang="en-AU" sz="1600" dirty="0"/>
+              <a:rPr lang="en-AU" sz="1400" dirty="0"/>
               <a:t>2D Movement in Unity (Tutorial) – </a:t>
             </a:r>
             <a:r>
-              <a:rPr lang="en-AU" sz="1600" dirty="0" err="1"/>
+              <a:rPr lang="en-AU" sz="1400" dirty="0" err="1"/>
               <a:t>Brackeys</a:t>
             </a:r>
             <a:r>
-              <a:rPr lang="en-AU" sz="1600" dirty="0"/>
+              <a:rPr lang="en-AU" sz="1400" dirty="0"/>
               <a:t> </a:t>
             </a:r>
             <a:r>
-              <a:rPr lang="en-AU" sz="1600" dirty="0">
-                <a:hlinkClick r:id="rId3"/>
+              <a:rPr lang="en-AU" sz="1400" dirty="0">
+                <a:hlinkClick r:id="rId4"/>
               </a:rPr>
               <a:t>https://www.youtube.com/watch?v=dwcT-Dch0bA</a:t>
             </a:r>
             <a:r>
-              <a:rPr lang="en-AU" sz="1600" dirty="0"/>
-              <a:t>                                        (Showed us how to reference controller script to make the character actually move on horizontal axis, jump and crouch. Also smooth colliders on player and slippery material)</a:t>
+              <a:rPr lang="en-AU" sz="1400" dirty="0"/>
+              <a:t>                                        (Showed us how to reference controller script to make the character actually move on horizontal axis, jump and crouch. Also smooth colliders on player and slippery material</a:t>
             </a:r>
+            <a:r>
+              <a:rPr lang="en-AU" sz="1400" dirty="0" smtClean="0"/>
+              <a:t>)</a:t>
+            </a:r>
+          </a:p>
+          <a:p>
+            <a:r>
+              <a:rPr lang="en-AU" sz="1400" dirty="0" smtClean="0"/>
+              <a:t>2D Animation in Unity (</a:t>
+            </a:r>
+            <a:r>
+              <a:rPr lang="en-AU" sz="1400" dirty="0" err="1" smtClean="0"/>
+              <a:t>Turtorial</a:t>
+            </a:r>
+            <a:r>
+              <a:rPr lang="en-AU" sz="1400" dirty="0" smtClean="0"/>
+              <a:t>) – </a:t>
+            </a:r>
+            <a:r>
+              <a:rPr lang="en-AU" sz="1400" dirty="0" err="1" smtClean="0"/>
+              <a:t>Brackeys</a:t>
+            </a:r>
+            <a:r>
+              <a:rPr lang="en-AU" sz="1400" dirty="0" smtClean="0"/>
+              <a:t> </a:t>
+            </a:r>
+            <a:r>
+              <a:rPr lang="en-AU" sz="1400" dirty="0" smtClean="0">
+                <a:hlinkClick r:id="rId5"/>
+              </a:rPr>
+              <a:t>https</a:t>
+            </a:r>
+            <a:r>
+              <a:rPr lang="en-AU" sz="1400" dirty="0">
+                <a:hlinkClick r:id="rId5"/>
+              </a:rPr>
+              <a:t>://</a:t>
+            </a:r>
+            <a:r>
+              <a:rPr lang="en-AU" sz="1400" dirty="0" smtClean="0">
+                <a:hlinkClick r:id="rId5"/>
+              </a:rPr>
+              <a:t>www.youtube.com/watch?v=hkaysu1Z-N8&amp;list=PLPV2KyIb3jR6TFcFuzI2bB7TMNIIBpKMQ&amp;index=3</a:t>
+            </a:r>
+            <a:r>
+              <a:rPr lang="en-AU" sz="1400" dirty="0" smtClean="0"/>
+              <a:t> (Showed us how to make animation clips and assign them in the animator, then how to assign the animator in </a:t>
+            </a:r>
+            <a:r>
+              <a:rPr lang="en-AU" sz="1400" smtClean="0"/>
+              <a:t>the script.</a:t>
+            </a:r>
+            <a:endParaRPr lang="en-AU" sz="1400" dirty="0" smtClean="0"/>
+          </a:p>
+          <a:p>
+            <a:endParaRPr lang="en-AU" sz="1600" dirty="0"/>
           </a:p>
           <a:p>
             <a:endParaRPr lang="en-AU" dirty="0"/>
@@ -25002,10 +25224,10 @@
           <p:cNvPr id="8" name="Rectangle 7">
             <a:extLst>
               <a:ext uri="{FF2B5EF4-FFF2-40B4-BE49-F238E27FC236}">
-                <a16:creationId xmlns:a16="http://schemas.microsoft.com/office/drawing/2014/main" id="{310A4E0E-502E-444B-B37E-40557A266237}"/>
+                <a16:creationId xmlns:a16="http://schemas.microsoft.com/office/drawing/2014/main" xmlns="" id="{310A4E0E-502E-444B-B37E-40557A266237}"/>
               </a:ext>
               <a:ext uri="{C183D7F6-B498-43B3-948B-1728B52AA6E4}">
-                <adec:decorative xmlns:adec="http://schemas.microsoft.com/office/drawing/2017/decorative" val="1"/>
+                <adec:decorative xmlns:adec="http://schemas.microsoft.com/office/drawing/2017/decorative" xmlns="" val="1"/>
               </a:ext>
             </a:extLst>
           </p:cNvPr>
@@ -25015,7 +25237,7 @@
           <p:nvPr>
             <p:extLst>
               <p:ext uri="{386F3935-93C4-4BCD-93E2-E3B085C9AB24}">
-                <p16:designElem xmlns:p16="http://schemas.microsoft.com/office/powerpoint/2015/main" val="1"/>
+                <p16:designElem xmlns:p16="http://schemas.microsoft.com/office/powerpoint/2015/main" xmlns="" val="1"/>
               </p:ext>
             </p:extLst>
           </p:nvPr>
@@ -25062,10 +25284,10 @@
           <p:cNvPr id="10" name="Rectangle 9">
             <a:extLst>
               <a:ext uri="{FF2B5EF4-FFF2-40B4-BE49-F238E27FC236}">
-                <a16:creationId xmlns:a16="http://schemas.microsoft.com/office/drawing/2014/main" id="{0BA68F03-D88C-4F27-AD65-034133F1A840}"/>
+                <a16:creationId xmlns:a16="http://schemas.microsoft.com/office/drawing/2014/main" xmlns="" id="{0BA68F03-D88C-4F27-AD65-034133F1A840}"/>
               </a:ext>
               <a:ext uri="{C183D7F6-B498-43B3-948B-1728B52AA6E4}">
-                <adec:decorative xmlns:adec="http://schemas.microsoft.com/office/drawing/2017/decorative" val="1"/>
+                <adec:decorative xmlns:adec="http://schemas.microsoft.com/office/drawing/2017/decorative" xmlns="" val="1"/>
               </a:ext>
             </a:extLst>
           </p:cNvPr>
@@ -25075,7 +25297,7 @@
           <p:nvPr>
             <p:extLst>
               <p:ext uri="{386F3935-93C4-4BCD-93E2-E3B085C9AB24}">
-                <p16:designElem xmlns:p16="http://schemas.microsoft.com/office/powerpoint/2015/main" val="1"/>
+                <p16:designElem xmlns:p16="http://schemas.microsoft.com/office/powerpoint/2015/main" xmlns="" val="1"/>
               </p:ext>
             </p:extLst>
           </p:nvPr>
@@ -25125,10 +25347,10 @@
           <p:cNvPr id="12" name="Freeform: Shape 11">
             <a:extLst>
               <a:ext uri="{FF2B5EF4-FFF2-40B4-BE49-F238E27FC236}">
-                <a16:creationId xmlns:a16="http://schemas.microsoft.com/office/drawing/2014/main" id="{B4DB13C2-D61D-4A8D-B973-BE6546C7BEBE}"/>
+                <a16:creationId xmlns:a16="http://schemas.microsoft.com/office/drawing/2014/main" xmlns="" id="{B4DB13C2-D61D-4A8D-B973-BE6546C7BEBE}"/>
               </a:ext>
               <a:ext uri="{C183D7F6-B498-43B3-948B-1728B52AA6E4}">
-                <adec:decorative xmlns:adec="http://schemas.microsoft.com/office/drawing/2017/decorative" val="1"/>
+                <adec:decorative xmlns:adec="http://schemas.microsoft.com/office/drawing/2017/decorative" xmlns="" val="1"/>
               </a:ext>
             </a:extLst>
           </p:cNvPr>
@@ -25138,7 +25360,7 @@
           <p:nvPr>
             <p:extLst>
               <p:ext uri="{386F3935-93C4-4BCD-93E2-E3B085C9AB24}">
-                <p16:designElem xmlns:p16="http://schemas.microsoft.com/office/powerpoint/2015/main" val="1"/>
+                <p16:designElem xmlns:p16="http://schemas.microsoft.com/office/powerpoint/2015/main" xmlns="" val="1"/>
               </p:ext>
             </p:extLst>
           </p:nvPr>
@@ -26309,7 +26531,7 @@
           <p:cNvPr id="2" name="Title 1">
             <a:extLst>
               <a:ext uri="{FF2B5EF4-FFF2-40B4-BE49-F238E27FC236}">
-                <a16:creationId xmlns:a16="http://schemas.microsoft.com/office/drawing/2014/main" id="{2F604FDD-6D8D-422C-8FED-FE12651F4AF3}"/>
+                <a16:creationId xmlns:a16="http://schemas.microsoft.com/office/drawing/2014/main" xmlns="" id="{2F604FDD-6D8D-422C-8FED-FE12651F4AF3}"/>
               </a:ext>
             </a:extLst>
           </p:cNvPr>
@@ -26344,7 +26566,7 @@
           <p:cNvPr id="3" name="Content Placeholder 2">
             <a:extLst>
               <a:ext uri="{FF2B5EF4-FFF2-40B4-BE49-F238E27FC236}">
-                <a16:creationId xmlns:a16="http://schemas.microsoft.com/office/drawing/2014/main" id="{B0BFF279-9AE0-4E90-BE47-22737B50636A}"/>
+                <a16:creationId xmlns:a16="http://schemas.microsoft.com/office/drawing/2014/main" xmlns="" id="{B0BFF279-9AE0-4E90-BE47-22737B50636A}"/>
               </a:ext>
             </a:extLst>
           </p:cNvPr>
@@ -26363,7 +26585,7 @@
         </p:spPr>
         <p:txBody>
           <a:bodyPr anchor="ctr">
-            <a:normAutofit/>
+            <a:normAutofit lnSpcReduction="10000"/>
           </a:bodyPr>
           <a:lstStyle/>
           <a:p>
@@ -26387,8 +26609,42 @@
           <a:p>
             <a:r>
               <a:rPr lang="en-AU" dirty="0"/>
-              <a:t>Look at smart turret AI in asset store.</a:t>
+              <a:t>Look at smart turret AI in asset store</a:t>
             </a:r>
+            <a:r>
+              <a:rPr lang="en-AU" dirty="0" smtClean="0"/>
+              <a:t>.</a:t>
+            </a:r>
+          </a:p>
+          <a:p>
+            <a:endParaRPr lang="en-US" dirty="0"/>
+          </a:p>
+          <a:p>
+            <a:r>
+              <a:rPr lang="en-US" dirty="0" smtClean="0"/>
+              <a:t>The </a:t>
+            </a:r>
+            <a:r>
+              <a:rPr lang="en-US" dirty="0" err="1" smtClean="0"/>
+              <a:t>GameManager</a:t>
+            </a:r>
+            <a:r>
+              <a:rPr lang="en-US" dirty="0" smtClean="0"/>
+              <a:t> script moves its position every time the player respawns for whatever reason. It was originally on the camera which made us unable to see the whole scene so we </a:t>
+            </a:r>
+            <a:r>
+              <a:rPr lang="en-US" dirty="0" err="1" smtClean="0"/>
+              <a:t>kinda</a:t>
+            </a:r>
+            <a:r>
+              <a:rPr lang="en-US" dirty="0" smtClean="0"/>
+              <a:t> fixed it by placing </a:t>
+            </a:r>
+            <a:r>
+              <a:rPr lang="en-US" dirty="0" smtClean="0"/>
+              <a:t>the script as an empty object.</a:t>
+            </a:r>
+            <a:endParaRPr lang="en-AU" dirty="0"/>
           </a:p>
           <a:p>
             <a:endParaRPr lang="en-AU" dirty="0"/>
